--- a/1/INFO 5100/Asmts/Group Assignment 1/Deliverables/Presentation.pptx
+++ b/1/INFO 5100/Asmts/Group Assignment 1/Deliverables/Presentation.pptx
@@ -5,7 +5,7 @@
     <p:sldMasterId id="2147483659" r:id="rId1"/>
   </p:sldMasterIdLst>
   <p:notesMasterIdLst>
-    <p:notesMasterId r:id="rId16"/>
+    <p:notesMasterId r:id="rId17"/>
   </p:notesMasterIdLst>
   <p:sldIdLst>
     <p:sldId id="256" r:id="rId2"/>
@@ -13,25 +13,26 @@
     <p:sldId id="258" r:id="rId4"/>
     <p:sldId id="276" r:id="rId5"/>
     <p:sldId id="259" r:id="rId6"/>
-    <p:sldId id="277" r:id="rId7"/>
-    <p:sldId id="279" r:id="rId8"/>
-    <p:sldId id="278" r:id="rId9"/>
-    <p:sldId id="263" r:id="rId10"/>
-    <p:sldId id="261" r:id="rId11"/>
-    <p:sldId id="283" r:id="rId12"/>
-    <p:sldId id="281" r:id="rId13"/>
-    <p:sldId id="284" r:id="rId14"/>
-    <p:sldId id="275" r:id="rId15"/>
+    <p:sldId id="285" r:id="rId7"/>
+    <p:sldId id="277" r:id="rId8"/>
+    <p:sldId id="279" r:id="rId9"/>
+    <p:sldId id="278" r:id="rId10"/>
+    <p:sldId id="263" r:id="rId11"/>
+    <p:sldId id="261" r:id="rId12"/>
+    <p:sldId id="283" r:id="rId13"/>
+    <p:sldId id="281" r:id="rId14"/>
+    <p:sldId id="284" r:id="rId15"/>
+    <p:sldId id="275" r:id="rId16"/>
   </p:sldIdLst>
   <p:sldSz cx="9144000" cy="5143500" type="screen16x9"/>
   <p:notesSz cx="6858000" cy="9144000"/>
   <p:embeddedFontLst>
     <p:embeddedFont>
       <p:font typeface="Roboto" panose="02000000000000000000" pitchFamily="2" charset="0"/>
-      <p:regular r:id="rId17"/>
-      <p:bold r:id="rId18"/>
-      <p:italic r:id="rId19"/>
-      <p:boldItalic r:id="rId20"/>
+      <p:regular r:id="rId18"/>
+      <p:bold r:id="rId19"/>
+      <p:italic r:id="rId20"/>
+      <p:boldItalic r:id="rId21"/>
     </p:embeddedFont>
   </p:embeddedFontLst>
   <p:defaultTextStyle>
@@ -285,7 +286,7 @@
 <file path=ppt/revisionInfo.xml><?xml version="1.0" encoding="utf-8"?>
 <p1510:revInfo xmlns:a="http://schemas.openxmlformats.org/drawingml/2006/main" xmlns:r="http://schemas.openxmlformats.org/officeDocument/2006/relationships" xmlns:p1510="http://schemas.microsoft.com/office/powerpoint/2015/10/main">
   <p1510:revLst>
-    <p1510:client id="{AAC8F6A5-6A34-4BFE-A543-376837AA7FE6}" v="43" dt="2024-10-17T18:42:54.866"/>
+    <p1510:client id="{AAC8F6A5-6A34-4BFE-A543-376837AA7FE6}" v="48" dt="2024-10-17T19:18:25.099"/>
   </p1510:revLst>
 </p1510:revInfo>
 </file>
@@ -295,7 +296,7 @@
   <pc:docChgLst>
     <pc:chgData name="Yulun Feng" userId="f2498aaf-6ea4-4003-b18f-a269b5147eb4" providerId="ADAL" clId="{AAC8F6A5-6A34-4BFE-A543-376837AA7FE6}"/>
     <pc:docChg chg="undo redo custSel addSld delSld modSld sldOrd">
-      <pc:chgData name="Yulun Feng" userId="f2498aaf-6ea4-4003-b18f-a269b5147eb4" providerId="ADAL" clId="{AAC8F6A5-6A34-4BFE-A543-376837AA7FE6}" dt="2024-10-17T18:50:04.596" v="3551" actId="20577"/>
+      <pc:chgData name="Yulun Feng" userId="f2498aaf-6ea4-4003-b18f-a269b5147eb4" providerId="ADAL" clId="{AAC8F6A5-6A34-4BFE-A543-376837AA7FE6}" dt="2024-10-17T19:18:28.083" v="3596" actId="20577"/>
       <pc:docMkLst>
         <pc:docMk/>
       </pc:docMkLst>
@@ -346,23 +347,103 @@
           </ac:picMkLst>
         </pc:picChg>
       </pc:sldChg>
-      <pc:sldChg chg="modSp mod modNotesTx">
-        <pc:chgData name="Yulun Feng" userId="f2498aaf-6ea4-4003-b18f-a269b5147eb4" providerId="ADAL" clId="{AAC8F6A5-6A34-4BFE-A543-376837AA7FE6}" dt="2024-10-17T15:41:44.827" v="733" actId="20577"/>
+      <pc:sldChg chg="addSp delSp modSp mod modNotesTx">
+        <pc:chgData name="Yulun Feng" userId="f2498aaf-6ea4-4003-b18f-a269b5147eb4" providerId="ADAL" clId="{AAC8F6A5-6A34-4BFE-A543-376837AA7FE6}" dt="2024-10-17T19:17:57.133" v="3580" actId="20577"/>
         <pc:sldMkLst>
           <pc:docMk/>
           <pc:sldMk cId="0" sldId="257"/>
         </pc:sldMkLst>
+        <pc:spChg chg="add mod">
+          <ac:chgData name="Yulun Feng" userId="f2498aaf-6ea4-4003-b18f-a269b5147eb4" providerId="ADAL" clId="{AAC8F6A5-6A34-4BFE-A543-376837AA7FE6}" dt="2024-10-17T19:17:57.133" v="3580" actId="20577"/>
+          <ac:spMkLst>
+            <pc:docMk/>
+            <pc:sldMk cId="0" sldId="257"/>
+            <ac:spMk id="2" creationId="{4EADFA0F-917A-8ADE-6C18-58730DFFCFAE}"/>
+          </ac:spMkLst>
+        </pc:spChg>
         <pc:spChg chg="mod">
-          <ac:chgData name="Yulun Feng" userId="f2498aaf-6ea4-4003-b18f-a269b5147eb4" providerId="ADAL" clId="{AAC8F6A5-6A34-4BFE-A543-376837AA7FE6}" dt="2024-10-17T15:33:23.127" v="211" actId="20577"/>
+          <ac:chgData name="Yulun Feng" userId="f2498aaf-6ea4-4003-b18f-a269b5147eb4" providerId="ADAL" clId="{AAC8F6A5-6A34-4BFE-A543-376837AA7FE6}" dt="2024-10-17T19:17:30.475" v="3571" actId="20577"/>
           <ac:spMkLst>
             <pc:docMk/>
             <pc:sldMk cId="0" sldId="257"/>
             <ac:spMk id="92" creationId="{00000000-0000-0000-0000-000000000000}"/>
           </ac:spMkLst>
         </pc:spChg>
+        <pc:spChg chg="del mod">
+          <ac:chgData name="Yulun Feng" userId="f2498aaf-6ea4-4003-b18f-a269b5147eb4" providerId="ADAL" clId="{AAC8F6A5-6A34-4BFE-A543-376837AA7FE6}" dt="2024-10-17T19:17:36.930" v="3572" actId="478"/>
+          <ac:spMkLst>
+            <pc:docMk/>
+            <pc:sldMk cId="0" sldId="257"/>
+            <ac:spMk id="96" creationId="{00000000-0000-0000-0000-000000000000}"/>
+          </ac:spMkLst>
+        </pc:spChg>
+        <pc:spChg chg="del mod">
+          <ac:chgData name="Yulun Feng" userId="f2498aaf-6ea4-4003-b18f-a269b5147eb4" providerId="ADAL" clId="{AAC8F6A5-6A34-4BFE-A543-376837AA7FE6}" dt="2024-10-17T19:17:36.930" v="3572" actId="478"/>
+          <ac:spMkLst>
+            <pc:docMk/>
+            <pc:sldMk cId="0" sldId="257"/>
+            <ac:spMk id="97" creationId="{00000000-0000-0000-0000-000000000000}"/>
+          </ac:spMkLst>
+        </pc:spChg>
+        <pc:spChg chg="del mod">
+          <ac:chgData name="Yulun Feng" userId="f2498aaf-6ea4-4003-b18f-a269b5147eb4" providerId="ADAL" clId="{AAC8F6A5-6A34-4BFE-A543-376837AA7FE6}" dt="2024-10-17T19:17:36.930" v="3572" actId="478"/>
+          <ac:spMkLst>
+            <pc:docMk/>
+            <pc:sldMk cId="0" sldId="257"/>
+            <ac:spMk id="101" creationId="{00000000-0000-0000-0000-000000000000}"/>
+          </ac:spMkLst>
+        </pc:spChg>
+        <pc:spChg chg="del mod">
+          <ac:chgData name="Yulun Feng" userId="f2498aaf-6ea4-4003-b18f-a269b5147eb4" providerId="ADAL" clId="{AAC8F6A5-6A34-4BFE-A543-376837AA7FE6}" dt="2024-10-17T19:17:36.930" v="3572" actId="478"/>
+          <ac:spMkLst>
+            <pc:docMk/>
+            <pc:sldMk cId="0" sldId="257"/>
+            <ac:spMk id="102" creationId="{00000000-0000-0000-0000-000000000000}"/>
+          </ac:spMkLst>
+        </pc:spChg>
+        <pc:spChg chg="del mod">
+          <ac:chgData name="Yulun Feng" userId="f2498aaf-6ea4-4003-b18f-a269b5147eb4" providerId="ADAL" clId="{AAC8F6A5-6A34-4BFE-A543-376837AA7FE6}" dt="2024-10-17T19:17:36.930" v="3572" actId="478"/>
+          <ac:spMkLst>
+            <pc:docMk/>
+            <pc:sldMk cId="0" sldId="257"/>
+            <ac:spMk id="106" creationId="{00000000-0000-0000-0000-000000000000}"/>
+          </ac:spMkLst>
+        </pc:spChg>
+        <pc:spChg chg="del mod">
+          <ac:chgData name="Yulun Feng" userId="f2498aaf-6ea4-4003-b18f-a269b5147eb4" providerId="ADAL" clId="{AAC8F6A5-6A34-4BFE-A543-376837AA7FE6}" dt="2024-10-17T19:17:36.930" v="3572" actId="478"/>
+          <ac:spMkLst>
+            <pc:docMk/>
+            <pc:sldMk cId="0" sldId="257"/>
+            <ac:spMk id="107" creationId="{00000000-0000-0000-0000-000000000000}"/>
+          </ac:spMkLst>
+        </pc:spChg>
+        <pc:grpChg chg="del">
+          <ac:chgData name="Yulun Feng" userId="f2498aaf-6ea4-4003-b18f-a269b5147eb4" providerId="ADAL" clId="{AAC8F6A5-6A34-4BFE-A543-376837AA7FE6}" dt="2024-10-17T19:17:36.930" v="3572" actId="478"/>
+          <ac:grpSpMkLst>
+            <pc:docMk/>
+            <pc:sldMk cId="0" sldId="257"/>
+            <ac:grpSpMk id="93" creationId="{00000000-0000-0000-0000-000000000000}"/>
+          </ac:grpSpMkLst>
+        </pc:grpChg>
+        <pc:grpChg chg="del">
+          <ac:chgData name="Yulun Feng" userId="f2498aaf-6ea4-4003-b18f-a269b5147eb4" providerId="ADAL" clId="{AAC8F6A5-6A34-4BFE-A543-376837AA7FE6}" dt="2024-10-17T19:17:36.930" v="3572" actId="478"/>
+          <ac:grpSpMkLst>
+            <pc:docMk/>
+            <pc:sldMk cId="0" sldId="257"/>
+            <ac:grpSpMk id="98" creationId="{00000000-0000-0000-0000-000000000000}"/>
+          </ac:grpSpMkLst>
+        </pc:grpChg>
+        <pc:grpChg chg="del">
+          <ac:chgData name="Yulun Feng" userId="f2498aaf-6ea4-4003-b18f-a269b5147eb4" providerId="ADAL" clId="{AAC8F6A5-6A34-4BFE-A543-376837AA7FE6}" dt="2024-10-17T19:17:36.930" v="3572" actId="478"/>
+          <ac:grpSpMkLst>
+            <pc:docMk/>
+            <pc:sldMk cId="0" sldId="257"/>
+            <ac:grpSpMk id="103" creationId="{00000000-0000-0000-0000-000000000000}"/>
+          </ac:grpSpMkLst>
+        </pc:grpChg>
       </pc:sldChg>
       <pc:sldChg chg="modSp mod modNotesTx">
-        <pc:chgData name="Yulun Feng" userId="f2498aaf-6ea4-4003-b18f-a269b5147eb4" providerId="ADAL" clId="{AAC8F6A5-6A34-4BFE-A543-376837AA7FE6}" dt="2024-10-17T18:50:04.596" v="3551" actId="20577"/>
+        <pc:chgData name="Yulun Feng" userId="f2498aaf-6ea4-4003-b18f-a269b5147eb4" providerId="ADAL" clId="{AAC8F6A5-6A34-4BFE-A543-376837AA7FE6}" dt="2024-10-17T19:16:42.830" v="3560" actId="20577"/>
         <pc:sldMkLst>
           <pc:docMk/>
           <pc:sldMk cId="0" sldId="258"/>
@@ -384,11 +465,27 @@
           </ac:spMkLst>
         </pc:spChg>
         <pc:spChg chg="mod">
+          <ac:chgData name="Yulun Feng" userId="f2498aaf-6ea4-4003-b18f-a269b5147eb4" providerId="ADAL" clId="{AAC8F6A5-6A34-4BFE-A543-376837AA7FE6}" dt="2024-10-17T19:16:39.304" v="3558" actId="20577"/>
+          <ac:spMkLst>
+            <pc:docMk/>
+            <pc:sldMk cId="0" sldId="258"/>
+            <ac:spMk id="117" creationId="{00000000-0000-0000-0000-000000000000}"/>
+          </ac:spMkLst>
+        </pc:spChg>
+        <pc:spChg chg="mod">
           <ac:chgData name="Yulun Feng" userId="f2498aaf-6ea4-4003-b18f-a269b5147eb4" providerId="ADAL" clId="{AAC8F6A5-6A34-4BFE-A543-376837AA7FE6}" dt="2024-10-17T15:42:59.547" v="849" actId="20577"/>
           <ac:spMkLst>
             <pc:docMk/>
             <pc:sldMk cId="0" sldId="258"/>
             <ac:spMk id="121" creationId="{00000000-0000-0000-0000-000000000000}"/>
+          </ac:spMkLst>
+        </pc:spChg>
+        <pc:spChg chg="mod">
+          <ac:chgData name="Yulun Feng" userId="f2498aaf-6ea4-4003-b18f-a269b5147eb4" providerId="ADAL" clId="{AAC8F6A5-6A34-4BFE-A543-376837AA7FE6}" dt="2024-10-17T19:16:41.164" v="3559" actId="20577"/>
+          <ac:spMkLst>
+            <pc:docMk/>
+            <pc:sldMk cId="0" sldId="258"/>
+            <ac:spMk id="122" creationId="{00000000-0000-0000-0000-000000000000}"/>
           </ac:spMkLst>
         </pc:spChg>
         <pc:spChg chg="mod">
@@ -399,9 +496,17 @@
             <ac:spMk id="126" creationId="{00000000-0000-0000-0000-000000000000}"/>
           </ac:spMkLst>
         </pc:spChg>
+        <pc:spChg chg="mod">
+          <ac:chgData name="Yulun Feng" userId="f2498aaf-6ea4-4003-b18f-a269b5147eb4" providerId="ADAL" clId="{AAC8F6A5-6A34-4BFE-A543-376837AA7FE6}" dt="2024-10-17T19:16:42.830" v="3560" actId="20577"/>
+          <ac:spMkLst>
+            <pc:docMk/>
+            <pc:sldMk cId="0" sldId="258"/>
+            <ac:spMk id="127" creationId="{00000000-0000-0000-0000-000000000000}"/>
+          </ac:spMkLst>
+        </pc:spChg>
       </pc:sldChg>
-      <pc:sldChg chg="modSp mod modNotesTx">
-        <pc:chgData name="Yulun Feng" userId="f2498aaf-6ea4-4003-b18f-a269b5147eb4" providerId="ADAL" clId="{AAC8F6A5-6A34-4BFE-A543-376837AA7FE6}" dt="2024-10-17T15:41:26.785" v="705" actId="20577"/>
+      <pc:sldChg chg="delSp modSp mod modNotesTx">
+        <pc:chgData name="Yulun Feng" userId="f2498aaf-6ea4-4003-b18f-a269b5147eb4" providerId="ADAL" clId="{AAC8F6A5-6A34-4BFE-A543-376837AA7FE6}" dt="2024-10-17T19:18:09.528" v="3583" actId="478"/>
         <pc:sldMkLst>
           <pc:docMk/>
           <pc:sldMk cId="0" sldId="259"/>
@@ -414,6 +519,22 @@
             <ac:spMk id="132" creationId="{00000000-0000-0000-0000-000000000000}"/>
           </ac:spMkLst>
         </pc:spChg>
+        <pc:spChg chg="mod">
+          <ac:chgData name="Yulun Feng" userId="f2498aaf-6ea4-4003-b18f-a269b5147eb4" providerId="ADAL" clId="{AAC8F6A5-6A34-4BFE-A543-376837AA7FE6}" dt="2024-10-17T19:16:59.918" v="3567" actId="20577"/>
+          <ac:spMkLst>
+            <pc:docMk/>
+            <pc:sldMk cId="0" sldId="259"/>
+            <ac:spMk id="133" creationId="{00000000-0000-0000-0000-000000000000}"/>
+          </ac:spMkLst>
+        </pc:spChg>
+        <pc:picChg chg="del mod">
+          <ac:chgData name="Yulun Feng" userId="f2498aaf-6ea4-4003-b18f-a269b5147eb4" providerId="ADAL" clId="{AAC8F6A5-6A34-4BFE-A543-376837AA7FE6}" dt="2024-10-17T19:18:09.528" v="3583" actId="478"/>
+          <ac:picMkLst>
+            <pc:docMk/>
+            <pc:sldMk cId="0" sldId="259"/>
+            <ac:picMk id="134" creationId="{00000000-0000-0000-0000-000000000000}"/>
+          </ac:picMkLst>
+        </pc:picChg>
       </pc:sldChg>
       <pc:sldChg chg="del ord modNotes">
         <pc:chgData name="Yulun Feng" userId="f2498aaf-6ea4-4003-b18f-a269b5147eb4" providerId="ADAL" clId="{AAC8F6A5-6A34-4BFE-A543-376837AA7FE6}" dt="2024-10-17T15:35:42.123" v="324" actId="47"/>
@@ -720,7 +841,7 @@
         </pc:sldMkLst>
       </pc:sldChg>
       <pc:sldChg chg="modSp add mod modNotesTx">
-        <pc:chgData name="Yulun Feng" userId="f2498aaf-6ea4-4003-b18f-a269b5147eb4" providerId="ADAL" clId="{AAC8F6A5-6A34-4BFE-A543-376837AA7FE6}" dt="2024-10-17T15:41:33.568" v="711"/>
+        <pc:chgData name="Yulun Feng" userId="f2498aaf-6ea4-4003-b18f-a269b5147eb4" providerId="ADAL" clId="{AAC8F6A5-6A34-4BFE-A543-376837AA7FE6}" dt="2024-10-17T19:16:56.291" v="3566" actId="20577"/>
         <pc:sldMkLst>
           <pc:docMk/>
           <pc:sldMk cId="4116044892" sldId="276"/>
@@ -731,6 +852,54 @@
             <pc:docMk/>
             <pc:sldMk cId="4116044892" sldId="276"/>
             <ac:spMk id="112" creationId="{00000000-0000-0000-0000-000000000000}"/>
+          </ac:spMkLst>
+        </pc:spChg>
+        <pc:spChg chg="mod">
+          <ac:chgData name="Yulun Feng" userId="f2498aaf-6ea4-4003-b18f-a269b5147eb4" providerId="ADAL" clId="{AAC8F6A5-6A34-4BFE-A543-376837AA7FE6}" dt="2024-10-17T19:16:48.459" v="3562" actId="20577"/>
+          <ac:spMkLst>
+            <pc:docMk/>
+            <pc:sldMk cId="4116044892" sldId="276"/>
+            <ac:spMk id="116" creationId="{00000000-0000-0000-0000-000000000000}"/>
+          </ac:spMkLst>
+        </pc:spChg>
+        <pc:spChg chg="mod">
+          <ac:chgData name="Yulun Feng" userId="f2498aaf-6ea4-4003-b18f-a269b5147eb4" providerId="ADAL" clId="{AAC8F6A5-6A34-4BFE-A543-376837AA7FE6}" dt="2024-10-17T19:16:46.357" v="3561" actId="20577"/>
+          <ac:spMkLst>
+            <pc:docMk/>
+            <pc:sldMk cId="4116044892" sldId="276"/>
+            <ac:spMk id="117" creationId="{00000000-0000-0000-0000-000000000000}"/>
+          </ac:spMkLst>
+        </pc:spChg>
+        <pc:spChg chg="mod">
+          <ac:chgData name="Yulun Feng" userId="f2498aaf-6ea4-4003-b18f-a269b5147eb4" providerId="ADAL" clId="{AAC8F6A5-6A34-4BFE-A543-376837AA7FE6}" dt="2024-10-17T19:16:50.286" v="3563" actId="20577"/>
+          <ac:spMkLst>
+            <pc:docMk/>
+            <pc:sldMk cId="4116044892" sldId="276"/>
+            <ac:spMk id="121" creationId="{00000000-0000-0000-0000-000000000000}"/>
+          </ac:spMkLst>
+        </pc:spChg>
+        <pc:spChg chg="mod">
+          <ac:chgData name="Yulun Feng" userId="f2498aaf-6ea4-4003-b18f-a269b5147eb4" providerId="ADAL" clId="{AAC8F6A5-6A34-4BFE-A543-376837AA7FE6}" dt="2024-10-17T19:16:52.027" v="3564" actId="20577"/>
+          <ac:spMkLst>
+            <pc:docMk/>
+            <pc:sldMk cId="4116044892" sldId="276"/>
+            <ac:spMk id="122" creationId="{00000000-0000-0000-0000-000000000000}"/>
+          </ac:spMkLst>
+        </pc:spChg>
+        <pc:spChg chg="mod">
+          <ac:chgData name="Yulun Feng" userId="f2498aaf-6ea4-4003-b18f-a269b5147eb4" providerId="ADAL" clId="{AAC8F6A5-6A34-4BFE-A543-376837AA7FE6}" dt="2024-10-17T19:16:54.637" v="3565" actId="20577"/>
+          <ac:spMkLst>
+            <pc:docMk/>
+            <pc:sldMk cId="4116044892" sldId="276"/>
+            <ac:spMk id="126" creationId="{00000000-0000-0000-0000-000000000000}"/>
+          </ac:spMkLst>
+        </pc:spChg>
+        <pc:spChg chg="mod">
+          <ac:chgData name="Yulun Feng" userId="f2498aaf-6ea4-4003-b18f-a269b5147eb4" providerId="ADAL" clId="{AAC8F6A5-6A34-4BFE-A543-376837AA7FE6}" dt="2024-10-17T19:16:56.291" v="3566" actId="20577"/>
+          <ac:spMkLst>
+            <pc:docMk/>
+            <pc:sldMk cId="4116044892" sldId="276"/>
+            <ac:spMk id="127" creationId="{00000000-0000-0000-0000-000000000000}"/>
           </ac:spMkLst>
         </pc:spChg>
       </pc:sldChg>
@@ -1486,6 +1655,21 @@
           </ac:spMkLst>
         </pc:spChg>
       </pc:sldChg>
+      <pc:sldChg chg="modSp add mod">
+        <pc:chgData name="Yulun Feng" userId="f2498aaf-6ea4-4003-b18f-a269b5147eb4" providerId="ADAL" clId="{AAC8F6A5-6A34-4BFE-A543-376837AA7FE6}" dt="2024-10-17T19:18:28.083" v="3596" actId="20577"/>
+        <pc:sldMkLst>
+          <pc:docMk/>
+          <pc:sldMk cId="1116968912" sldId="285"/>
+        </pc:sldMkLst>
+        <pc:spChg chg="mod">
+          <ac:chgData name="Yulun Feng" userId="f2498aaf-6ea4-4003-b18f-a269b5147eb4" providerId="ADAL" clId="{AAC8F6A5-6A34-4BFE-A543-376837AA7FE6}" dt="2024-10-17T19:18:28.083" v="3596" actId="20577"/>
+          <ac:spMkLst>
+            <pc:docMk/>
+            <pc:sldMk cId="1116968912" sldId="285"/>
+            <ac:spMk id="132" creationId="{00000000-0000-0000-0000-000000000000}"/>
+          </ac:spMkLst>
+        </pc:spChg>
+      </pc:sldChg>
       <pc:sldMasterChg chg="delSldLayout">
         <pc:chgData name="Yulun Feng" userId="f2498aaf-6ea4-4003-b18f-a269b5147eb4" providerId="ADAL" clId="{AAC8F6A5-6A34-4BFE-A543-376837AA7FE6}" dt="2024-10-17T17:53:33.508" v="2533" actId="47"/>
         <pc:sldMasterMkLst>
@@ -2056,7 +2240,7 @@
   <p:cSld>
     <p:spTree>
       <p:nvGrpSpPr>
-        <p:cNvPr id="1" name="Shape 141"/>
+        <p:cNvPr id="1" name="Shape 162"/>
         <p:cNvGrpSpPr/>
         <p:nvPr/>
       </p:nvGrpSpPr>
@@ -2070,7 +2254,7 @@
       </p:grpSpPr>
       <p:sp>
         <p:nvSpPr>
-          <p:cNvPr id="142" name="Google Shape;142;g2c05f7d80b9_0_1:notes"/>
+          <p:cNvPr id="163" name="Google Shape;163;gc6f9e470d_0_24:notes"/>
           <p:cNvSpPr>
             <a:spLocks noGrp="1" noRot="1" noChangeAspect="1"/>
           </p:cNvSpPr>
@@ -2111,7 +2295,7 @@
       </p:sp>
       <p:sp>
         <p:nvSpPr>
-          <p:cNvPr id="143" name="Google Shape;143;g2c05f7d80b9_0_1:notes"/>
+          <p:cNvPr id="164" name="Google Shape;164;gc6f9e470d_0_24:notes"/>
           <p:cNvSpPr txBox="1">
             <a:spLocks noGrp="1"/>
           </p:cNvSpPr>
@@ -2141,12 +2325,37 @@
               <a:spcAft>
                 <a:spcPts val="0"/>
               </a:spcAft>
+              <a:buClr>
+                <a:schemeClr val="dk1"/>
+              </a:buClr>
+              <a:buSzPts val="1100"/>
+              <a:buFont typeface="Arial"/>
               <a:buNone/>
             </a:pPr>
             <a:r>
-              <a:rPr lang="en-US" dirty="0"/>
+              <a:rPr lang="en" dirty="0">
+                <a:solidFill>
+                  <a:schemeClr val="dk1"/>
+                </a:solidFill>
+              </a:rPr>
               <a:t>Yulun Feng</a:t>
             </a:r>
+            <a:endParaRPr dirty="0">
+              <a:solidFill>
+                <a:schemeClr val="dk1"/>
+              </a:solidFill>
+            </a:endParaRPr>
+          </a:p>
+          <a:p>
+            <a:pPr marL="0" lvl="0" indent="0" algn="l" rtl="0">
+              <a:spcBef>
+                <a:spcPts val="0"/>
+              </a:spcBef>
+              <a:spcAft>
+                <a:spcPts val="0"/>
+              </a:spcAft>
+              <a:buNone/>
+            </a:pPr>
             <a:endParaRPr dirty="0"/>
           </a:p>
         </p:txBody>
@@ -2260,11 +2469,6 @@
         </p:txBody>
       </p:sp>
     </p:spTree>
-    <p:extLst>
-      <p:ext uri="{BB962C8B-B14F-4D97-AF65-F5344CB8AC3E}">
-        <p14:creationId xmlns:p14="http://schemas.microsoft.com/office/powerpoint/2010/main" val="4112614304"/>
-      </p:ext>
-    </p:extLst>
   </p:cSld>
   <p:clrMapOvr>
     <a:masterClrMapping/>
@@ -2277,7 +2481,7 @@
   <p:cSld>
     <p:spTree>
       <p:nvGrpSpPr>
-        <p:cNvPr id="1" name="Shape 108"/>
+        <p:cNvPr id="1" name="Shape 141"/>
         <p:cNvGrpSpPr/>
         <p:nvPr/>
       </p:nvGrpSpPr>
@@ -2291,7 +2495,7 @@
       </p:grpSpPr>
       <p:sp>
         <p:nvSpPr>
-          <p:cNvPr id="109" name="Google Shape;109;g2bf79941667_0_118:notes"/>
+          <p:cNvPr id="142" name="Google Shape;142;g2c05f7d80b9_0_1:notes"/>
           <p:cNvSpPr>
             <a:spLocks noGrp="1" noRot="1" noChangeAspect="1"/>
           </p:cNvSpPr>
@@ -2332,7 +2536,7 @@
       </p:sp>
       <p:sp>
         <p:nvSpPr>
-          <p:cNvPr id="110" name="Google Shape;110;g2bf79941667_0_118:notes"/>
+          <p:cNvPr id="143" name="Google Shape;143;g2c05f7d80b9_0_1:notes"/>
           <p:cNvSpPr txBox="1">
             <a:spLocks noGrp="1"/>
           </p:cNvSpPr>
@@ -2365,8 +2569,8 @@
               <a:buNone/>
             </a:pPr>
             <a:r>
-              <a:rPr lang="en" dirty="0"/>
-              <a:t>Yuelu Zhang</a:t>
+              <a:rPr lang="en-US" dirty="0"/>
+              <a:t>Yulun Feng</a:t>
             </a:r>
             <a:endParaRPr dirty="0"/>
           </a:p>
@@ -2375,7 +2579,7 @@
     </p:spTree>
     <p:extLst>
       <p:ext uri="{BB962C8B-B14F-4D97-AF65-F5344CB8AC3E}">
-        <p14:creationId xmlns:p14="http://schemas.microsoft.com/office/powerpoint/2010/main" val="3628622781"/>
+        <p14:creationId xmlns:p14="http://schemas.microsoft.com/office/powerpoint/2010/main" val="4112614304"/>
       </p:ext>
     </p:extLst>
   </p:cSld>
@@ -2488,6 +2692,119 @@
     </p:spTree>
     <p:extLst>
       <p:ext uri="{BB962C8B-B14F-4D97-AF65-F5344CB8AC3E}">
+        <p14:creationId xmlns:p14="http://schemas.microsoft.com/office/powerpoint/2010/main" val="3628622781"/>
+      </p:ext>
+    </p:extLst>
+  </p:cSld>
+  <p:clrMapOvr>
+    <a:masterClrMapping/>
+  </p:clrMapOvr>
+</p:notes>
+</file>
+
+<file path=ppt/notesSlides/notesSlide14.xml><?xml version="1.0" encoding="utf-8"?>
+<p:notes xmlns:a="http://schemas.openxmlformats.org/drawingml/2006/main" xmlns:r="http://schemas.openxmlformats.org/officeDocument/2006/relationships" xmlns:p="http://schemas.openxmlformats.org/presentationml/2006/main" showMasterSp="0" showMasterPhAnim="0">
+  <p:cSld>
+    <p:spTree>
+      <p:nvGrpSpPr>
+        <p:cNvPr id="1" name="Shape 108"/>
+        <p:cNvGrpSpPr/>
+        <p:nvPr/>
+      </p:nvGrpSpPr>
+      <p:grpSpPr>
+        <a:xfrm>
+          <a:off x="0" y="0"/>
+          <a:ext cx="0" cy="0"/>
+          <a:chOff x="0" y="0"/>
+          <a:chExt cx="0" cy="0"/>
+        </a:xfrm>
+      </p:grpSpPr>
+      <p:sp>
+        <p:nvSpPr>
+          <p:cNvPr id="109" name="Google Shape;109;g2bf79941667_0_118:notes"/>
+          <p:cNvSpPr>
+            <a:spLocks noGrp="1" noRot="1" noChangeAspect="1"/>
+          </p:cNvSpPr>
+          <p:nvPr>
+            <p:ph type="sldImg" idx="2"/>
+          </p:nvPr>
+        </p:nvSpPr>
+        <p:spPr>
+          <a:xfrm>
+            <a:off x="381000" y="685800"/>
+            <a:ext cx="6096000" cy="3429000"/>
+          </a:xfrm>
+          <a:custGeom>
+            <a:avLst/>
+            <a:gdLst/>
+            <a:ahLst/>
+            <a:cxnLst/>
+            <a:rect l="l" t="t" r="r" b="b"/>
+            <a:pathLst>
+              <a:path w="120000" h="120000" extrusionOk="0">
+                <a:moveTo>
+                  <a:pt x="0" y="0"/>
+                </a:moveTo>
+                <a:lnTo>
+                  <a:pt x="120000" y="0"/>
+                </a:lnTo>
+                <a:lnTo>
+                  <a:pt x="120000" y="120000"/>
+                </a:lnTo>
+                <a:lnTo>
+                  <a:pt x="0" y="120000"/>
+                </a:lnTo>
+                <a:close/>
+              </a:path>
+            </a:pathLst>
+          </a:custGeom>
+        </p:spPr>
+      </p:sp>
+      <p:sp>
+        <p:nvSpPr>
+          <p:cNvPr id="110" name="Google Shape;110;g2bf79941667_0_118:notes"/>
+          <p:cNvSpPr txBox="1">
+            <a:spLocks noGrp="1"/>
+          </p:cNvSpPr>
+          <p:nvPr>
+            <p:ph type="body" idx="1"/>
+          </p:nvPr>
+        </p:nvSpPr>
+        <p:spPr>
+          <a:xfrm>
+            <a:off x="685800" y="4343400"/>
+            <a:ext cx="5486400" cy="4114800"/>
+          </a:xfrm>
+          <a:prstGeom prst="rect">
+            <a:avLst/>
+          </a:prstGeom>
+        </p:spPr>
+        <p:txBody>
+          <a:bodyPr spcFirstLastPara="1" wrap="square" lIns="91425" tIns="91425" rIns="91425" bIns="91425" anchor="t" anchorCtr="0">
+            <a:noAutofit/>
+          </a:bodyPr>
+          <a:lstStyle/>
+          <a:p>
+            <a:pPr marL="0" lvl="0" indent="0" algn="l" rtl="0">
+              <a:spcBef>
+                <a:spcPts val="0"/>
+              </a:spcBef>
+              <a:spcAft>
+                <a:spcPts val="0"/>
+              </a:spcAft>
+              <a:buNone/>
+            </a:pPr>
+            <a:r>
+              <a:rPr lang="en" dirty="0"/>
+              <a:t>Yuelu Zhang</a:t>
+            </a:r>
+            <a:endParaRPr dirty="0"/>
+          </a:p>
+        </p:txBody>
+      </p:sp>
+    </p:spTree>
+    <p:extLst>
+      <p:ext uri="{BB962C8B-B14F-4D97-AF65-F5344CB8AC3E}">
         <p14:creationId xmlns:p14="http://schemas.microsoft.com/office/powerpoint/2010/main" val="4069370721"/>
       </p:ext>
     </p:extLst>
@@ -2498,7 +2815,7 @@
 </p:notes>
 </file>
 
-<file path=ppt/notesSlides/notesSlide14.xml><?xml version="1.0" encoding="utf-8"?>
+<file path=ppt/notesSlides/notesSlide15.xml><?xml version="1.0" encoding="utf-8"?>
 <p:notes xmlns:a="http://schemas.openxmlformats.org/drawingml/2006/main" xmlns:r="http://schemas.openxmlformats.org/officeDocument/2006/relationships" xmlns:p="http://schemas.openxmlformats.org/presentationml/2006/main" showMasterSp="0" showMasterPhAnim="0">
   <p:cSld>
     <p:spTree>
@@ -3052,7 +3369,7 @@
   <p:cSld>
     <p:spTree>
       <p:nvGrpSpPr>
-        <p:cNvPr id="1" name="Shape 108"/>
+        <p:cNvPr id="1" name="Shape 128"/>
         <p:cNvGrpSpPr/>
         <p:nvPr/>
       </p:nvGrpSpPr>
@@ -3066,7 +3383,7 @@
       </p:grpSpPr>
       <p:sp>
         <p:nvSpPr>
-          <p:cNvPr id="109" name="Google Shape;109;g2bf79941667_0_118:notes"/>
+          <p:cNvPr id="129" name="Google Shape;129;g2c05f7d80b9_8_3:notes"/>
           <p:cNvSpPr>
             <a:spLocks noGrp="1" noRot="1" noChangeAspect="1"/>
           </p:cNvSpPr>
@@ -3107,7 +3424,7 @@
       </p:sp>
       <p:sp>
         <p:nvSpPr>
-          <p:cNvPr id="110" name="Google Shape;110;g2bf79941667_0_118:notes"/>
+          <p:cNvPr id="130" name="Google Shape;130;g2c05f7d80b9_8_3:notes"/>
           <p:cNvSpPr txBox="1">
             <a:spLocks noGrp="1"/>
           </p:cNvSpPr>
@@ -3141,7 +3458,15 @@
             </a:pPr>
             <a:r>
               <a:rPr lang="en" dirty="0"/>
-              <a:t>Yulun Feng</a:t>
+              <a:t>Y</a:t>
+            </a:r>
+            <a:r>
+              <a:rPr lang="en-US" altLang="zh-CN" dirty="0" err="1"/>
+              <a:t>uelu</a:t>
+            </a:r>
+            <a:r>
+              <a:rPr lang="en-US" altLang="zh-CN" dirty="0"/>
+              <a:t> Zhang</a:t>
             </a:r>
             <a:endParaRPr dirty="0"/>
           </a:p>
@@ -3150,7 +3475,7 @@
     </p:spTree>
     <p:extLst>
       <p:ext uri="{BB962C8B-B14F-4D97-AF65-F5344CB8AC3E}">
-        <p14:creationId xmlns:p14="http://schemas.microsoft.com/office/powerpoint/2010/main" val="3636689906"/>
+        <p14:creationId xmlns:p14="http://schemas.microsoft.com/office/powerpoint/2010/main" val="2935598041"/>
       </p:ext>
     </p:extLst>
   </p:cSld>
@@ -3263,7 +3588,7 @@
     </p:spTree>
     <p:extLst>
       <p:ext uri="{BB962C8B-B14F-4D97-AF65-F5344CB8AC3E}">
-        <p14:creationId xmlns:p14="http://schemas.microsoft.com/office/powerpoint/2010/main" val="3992457927"/>
+        <p14:creationId xmlns:p14="http://schemas.microsoft.com/office/powerpoint/2010/main" val="3636689906"/>
       </p:ext>
     </p:extLst>
   </p:cSld>
@@ -3376,7 +3701,7 @@
     </p:spTree>
     <p:extLst>
       <p:ext uri="{BB962C8B-B14F-4D97-AF65-F5344CB8AC3E}">
-        <p14:creationId xmlns:p14="http://schemas.microsoft.com/office/powerpoint/2010/main" val="3156799555"/>
+        <p14:creationId xmlns:p14="http://schemas.microsoft.com/office/powerpoint/2010/main" val="3992457927"/>
       </p:ext>
     </p:extLst>
   </p:cSld>
@@ -3391,7 +3716,7 @@
   <p:cSld>
     <p:spTree>
       <p:nvGrpSpPr>
-        <p:cNvPr id="1" name="Shape 162"/>
+        <p:cNvPr id="1" name="Shape 108"/>
         <p:cNvGrpSpPr/>
         <p:nvPr/>
       </p:nvGrpSpPr>
@@ -3405,7 +3730,7 @@
       </p:grpSpPr>
       <p:sp>
         <p:nvSpPr>
-          <p:cNvPr id="163" name="Google Shape;163;gc6f9e470d_0_24:notes"/>
+          <p:cNvPr id="109" name="Google Shape;109;g2bf79941667_0_118:notes"/>
           <p:cNvSpPr>
             <a:spLocks noGrp="1" noRot="1" noChangeAspect="1"/>
           </p:cNvSpPr>
@@ -3446,7 +3771,7 @@
       </p:sp>
       <p:sp>
         <p:nvSpPr>
-          <p:cNvPr id="164" name="Google Shape;164;gc6f9e470d_0_24:notes"/>
+          <p:cNvPr id="110" name="Google Shape;110;g2bf79941667_0_118:notes"/>
           <p:cNvSpPr txBox="1">
             <a:spLocks noGrp="1"/>
           </p:cNvSpPr>
@@ -3476,42 +3801,22 @@
               <a:spcAft>
                 <a:spcPts val="0"/>
               </a:spcAft>
-              <a:buClr>
-                <a:schemeClr val="dk1"/>
-              </a:buClr>
-              <a:buSzPts val="1100"/>
-              <a:buFont typeface="Arial"/>
               <a:buNone/>
             </a:pPr>
             <a:r>
-              <a:rPr lang="en" dirty="0">
-                <a:solidFill>
-                  <a:schemeClr val="dk1"/>
-                </a:solidFill>
-              </a:rPr>
+              <a:rPr lang="en" dirty="0"/>
               <a:t>Yulun Feng</a:t>
             </a:r>
-            <a:endParaRPr dirty="0">
-              <a:solidFill>
-                <a:schemeClr val="dk1"/>
-              </a:solidFill>
-            </a:endParaRPr>
-          </a:p>
-          <a:p>
-            <a:pPr marL="0" lvl="0" indent="0" algn="l" rtl="0">
-              <a:spcBef>
-                <a:spcPts val="0"/>
-              </a:spcBef>
-              <a:spcAft>
-                <a:spcPts val="0"/>
-              </a:spcAft>
-              <a:buNone/>
-            </a:pPr>
             <a:endParaRPr dirty="0"/>
           </a:p>
         </p:txBody>
       </p:sp>
     </p:spTree>
+    <p:extLst>
+      <p:ext uri="{BB962C8B-B14F-4D97-AF65-F5344CB8AC3E}">
+        <p14:creationId xmlns:p14="http://schemas.microsoft.com/office/powerpoint/2010/main" val="3156799555"/>
+      </p:ext>
+    </p:extLst>
   </p:cSld>
   <p:clrMapOvr>
     <a:masterClrMapping/>
@@ -9888,6 +10193,1932 @@
   <p:cSld>
     <p:spTree>
       <p:nvGrpSpPr>
+        <p:cNvPr id="1" name="Shape 165"/>
+        <p:cNvGrpSpPr/>
+        <p:nvPr/>
+      </p:nvGrpSpPr>
+      <p:grpSpPr>
+        <a:xfrm>
+          <a:off x="0" y="0"/>
+          <a:ext cx="0" cy="0"/>
+          <a:chOff x="0" y="0"/>
+          <a:chExt cx="0" cy="0"/>
+        </a:xfrm>
+      </p:grpSpPr>
+      <p:sp>
+        <p:nvSpPr>
+          <p:cNvPr id="166" name="Google Shape;166;p20"/>
+          <p:cNvSpPr txBox="1">
+            <a:spLocks noGrp="1"/>
+          </p:cNvSpPr>
+          <p:nvPr>
+            <p:ph type="title"/>
+          </p:nvPr>
+        </p:nvSpPr>
+        <p:spPr>
+          <a:xfrm>
+            <a:off x="240150" y="80350"/>
+            <a:ext cx="8520600" cy="607800"/>
+          </a:xfrm>
+          <a:prstGeom prst="rect">
+            <a:avLst/>
+          </a:prstGeom>
+        </p:spPr>
+        <p:txBody>
+          <a:bodyPr spcFirstLastPara="1" wrap="square" lIns="91425" tIns="91425" rIns="91425" bIns="91425" anchor="t" anchorCtr="0">
+            <a:noAutofit/>
+          </a:bodyPr>
+          <a:lstStyle/>
+          <a:p>
+            <a:pPr marL="0" lvl="0" indent="0" algn="l" rtl="0">
+              <a:spcBef>
+                <a:spcPts val="0"/>
+              </a:spcBef>
+              <a:spcAft>
+                <a:spcPts val="0"/>
+              </a:spcAft>
+              <a:buNone/>
+            </a:pPr>
+            <a:r>
+              <a:rPr lang="en" dirty="0"/>
+              <a:t>Data Analysis Strategy</a:t>
+            </a:r>
+            <a:endParaRPr dirty="0"/>
+          </a:p>
+        </p:txBody>
+      </p:sp>
+      <p:sp>
+        <p:nvSpPr>
+          <p:cNvPr id="167" name="Google Shape;167;p20"/>
+          <p:cNvSpPr/>
+          <p:nvPr/>
+        </p:nvSpPr>
+        <p:spPr>
+          <a:xfrm>
+            <a:off x="2428350" y="940050"/>
+            <a:ext cx="2023800" cy="461100"/>
+          </a:xfrm>
+          <a:prstGeom prst="homePlate">
+            <a:avLst>
+              <a:gd name="adj" fmla="val 50000"/>
+            </a:avLst>
+          </a:prstGeom>
+          <a:solidFill>
+            <a:schemeClr val="dk1"/>
+          </a:solidFill>
+          <a:ln>
+            <a:noFill/>
+          </a:ln>
+        </p:spPr>
+        <p:txBody>
+          <a:bodyPr spcFirstLastPara="1" wrap="square" lIns="121875" tIns="121875" rIns="121875" bIns="121875" anchor="ctr" anchorCtr="0">
+            <a:noAutofit/>
+          </a:bodyPr>
+          <a:lstStyle/>
+          <a:p>
+            <a:pPr marL="0" lvl="0" indent="0" algn="l" rtl="0">
+              <a:spcBef>
+                <a:spcPts val="0"/>
+              </a:spcBef>
+              <a:spcAft>
+                <a:spcPts val="0"/>
+              </a:spcAft>
+              <a:buNone/>
+            </a:pPr>
+            <a:endParaRPr/>
+          </a:p>
+        </p:txBody>
+      </p:sp>
+      <p:sp>
+        <p:nvSpPr>
+          <p:cNvPr id="168" name="Google Shape;168;p20"/>
+          <p:cNvSpPr txBox="1">
+            <a:spLocks noGrp="1"/>
+          </p:cNvSpPr>
+          <p:nvPr>
+            <p:ph type="body" idx="4294967295"/>
+          </p:nvPr>
+        </p:nvSpPr>
+        <p:spPr>
+          <a:xfrm>
+            <a:off x="2422163" y="1055721"/>
+            <a:ext cx="1849800" cy="238500"/>
+          </a:xfrm>
+          <a:prstGeom prst="rect">
+            <a:avLst/>
+          </a:prstGeom>
+        </p:spPr>
+        <p:txBody>
+          <a:bodyPr spcFirstLastPara="1" wrap="square" lIns="91425" tIns="91425" rIns="91425" bIns="91425" anchor="ctr" anchorCtr="0">
+            <a:noAutofit/>
+          </a:bodyPr>
+          <a:lstStyle/>
+          <a:p>
+            <a:pPr marL="0" lvl="0" indent="0" algn="l" rtl="0">
+              <a:lnSpc>
+                <a:spcPct val="100000"/>
+              </a:lnSpc>
+              <a:spcBef>
+                <a:spcPts val="0"/>
+              </a:spcBef>
+              <a:spcAft>
+                <a:spcPts val="0"/>
+              </a:spcAft>
+              <a:buNone/>
+            </a:pPr>
+            <a:r>
+              <a:rPr lang="en" sz="1400" dirty="0">
+                <a:solidFill>
+                  <a:schemeClr val="lt1"/>
+                </a:solidFill>
+              </a:rPr>
+              <a:t>Weight Calculation</a:t>
+            </a:r>
+            <a:endParaRPr sz="1400" dirty="0">
+              <a:solidFill>
+                <a:schemeClr val="lt1"/>
+              </a:solidFill>
+            </a:endParaRPr>
+          </a:p>
+        </p:txBody>
+      </p:sp>
+      <p:sp>
+        <p:nvSpPr>
+          <p:cNvPr id="169" name="Google Shape;169;p20"/>
+          <p:cNvSpPr txBox="1">
+            <a:spLocks noGrp="1"/>
+          </p:cNvSpPr>
+          <p:nvPr>
+            <p:ph type="body" idx="4294967295"/>
+          </p:nvPr>
+        </p:nvSpPr>
+        <p:spPr>
+          <a:xfrm>
+            <a:off x="240149" y="1451775"/>
+            <a:ext cx="2188201" cy="3202399"/>
+          </a:xfrm>
+          <a:prstGeom prst="rect">
+            <a:avLst/>
+          </a:prstGeom>
+        </p:spPr>
+        <p:txBody>
+          <a:bodyPr spcFirstLastPara="1" wrap="square" lIns="91425" tIns="91425" rIns="91425" bIns="91425" anchor="t" anchorCtr="0">
+            <a:noAutofit/>
+          </a:bodyPr>
+          <a:lstStyle/>
+          <a:p>
+            <a:pPr marL="342900" lvl="0" rtl="0">
+              <a:spcBef>
+                <a:spcPts val="0"/>
+              </a:spcBef>
+              <a:spcAft>
+                <a:spcPts val="0"/>
+              </a:spcAft>
+              <a:buAutoNum type="arabicPeriod"/>
+            </a:pPr>
+            <a:r>
+              <a:rPr lang="en-US" sz="1300" dirty="0"/>
+              <a:t>Load Data from database</a:t>
+            </a:r>
+          </a:p>
+          <a:p>
+            <a:pPr marL="342900" lvl="0" rtl="0">
+              <a:spcBef>
+                <a:spcPts val="0"/>
+              </a:spcBef>
+              <a:spcAft>
+                <a:spcPts val="0"/>
+              </a:spcAft>
+              <a:buAutoNum type="arabicPeriod"/>
+            </a:pPr>
+            <a:r>
+              <a:rPr lang="en-US" sz="1300" dirty="0"/>
+              <a:t>Data Cleaning</a:t>
+            </a:r>
+          </a:p>
+          <a:p>
+            <a:pPr marL="342900" lvl="0" rtl="0">
+              <a:spcBef>
+                <a:spcPts val="0"/>
+              </a:spcBef>
+              <a:spcAft>
+                <a:spcPts val="0"/>
+              </a:spcAft>
+              <a:buAutoNum type="arabicPeriod"/>
+            </a:pPr>
+            <a:r>
+              <a:rPr lang="en-US" sz="1300" dirty="0"/>
+              <a:t>Data Normalization</a:t>
+            </a:r>
+          </a:p>
+          <a:p>
+            <a:pPr marL="342900" lvl="0" rtl="0">
+              <a:spcBef>
+                <a:spcPts val="0"/>
+              </a:spcBef>
+              <a:spcAft>
+                <a:spcPts val="0"/>
+              </a:spcAft>
+              <a:buAutoNum type="arabicPeriod"/>
+            </a:pPr>
+            <a:r>
+              <a:rPr lang="en-US" sz="1300" dirty="0"/>
+              <a:t>Encode Categorical Data</a:t>
+            </a:r>
+          </a:p>
+          <a:p>
+            <a:pPr marL="0" lvl="0" indent="0" rtl="0">
+              <a:spcBef>
+                <a:spcPts val="0"/>
+              </a:spcBef>
+              <a:spcAft>
+                <a:spcPts val="0"/>
+              </a:spcAft>
+              <a:buNone/>
+            </a:pPr>
+            <a:endParaRPr lang="en-US" sz="1300" b="1" dirty="0"/>
+          </a:p>
+          <a:p>
+            <a:pPr marL="0" lvl="0" indent="0" rtl="0">
+              <a:spcBef>
+                <a:spcPts val="0"/>
+              </a:spcBef>
+              <a:spcAft>
+                <a:spcPts val="0"/>
+              </a:spcAft>
+              <a:buNone/>
+            </a:pPr>
+            <a:r>
+              <a:rPr lang="en-US" sz="1300" b="1" dirty="0"/>
+              <a:t>Package used:</a:t>
+            </a:r>
+          </a:p>
+          <a:p>
+            <a:pPr marL="285750" lvl="0" indent="-285750" rtl="0">
+              <a:spcBef>
+                <a:spcPts val="0"/>
+              </a:spcBef>
+              <a:spcAft>
+                <a:spcPts val="0"/>
+              </a:spcAft>
+              <a:buFont typeface="Arial" panose="020B0604020202020204" pitchFamily="34" charset="0"/>
+              <a:buChar char="•"/>
+            </a:pPr>
+            <a:r>
+              <a:rPr lang="en-US" sz="1300" i="1" dirty="0"/>
+              <a:t>pandas</a:t>
+            </a:r>
+          </a:p>
+          <a:p>
+            <a:pPr marL="285750" lvl="0" indent="-285750" rtl="0">
+              <a:spcBef>
+                <a:spcPts val="0"/>
+              </a:spcBef>
+              <a:spcAft>
+                <a:spcPts val="0"/>
+              </a:spcAft>
+              <a:buFont typeface="Arial" panose="020B0604020202020204" pitchFamily="34" charset="0"/>
+              <a:buChar char="•"/>
+            </a:pPr>
+            <a:r>
+              <a:rPr lang="en-US" sz="1300" i="1" dirty="0"/>
+              <a:t>numpy</a:t>
+            </a:r>
+          </a:p>
+          <a:p>
+            <a:pPr marL="285750" lvl="0" indent="-285750" rtl="0">
+              <a:spcBef>
+                <a:spcPts val="0"/>
+              </a:spcBef>
+              <a:spcAft>
+                <a:spcPts val="0"/>
+              </a:spcAft>
+              <a:buFont typeface="Arial" panose="020B0604020202020204" pitchFamily="34" charset="0"/>
+              <a:buChar char="•"/>
+            </a:pPr>
+            <a:r>
+              <a:rPr lang="en-US" sz="1300" i="1" dirty="0" err="1"/>
+              <a:t>scipy.stats</a:t>
+            </a:r>
+            <a:endParaRPr lang="en-US" sz="1300" i="1" dirty="0"/>
+          </a:p>
+          <a:p>
+            <a:pPr marL="285750" lvl="0" indent="-285750" rtl="0">
+              <a:spcBef>
+                <a:spcPts val="0"/>
+              </a:spcBef>
+              <a:spcAft>
+                <a:spcPts val="0"/>
+              </a:spcAft>
+              <a:buFont typeface="Arial" panose="020B0604020202020204" pitchFamily="34" charset="0"/>
+              <a:buChar char="•"/>
+            </a:pPr>
+            <a:r>
+              <a:rPr lang="en-US" sz="1300" i="1" dirty="0" err="1"/>
+              <a:t>sklearn.preprocessing</a:t>
+            </a:r>
+            <a:endParaRPr lang="en-US" sz="1300" i="1" dirty="0"/>
+          </a:p>
+          <a:p>
+            <a:pPr marL="0" lvl="0" indent="0" rtl="0">
+              <a:spcBef>
+                <a:spcPts val="800"/>
+              </a:spcBef>
+              <a:spcAft>
+                <a:spcPts val="800"/>
+              </a:spcAft>
+              <a:buNone/>
+            </a:pPr>
+            <a:endParaRPr sz="1300" dirty="0"/>
+          </a:p>
+        </p:txBody>
+      </p:sp>
+      <p:sp>
+        <p:nvSpPr>
+          <p:cNvPr id="170" name="Google Shape;170;p20"/>
+          <p:cNvSpPr txBox="1">
+            <a:spLocks noGrp="1"/>
+          </p:cNvSpPr>
+          <p:nvPr>
+            <p:ph type="body" idx="4294967295"/>
+          </p:nvPr>
+        </p:nvSpPr>
+        <p:spPr>
+          <a:xfrm>
+            <a:off x="4334775" y="1137376"/>
+            <a:ext cx="2257200" cy="314400"/>
+          </a:xfrm>
+          <a:prstGeom prst="rect">
+            <a:avLst/>
+          </a:prstGeom>
+        </p:spPr>
+        <p:txBody>
+          <a:bodyPr spcFirstLastPara="1" wrap="square" lIns="91425" tIns="91425" rIns="91425" bIns="91425" anchor="ctr" anchorCtr="0">
+            <a:noAutofit/>
+          </a:bodyPr>
+          <a:lstStyle/>
+          <a:p>
+            <a:pPr marL="0" lvl="0" indent="0" algn="l" rtl="0">
+              <a:lnSpc>
+                <a:spcPct val="100000"/>
+              </a:lnSpc>
+              <a:spcBef>
+                <a:spcPts val="0"/>
+              </a:spcBef>
+              <a:spcAft>
+                <a:spcPts val="0"/>
+              </a:spcAft>
+              <a:buNone/>
+            </a:pPr>
+            <a:r>
+              <a:rPr lang="en">
+                <a:solidFill>
+                  <a:schemeClr val="lt1"/>
+                </a:solidFill>
+              </a:rPr>
+              <a:t>Phase 2</a:t>
+            </a:r>
+            <a:endParaRPr>
+              <a:solidFill>
+                <a:schemeClr val="lt1"/>
+              </a:solidFill>
+            </a:endParaRPr>
+          </a:p>
+        </p:txBody>
+      </p:sp>
+      <p:sp>
+        <p:nvSpPr>
+          <p:cNvPr id="171" name="Google Shape;171;p20"/>
+          <p:cNvSpPr/>
+          <p:nvPr/>
+        </p:nvSpPr>
+        <p:spPr>
+          <a:xfrm>
+            <a:off x="240150" y="940062"/>
+            <a:ext cx="2023800" cy="461100"/>
+          </a:xfrm>
+          <a:prstGeom prst="homePlate">
+            <a:avLst>
+              <a:gd name="adj" fmla="val 50000"/>
+            </a:avLst>
+          </a:prstGeom>
+          <a:solidFill>
+            <a:schemeClr val="dk1"/>
+          </a:solidFill>
+          <a:ln>
+            <a:noFill/>
+          </a:ln>
+        </p:spPr>
+        <p:txBody>
+          <a:bodyPr spcFirstLastPara="1" wrap="square" lIns="121875" tIns="121875" rIns="121875" bIns="121875" anchor="ctr" anchorCtr="0">
+            <a:noAutofit/>
+          </a:bodyPr>
+          <a:lstStyle/>
+          <a:p>
+            <a:pPr marL="0" lvl="0" indent="0" algn="l" rtl="0">
+              <a:spcBef>
+                <a:spcPts val="0"/>
+              </a:spcBef>
+              <a:spcAft>
+                <a:spcPts val="0"/>
+              </a:spcAft>
+              <a:buNone/>
+            </a:pPr>
+            <a:endParaRPr/>
+          </a:p>
+        </p:txBody>
+      </p:sp>
+      <p:sp>
+        <p:nvSpPr>
+          <p:cNvPr id="172" name="Google Shape;172;p20"/>
+          <p:cNvSpPr txBox="1">
+            <a:spLocks noGrp="1"/>
+          </p:cNvSpPr>
+          <p:nvPr>
+            <p:ph type="body" idx="4294967295"/>
+          </p:nvPr>
+        </p:nvSpPr>
+        <p:spPr>
+          <a:xfrm>
+            <a:off x="240150" y="1053992"/>
+            <a:ext cx="2540400" cy="215700"/>
+          </a:xfrm>
+          <a:prstGeom prst="rect">
+            <a:avLst/>
+          </a:prstGeom>
+        </p:spPr>
+        <p:txBody>
+          <a:bodyPr spcFirstLastPara="1" wrap="square" lIns="91425" tIns="91425" rIns="91425" bIns="91425" anchor="ctr" anchorCtr="0">
+            <a:noAutofit/>
+          </a:bodyPr>
+          <a:lstStyle/>
+          <a:p>
+            <a:pPr marL="0" lvl="0" indent="0" algn="l" rtl="0">
+              <a:lnSpc>
+                <a:spcPct val="100000"/>
+              </a:lnSpc>
+              <a:spcBef>
+                <a:spcPts val="0"/>
+              </a:spcBef>
+              <a:spcAft>
+                <a:spcPts val="0"/>
+              </a:spcAft>
+              <a:buNone/>
+            </a:pPr>
+            <a:r>
+              <a:rPr lang="en" sz="1400" dirty="0">
+                <a:solidFill>
+                  <a:schemeClr val="lt1"/>
+                </a:solidFill>
+              </a:rPr>
+              <a:t>Collect &amp; Preprocess</a:t>
+            </a:r>
+            <a:endParaRPr sz="1400" dirty="0">
+              <a:solidFill>
+                <a:schemeClr val="lt1"/>
+              </a:solidFill>
+            </a:endParaRPr>
+          </a:p>
+        </p:txBody>
+      </p:sp>
+      <p:sp>
+        <p:nvSpPr>
+          <p:cNvPr id="174" name="Google Shape;174;p20"/>
+          <p:cNvSpPr/>
+          <p:nvPr/>
+        </p:nvSpPr>
+        <p:spPr>
+          <a:xfrm>
+            <a:off x="4616550" y="940050"/>
+            <a:ext cx="2023800" cy="461100"/>
+          </a:xfrm>
+          <a:prstGeom prst="homePlate">
+            <a:avLst>
+              <a:gd name="adj" fmla="val 50000"/>
+            </a:avLst>
+          </a:prstGeom>
+          <a:solidFill>
+            <a:schemeClr val="dk1"/>
+          </a:solidFill>
+          <a:ln>
+            <a:noFill/>
+          </a:ln>
+        </p:spPr>
+        <p:txBody>
+          <a:bodyPr spcFirstLastPara="1" wrap="square" lIns="121875" tIns="121875" rIns="121875" bIns="121875" anchor="ctr" anchorCtr="0">
+            <a:noAutofit/>
+          </a:bodyPr>
+          <a:lstStyle/>
+          <a:p>
+            <a:pPr marL="0" lvl="0" indent="0" algn="l" rtl="0">
+              <a:spcBef>
+                <a:spcPts val="0"/>
+              </a:spcBef>
+              <a:spcAft>
+                <a:spcPts val="0"/>
+              </a:spcAft>
+              <a:buNone/>
+            </a:pPr>
+            <a:endParaRPr/>
+          </a:p>
+        </p:txBody>
+      </p:sp>
+      <p:sp>
+        <p:nvSpPr>
+          <p:cNvPr id="175" name="Google Shape;175;p20"/>
+          <p:cNvSpPr txBox="1">
+            <a:spLocks noGrp="1"/>
+          </p:cNvSpPr>
+          <p:nvPr>
+            <p:ph type="body" idx="4294967295"/>
+          </p:nvPr>
+        </p:nvSpPr>
+        <p:spPr>
+          <a:xfrm>
+            <a:off x="4616550" y="1031192"/>
+            <a:ext cx="1849800" cy="238500"/>
+          </a:xfrm>
+          <a:prstGeom prst="rect">
+            <a:avLst/>
+          </a:prstGeom>
+        </p:spPr>
+        <p:txBody>
+          <a:bodyPr spcFirstLastPara="1" wrap="square" lIns="91425" tIns="91425" rIns="91425" bIns="91425" anchor="ctr" anchorCtr="0">
+            <a:noAutofit/>
+          </a:bodyPr>
+          <a:lstStyle/>
+          <a:p>
+            <a:pPr marL="0" lvl="0" indent="0" algn="l" rtl="0">
+              <a:lnSpc>
+                <a:spcPct val="100000"/>
+              </a:lnSpc>
+              <a:spcBef>
+                <a:spcPts val="0"/>
+              </a:spcBef>
+              <a:spcAft>
+                <a:spcPts val="0"/>
+              </a:spcAft>
+              <a:buNone/>
+            </a:pPr>
+            <a:r>
+              <a:rPr lang="en" sz="1400" dirty="0">
+                <a:solidFill>
+                  <a:schemeClr val="lt1"/>
+                </a:solidFill>
+              </a:rPr>
+              <a:t>Machine Learning</a:t>
+            </a:r>
+            <a:endParaRPr sz="1400" dirty="0">
+              <a:solidFill>
+                <a:schemeClr val="lt1"/>
+              </a:solidFill>
+            </a:endParaRPr>
+          </a:p>
+        </p:txBody>
+      </p:sp>
+      <p:sp>
+        <p:nvSpPr>
+          <p:cNvPr id="176" name="Google Shape;176;p20"/>
+          <p:cNvSpPr/>
+          <p:nvPr/>
+        </p:nvSpPr>
+        <p:spPr>
+          <a:xfrm>
+            <a:off x="6804750" y="940050"/>
+            <a:ext cx="2023800" cy="461100"/>
+          </a:xfrm>
+          <a:prstGeom prst="homePlate">
+            <a:avLst>
+              <a:gd name="adj" fmla="val 50000"/>
+            </a:avLst>
+          </a:prstGeom>
+          <a:solidFill>
+            <a:schemeClr val="dk1"/>
+          </a:solidFill>
+          <a:ln>
+            <a:noFill/>
+          </a:ln>
+        </p:spPr>
+        <p:txBody>
+          <a:bodyPr spcFirstLastPara="1" wrap="square" lIns="121875" tIns="121875" rIns="121875" bIns="121875" anchor="ctr" anchorCtr="0">
+            <a:noAutofit/>
+          </a:bodyPr>
+          <a:lstStyle/>
+          <a:p>
+            <a:pPr marL="0" lvl="0" indent="0" algn="l" rtl="0">
+              <a:spcBef>
+                <a:spcPts val="0"/>
+              </a:spcBef>
+              <a:spcAft>
+                <a:spcPts val="0"/>
+              </a:spcAft>
+              <a:buNone/>
+            </a:pPr>
+            <a:endParaRPr/>
+          </a:p>
+        </p:txBody>
+      </p:sp>
+      <p:sp>
+        <p:nvSpPr>
+          <p:cNvPr id="177" name="Google Shape;177;p20"/>
+          <p:cNvSpPr txBox="1">
+            <a:spLocks noGrp="1"/>
+          </p:cNvSpPr>
+          <p:nvPr>
+            <p:ph type="body" idx="4294967295"/>
+          </p:nvPr>
+        </p:nvSpPr>
+        <p:spPr>
+          <a:xfrm>
+            <a:off x="6745200" y="1051350"/>
+            <a:ext cx="2015550" cy="238500"/>
+          </a:xfrm>
+          <a:prstGeom prst="rect">
+            <a:avLst/>
+          </a:prstGeom>
+        </p:spPr>
+        <p:txBody>
+          <a:bodyPr spcFirstLastPara="1" wrap="square" lIns="91425" tIns="91425" rIns="91425" bIns="91425" anchor="ctr" anchorCtr="0">
+            <a:noAutofit/>
+          </a:bodyPr>
+          <a:lstStyle/>
+          <a:p>
+            <a:pPr marL="0" lvl="0" indent="0" algn="l" rtl="0">
+              <a:lnSpc>
+                <a:spcPct val="100000"/>
+              </a:lnSpc>
+              <a:spcBef>
+                <a:spcPts val="0"/>
+              </a:spcBef>
+              <a:spcAft>
+                <a:spcPts val="0"/>
+              </a:spcAft>
+              <a:buNone/>
+            </a:pPr>
+            <a:r>
+              <a:rPr lang="en-US" sz="1400" dirty="0">
+                <a:solidFill>
+                  <a:schemeClr val="lt1"/>
+                </a:solidFill>
+              </a:rPr>
+              <a:t>Family and Community Level Adjustment</a:t>
+            </a:r>
+            <a:endParaRPr sz="1400" dirty="0">
+              <a:solidFill>
+                <a:schemeClr val="lt1"/>
+              </a:solidFill>
+            </a:endParaRPr>
+          </a:p>
+        </p:txBody>
+      </p:sp>
+      <p:sp>
+        <p:nvSpPr>
+          <p:cNvPr id="180" name="Google Shape;180;p20"/>
+          <p:cNvSpPr txBox="1"/>
+          <p:nvPr/>
+        </p:nvSpPr>
+        <p:spPr>
+          <a:xfrm>
+            <a:off x="397575" y="4654175"/>
+            <a:ext cx="4580100" cy="461700"/>
+          </a:xfrm>
+          <a:prstGeom prst="rect">
+            <a:avLst/>
+          </a:prstGeom>
+          <a:noFill/>
+          <a:ln>
+            <a:noFill/>
+          </a:ln>
+        </p:spPr>
+        <p:txBody>
+          <a:bodyPr spcFirstLastPara="1" wrap="square" lIns="91425" tIns="91425" rIns="91425" bIns="91425" anchor="t" anchorCtr="0">
+            <a:spAutoFit/>
+          </a:bodyPr>
+          <a:lstStyle/>
+          <a:p>
+            <a:pPr marL="0" lvl="0" indent="0" algn="l" rtl="0">
+              <a:spcBef>
+                <a:spcPts val="0"/>
+              </a:spcBef>
+              <a:spcAft>
+                <a:spcPts val="0"/>
+              </a:spcAft>
+              <a:buNone/>
+            </a:pPr>
+            <a:endParaRPr sz="1800">
+              <a:solidFill>
+                <a:schemeClr val="dk2"/>
+              </a:solidFill>
+              <a:latin typeface="Roboto"/>
+              <a:ea typeface="Roboto"/>
+              <a:cs typeface="Roboto"/>
+              <a:sym typeface="Roboto"/>
+            </a:endParaRPr>
+          </a:p>
+        </p:txBody>
+      </p:sp>
+      <p:sp>
+        <p:nvSpPr>
+          <p:cNvPr id="3" name="Google Shape;169;p20">
+            <a:extLst>
+              <a:ext uri="{FF2B5EF4-FFF2-40B4-BE49-F238E27FC236}">
+                <a16:creationId xmlns:a16="http://schemas.microsoft.com/office/drawing/2014/main" id="{4670748E-F6F3-C107-4FF3-BF82029DA231}"/>
+              </a:ext>
+            </a:extLst>
+          </p:cNvPr>
+          <p:cNvSpPr txBox="1">
+            <a:spLocks/>
+          </p:cNvSpPr>
+          <p:nvPr/>
+        </p:nvSpPr>
+        <p:spPr>
+          <a:xfrm>
+            <a:off x="2421374" y="1479927"/>
+            <a:ext cx="2195176" cy="3202399"/>
+          </a:xfrm>
+          <a:prstGeom prst="rect">
+            <a:avLst/>
+          </a:prstGeom>
+          <a:noFill/>
+          <a:ln>
+            <a:noFill/>
+          </a:ln>
+        </p:spPr>
+        <p:txBody>
+          <a:bodyPr spcFirstLastPara="1" wrap="square" lIns="91425" tIns="91425" rIns="91425" bIns="91425" anchor="t" anchorCtr="0">
+            <a:noAutofit/>
+          </a:bodyPr>
+          <a:lstStyle>
+            <a:defPPr marR="0" lvl="0" algn="l" rtl="0">
+              <a:lnSpc>
+                <a:spcPct val="100000"/>
+              </a:lnSpc>
+              <a:spcBef>
+                <a:spcPts val="0"/>
+              </a:spcBef>
+              <a:spcAft>
+                <a:spcPts val="0"/>
+              </a:spcAft>
+            </a:defPPr>
+            <a:lvl1pPr marL="457200" marR="0" lvl="0" indent="-342900" algn="l" rtl="0">
+              <a:lnSpc>
+                <a:spcPct val="115000"/>
+              </a:lnSpc>
+              <a:spcBef>
+                <a:spcPts val="0"/>
+              </a:spcBef>
+              <a:spcAft>
+                <a:spcPts val="0"/>
+              </a:spcAft>
+              <a:buClr>
+                <a:schemeClr val="dk2"/>
+              </a:buClr>
+              <a:buSzPts val="1800"/>
+              <a:buFont typeface="Roboto"/>
+              <a:buChar char="●"/>
+              <a:defRPr sz="1800" b="0" i="0" u="none" strike="noStrike" cap="none">
+                <a:solidFill>
+                  <a:schemeClr val="dk2"/>
+                </a:solidFill>
+                <a:latin typeface="Roboto"/>
+                <a:ea typeface="Roboto"/>
+                <a:cs typeface="Roboto"/>
+                <a:sym typeface="Roboto"/>
+              </a:defRPr>
+            </a:lvl1pPr>
+            <a:lvl2pPr marL="914400" marR="0" lvl="1" indent="-317500" algn="l" rtl="0">
+              <a:lnSpc>
+                <a:spcPct val="115000"/>
+              </a:lnSpc>
+              <a:spcBef>
+                <a:spcPts val="1600"/>
+              </a:spcBef>
+              <a:spcAft>
+                <a:spcPts val="0"/>
+              </a:spcAft>
+              <a:buClr>
+                <a:schemeClr val="dk2"/>
+              </a:buClr>
+              <a:buSzPts val="1400"/>
+              <a:buFont typeface="Roboto"/>
+              <a:buChar char="○"/>
+              <a:defRPr sz="1400" b="0" i="0" u="none" strike="noStrike" cap="none">
+                <a:solidFill>
+                  <a:schemeClr val="dk2"/>
+                </a:solidFill>
+                <a:latin typeface="Roboto"/>
+                <a:ea typeface="Roboto"/>
+                <a:cs typeface="Roboto"/>
+                <a:sym typeface="Roboto"/>
+              </a:defRPr>
+            </a:lvl2pPr>
+            <a:lvl3pPr marL="1371600" marR="0" lvl="2" indent="-317500" algn="l" rtl="0">
+              <a:lnSpc>
+                <a:spcPct val="115000"/>
+              </a:lnSpc>
+              <a:spcBef>
+                <a:spcPts val="1600"/>
+              </a:spcBef>
+              <a:spcAft>
+                <a:spcPts val="0"/>
+              </a:spcAft>
+              <a:buClr>
+                <a:schemeClr val="dk2"/>
+              </a:buClr>
+              <a:buSzPts val="1400"/>
+              <a:buFont typeface="Roboto"/>
+              <a:buChar char="■"/>
+              <a:defRPr sz="1400" b="0" i="0" u="none" strike="noStrike" cap="none">
+                <a:solidFill>
+                  <a:schemeClr val="dk2"/>
+                </a:solidFill>
+                <a:latin typeface="Roboto"/>
+                <a:ea typeface="Roboto"/>
+                <a:cs typeface="Roboto"/>
+                <a:sym typeface="Roboto"/>
+              </a:defRPr>
+            </a:lvl3pPr>
+            <a:lvl4pPr marL="1828800" marR="0" lvl="3" indent="-317500" algn="l" rtl="0">
+              <a:lnSpc>
+                <a:spcPct val="115000"/>
+              </a:lnSpc>
+              <a:spcBef>
+                <a:spcPts val="1600"/>
+              </a:spcBef>
+              <a:spcAft>
+                <a:spcPts val="0"/>
+              </a:spcAft>
+              <a:buClr>
+                <a:schemeClr val="dk2"/>
+              </a:buClr>
+              <a:buSzPts val="1400"/>
+              <a:buFont typeface="Roboto"/>
+              <a:buChar char="●"/>
+              <a:defRPr sz="1400" b="0" i="0" u="none" strike="noStrike" cap="none">
+                <a:solidFill>
+                  <a:schemeClr val="dk2"/>
+                </a:solidFill>
+                <a:latin typeface="Roboto"/>
+                <a:ea typeface="Roboto"/>
+                <a:cs typeface="Roboto"/>
+                <a:sym typeface="Roboto"/>
+              </a:defRPr>
+            </a:lvl4pPr>
+            <a:lvl5pPr marL="2286000" marR="0" lvl="4" indent="-317500" algn="l" rtl="0">
+              <a:lnSpc>
+                <a:spcPct val="115000"/>
+              </a:lnSpc>
+              <a:spcBef>
+                <a:spcPts val="1600"/>
+              </a:spcBef>
+              <a:spcAft>
+                <a:spcPts val="0"/>
+              </a:spcAft>
+              <a:buClr>
+                <a:schemeClr val="dk2"/>
+              </a:buClr>
+              <a:buSzPts val="1400"/>
+              <a:buFont typeface="Roboto"/>
+              <a:buChar char="○"/>
+              <a:defRPr sz="1400" b="0" i="0" u="none" strike="noStrike" cap="none">
+                <a:solidFill>
+                  <a:schemeClr val="dk2"/>
+                </a:solidFill>
+                <a:latin typeface="Roboto"/>
+                <a:ea typeface="Roboto"/>
+                <a:cs typeface="Roboto"/>
+                <a:sym typeface="Roboto"/>
+              </a:defRPr>
+            </a:lvl5pPr>
+            <a:lvl6pPr marL="2743200" marR="0" lvl="5" indent="-317500" algn="l" rtl="0">
+              <a:lnSpc>
+                <a:spcPct val="115000"/>
+              </a:lnSpc>
+              <a:spcBef>
+                <a:spcPts val="1600"/>
+              </a:spcBef>
+              <a:spcAft>
+                <a:spcPts val="0"/>
+              </a:spcAft>
+              <a:buClr>
+                <a:schemeClr val="dk2"/>
+              </a:buClr>
+              <a:buSzPts val="1400"/>
+              <a:buFont typeface="Roboto"/>
+              <a:buChar char="■"/>
+              <a:defRPr sz="1400" b="0" i="0" u="none" strike="noStrike" cap="none">
+                <a:solidFill>
+                  <a:schemeClr val="dk2"/>
+                </a:solidFill>
+                <a:latin typeface="Roboto"/>
+                <a:ea typeface="Roboto"/>
+                <a:cs typeface="Roboto"/>
+                <a:sym typeface="Roboto"/>
+              </a:defRPr>
+            </a:lvl6pPr>
+            <a:lvl7pPr marL="3200400" marR="0" lvl="6" indent="-317500" algn="l" rtl="0">
+              <a:lnSpc>
+                <a:spcPct val="115000"/>
+              </a:lnSpc>
+              <a:spcBef>
+                <a:spcPts val="1600"/>
+              </a:spcBef>
+              <a:spcAft>
+                <a:spcPts val="0"/>
+              </a:spcAft>
+              <a:buClr>
+                <a:schemeClr val="dk2"/>
+              </a:buClr>
+              <a:buSzPts val="1400"/>
+              <a:buFont typeface="Roboto"/>
+              <a:buChar char="●"/>
+              <a:defRPr sz="1400" b="0" i="0" u="none" strike="noStrike" cap="none">
+                <a:solidFill>
+                  <a:schemeClr val="dk2"/>
+                </a:solidFill>
+                <a:latin typeface="Roboto"/>
+                <a:ea typeface="Roboto"/>
+                <a:cs typeface="Roboto"/>
+                <a:sym typeface="Roboto"/>
+              </a:defRPr>
+            </a:lvl7pPr>
+            <a:lvl8pPr marL="3657600" marR="0" lvl="7" indent="-317500" algn="l" rtl="0">
+              <a:lnSpc>
+                <a:spcPct val="115000"/>
+              </a:lnSpc>
+              <a:spcBef>
+                <a:spcPts val="1600"/>
+              </a:spcBef>
+              <a:spcAft>
+                <a:spcPts val="0"/>
+              </a:spcAft>
+              <a:buClr>
+                <a:schemeClr val="dk2"/>
+              </a:buClr>
+              <a:buSzPts val="1400"/>
+              <a:buFont typeface="Roboto"/>
+              <a:buChar char="○"/>
+              <a:defRPr sz="1400" b="0" i="0" u="none" strike="noStrike" cap="none">
+                <a:solidFill>
+                  <a:schemeClr val="dk2"/>
+                </a:solidFill>
+                <a:latin typeface="Roboto"/>
+                <a:ea typeface="Roboto"/>
+                <a:cs typeface="Roboto"/>
+                <a:sym typeface="Roboto"/>
+              </a:defRPr>
+            </a:lvl8pPr>
+            <a:lvl9pPr marL="4114800" marR="0" lvl="8" indent="-317500" algn="l" rtl="0">
+              <a:lnSpc>
+                <a:spcPct val="115000"/>
+              </a:lnSpc>
+              <a:spcBef>
+                <a:spcPts val="1600"/>
+              </a:spcBef>
+              <a:spcAft>
+                <a:spcPts val="1600"/>
+              </a:spcAft>
+              <a:buClr>
+                <a:schemeClr val="dk2"/>
+              </a:buClr>
+              <a:buSzPts val="1400"/>
+              <a:buFont typeface="Roboto"/>
+              <a:buChar char="■"/>
+              <a:defRPr sz="1400" b="0" i="0" u="none" strike="noStrike" cap="none">
+                <a:solidFill>
+                  <a:schemeClr val="dk2"/>
+                </a:solidFill>
+                <a:latin typeface="Roboto"/>
+                <a:ea typeface="Roboto"/>
+                <a:cs typeface="Roboto"/>
+                <a:sym typeface="Roboto"/>
+              </a:defRPr>
+            </a:lvl9pPr>
+          </a:lstStyle>
+          <a:p>
+            <a:pPr marL="342900">
+              <a:buFont typeface="Roboto"/>
+              <a:buAutoNum type="arabicPeriod"/>
+            </a:pPr>
+            <a:r>
+              <a:rPr lang="en-US" sz="1300" dirty="0"/>
+              <a:t>Define Key Metrics</a:t>
+            </a:r>
+          </a:p>
+          <a:p>
+            <a:pPr marL="342900">
+              <a:buFont typeface="Roboto"/>
+              <a:buAutoNum type="arabicPeriod"/>
+            </a:pPr>
+            <a:r>
+              <a:rPr lang="en-US" sz="1300" dirty="0"/>
+              <a:t>Assign Weight</a:t>
+            </a:r>
+          </a:p>
+          <a:p>
+            <a:pPr marL="342900">
+              <a:buFont typeface="Roboto"/>
+              <a:buAutoNum type="arabicPeriod"/>
+            </a:pPr>
+            <a:r>
+              <a:rPr lang="en-US" sz="1300" dirty="0"/>
+              <a:t>Calculate Individual Score</a:t>
+            </a:r>
+          </a:p>
+          <a:p>
+            <a:pPr marL="342900">
+              <a:buFont typeface="Roboto"/>
+              <a:buAutoNum type="arabicPeriod"/>
+            </a:pPr>
+            <a:r>
+              <a:rPr lang="en-US" sz="1300" dirty="0"/>
+              <a:t>Aggregate Wellness Score</a:t>
+            </a:r>
+          </a:p>
+          <a:p>
+            <a:pPr marL="342900">
+              <a:buFont typeface="Roboto"/>
+              <a:buAutoNum type="arabicPeriod"/>
+            </a:pPr>
+            <a:endParaRPr lang="en-US" sz="1300" b="1" dirty="0"/>
+          </a:p>
+          <a:p>
+            <a:pPr marL="0" indent="0">
+              <a:buNone/>
+            </a:pPr>
+            <a:r>
+              <a:rPr lang="en-US" sz="1300" b="1" dirty="0"/>
+              <a:t>Package used:</a:t>
+            </a:r>
+          </a:p>
+          <a:p>
+            <a:pPr marL="285750" lvl="0" indent="-285750" rtl="0">
+              <a:spcBef>
+                <a:spcPts val="0"/>
+              </a:spcBef>
+              <a:spcAft>
+                <a:spcPts val="0"/>
+              </a:spcAft>
+              <a:buFont typeface="Arial" panose="020B0604020202020204" pitchFamily="34" charset="0"/>
+              <a:buChar char="•"/>
+            </a:pPr>
+            <a:r>
+              <a:rPr lang="en-US" sz="1300" i="1" dirty="0"/>
+              <a:t>pandas</a:t>
+            </a:r>
+          </a:p>
+          <a:p>
+            <a:pPr marL="285750" lvl="0" indent="-285750" rtl="0">
+              <a:spcBef>
+                <a:spcPts val="0"/>
+              </a:spcBef>
+              <a:spcAft>
+                <a:spcPts val="0"/>
+              </a:spcAft>
+              <a:buFont typeface="Arial" panose="020B0604020202020204" pitchFamily="34" charset="0"/>
+              <a:buChar char="•"/>
+            </a:pPr>
+            <a:r>
+              <a:rPr lang="en-US" sz="1300" i="1" dirty="0"/>
+              <a:t>numpy</a:t>
+            </a:r>
+          </a:p>
+          <a:p>
+            <a:pPr marL="0" indent="0">
+              <a:buNone/>
+            </a:pPr>
+            <a:endParaRPr lang="en-US" sz="1300" b="1" dirty="0"/>
+          </a:p>
+          <a:p>
+            <a:pPr marL="342900">
+              <a:buFont typeface="Roboto"/>
+              <a:buAutoNum type="arabicPeriod"/>
+            </a:pPr>
+            <a:endParaRPr lang="en-US" sz="1300" b="1" dirty="0"/>
+          </a:p>
+          <a:p>
+            <a:pPr marL="342900">
+              <a:buFont typeface="Roboto"/>
+              <a:buAutoNum type="arabicPeriod"/>
+            </a:pPr>
+            <a:endParaRPr lang="en-US" sz="1300" b="1" dirty="0"/>
+          </a:p>
+          <a:p>
+            <a:pPr marL="0" indent="0">
+              <a:spcBef>
+                <a:spcPts val="800"/>
+              </a:spcBef>
+              <a:spcAft>
+                <a:spcPts val="800"/>
+              </a:spcAft>
+              <a:buFont typeface="Roboto"/>
+              <a:buNone/>
+            </a:pPr>
+            <a:endParaRPr lang="en-US" sz="1300" dirty="0"/>
+          </a:p>
+        </p:txBody>
+      </p:sp>
+      <p:sp>
+        <p:nvSpPr>
+          <p:cNvPr id="4" name="Google Shape;169;p20">
+            <a:extLst>
+              <a:ext uri="{FF2B5EF4-FFF2-40B4-BE49-F238E27FC236}">
+                <a16:creationId xmlns:a16="http://schemas.microsoft.com/office/drawing/2014/main" id="{DC417189-5689-A75E-9774-8BF889C09DDE}"/>
+              </a:ext>
+            </a:extLst>
+          </p:cNvPr>
+          <p:cNvSpPr txBox="1">
+            <a:spLocks/>
+          </p:cNvSpPr>
+          <p:nvPr/>
+        </p:nvSpPr>
+        <p:spPr>
+          <a:xfrm>
+            <a:off x="4602599" y="1507334"/>
+            <a:ext cx="2181225" cy="3202399"/>
+          </a:xfrm>
+          <a:prstGeom prst="rect">
+            <a:avLst/>
+          </a:prstGeom>
+          <a:noFill/>
+          <a:ln>
+            <a:noFill/>
+          </a:ln>
+        </p:spPr>
+        <p:txBody>
+          <a:bodyPr spcFirstLastPara="1" wrap="square" lIns="91425" tIns="91425" rIns="91425" bIns="91425" anchor="t" anchorCtr="0">
+            <a:noAutofit/>
+          </a:bodyPr>
+          <a:lstStyle>
+            <a:defPPr marR="0" lvl="0" algn="l" rtl="0">
+              <a:lnSpc>
+                <a:spcPct val="100000"/>
+              </a:lnSpc>
+              <a:spcBef>
+                <a:spcPts val="0"/>
+              </a:spcBef>
+              <a:spcAft>
+                <a:spcPts val="0"/>
+              </a:spcAft>
+            </a:defPPr>
+            <a:lvl1pPr marL="457200" marR="0" lvl="0" indent="-342900" algn="l" rtl="0">
+              <a:lnSpc>
+                <a:spcPct val="115000"/>
+              </a:lnSpc>
+              <a:spcBef>
+                <a:spcPts val="0"/>
+              </a:spcBef>
+              <a:spcAft>
+                <a:spcPts val="0"/>
+              </a:spcAft>
+              <a:buClr>
+                <a:schemeClr val="dk2"/>
+              </a:buClr>
+              <a:buSzPts val="1800"/>
+              <a:buFont typeface="Roboto"/>
+              <a:buChar char="●"/>
+              <a:defRPr sz="1800" b="0" i="0" u="none" strike="noStrike" cap="none">
+                <a:solidFill>
+                  <a:schemeClr val="dk2"/>
+                </a:solidFill>
+                <a:latin typeface="Roboto"/>
+                <a:ea typeface="Roboto"/>
+                <a:cs typeface="Roboto"/>
+                <a:sym typeface="Roboto"/>
+              </a:defRPr>
+            </a:lvl1pPr>
+            <a:lvl2pPr marL="914400" marR="0" lvl="1" indent="-317500" algn="l" rtl="0">
+              <a:lnSpc>
+                <a:spcPct val="115000"/>
+              </a:lnSpc>
+              <a:spcBef>
+                <a:spcPts val="1600"/>
+              </a:spcBef>
+              <a:spcAft>
+                <a:spcPts val="0"/>
+              </a:spcAft>
+              <a:buClr>
+                <a:schemeClr val="dk2"/>
+              </a:buClr>
+              <a:buSzPts val="1400"/>
+              <a:buFont typeface="Roboto"/>
+              <a:buChar char="○"/>
+              <a:defRPr sz="1400" b="0" i="0" u="none" strike="noStrike" cap="none">
+                <a:solidFill>
+                  <a:schemeClr val="dk2"/>
+                </a:solidFill>
+                <a:latin typeface="Roboto"/>
+                <a:ea typeface="Roboto"/>
+                <a:cs typeface="Roboto"/>
+                <a:sym typeface="Roboto"/>
+              </a:defRPr>
+            </a:lvl2pPr>
+            <a:lvl3pPr marL="1371600" marR="0" lvl="2" indent="-317500" algn="l" rtl="0">
+              <a:lnSpc>
+                <a:spcPct val="115000"/>
+              </a:lnSpc>
+              <a:spcBef>
+                <a:spcPts val="1600"/>
+              </a:spcBef>
+              <a:spcAft>
+                <a:spcPts val="0"/>
+              </a:spcAft>
+              <a:buClr>
+                <a:schemeClr val="dk2"/>
+              </a:buClr>
+              <a:buSzPts val="1400"/>
+              <a:buFont typeface="Roboto"/>
+              <a:buChar char="■"/>
+              <a:defRPr sz="1400" b="0" i="0" u="none" strike="noStrike" cap="none">
+                <a:solidFill>
+                  <a:schemeClr val="dk2"/>
+                </a:solidFill>
+                <a:latin typeface="Roboto"/>
+                <a:ea typeface="Roboto"/>
+                <a:cs typeface="Roboto"/>
+                <a:sym typeface="Roboto"/>
+              </a:defRPr>
+            </a:lvl3pPr>
+            <a:lvl4pPr marL="1828800" marR="0" lvl="3" indent="-317500" algn="l" rtl="0">
+              <a:lnSpc>
+                <a:spcPct val="115000"/>
+              </a:lnSpc>
+              <a:spcBef>
+                <a:spcPts val="1600"/>
+              </a:spcBef>
+              <a:spcAft>
+                <a:spcPts val="0"/>
+              </a:spcAft>
+              <a:buClr>
+                <a:schemeClr val="dk2"/>
+              </a:buClr>
+              <a:buSzPts val="1400"/>
+              <a:buFont typeface="Roboto"/>
+              <a:buChar char="●"/>
+              <a:defRPr sz="1400" b="0" i="0" u="none" strike="noStrike" cap="none">
+                <a:solidFill>
+                  <a:schemeClr val="dk2"/>
+                </a:solidFill>
+                <a:latin typeface="Roboto"/>
+                <a:ea typeface="Roboto"/>
+                <a:cs typeface="Roboto"/>
+                <a:sym typeface="Roboto"/>
+              </a:defRPr>
+            </a:lvl4pPr>
+            <a:lvl5pPr marL="2286000" marR="0" lvl="4" indent="-317500" algn="l" rtl="0">
+              <a:lnSpc>
+                <a:spcPct val="115000"/>
+              </a:lnSpc>
+              <a:spcBef>
+                <a:spcPts val="1600"/>
+              </a:spcBef>
+              <a:spcAft>
+                <a:spcPts val="0"/>
+              </a:spcAft>
+              <a:buClr>
+                <a:schemeClr val="dk2"/>
+              </a:buClr>
+              <a:buSzPts val="1400"/>
+              <a:buFont typeface="Roboto"/>
+              <a:buChar char="○"/>
+              <a:defRPr sz="1400" b="0" i="0" u="none" strike="noStrike" cap="none">
+                <a:solidFill>
+                  <a:schemeClr val="dk2"/>
+                </a:solidFill>
+                <a:latin typeface="Roboto"/>
+                <a:ea typeface="Roboto"/>
+                <a:cs typeface="Roboto"/>
+                <a:sym typeface="Roboto"/>
+              </a:defRPr>
+            </a:lvl5pPr>
+            <a:lvl6pPr marL="2743200" marR="0" lvl="5" indent="-317500" algn="l" rtl="0">
+              <a:lnSpc>
+                <a:spcPct val="115000"/>
+              </a:lnSpc>
+              <a:spcBef>
+                <a:spcPts val="1600"/>
+              </a:spcBef>
+              <a:spcAft>
+                <a:spcPts val="0"/>
+              </a:spcAft>
+              <a:buClr>
+                <a:schemeClr val="dk2"/>
+              </a:buClr>
+              <a:buSzPts val="1400"/>
+              <a:buFont typeface="Roboto"/>
+              <a:buChar char="■"/>
+              <a:defRPr sz="1400" b="0" i="0" u="none" strike="noStrike" cap="none">
+                <a:solidFill>
+                  <a:schemeClr val="dk2"/>
+                </a:solidFill>
+                <a:latin typeface="Roboto"/>
+                <a:ea typeface="Roboto"/>
+                <a:cs typeface="Roboto"/>
+                <a:sym typeface="Roboto"/>
+              </a:defRPr>
+            </a:lvl6pPr>
+            <a:lvl7pPr marL="3200400" marR="0" lvl="6" indent="-317500" algn="l" rtl="0">
+              <a:lnSpc>
+                <a:spcPct val="115000"/>
+              </a:lnSpc>
+              <a:spcBef>
+                <a:spcPts val="1600"/>
+              </a:spcBef>
+              <a:spcAft>
+                <a:spcPts val="0"/>
+              </a:spcAft>
+              <a:buClr>
+                <a:schemeClr val="dk2"/>
+              </a:buClr>
+              <a:buSzPts val="1400"/>
+              <a:buFont typeface="Roboto"/>
+              <a:buChar char="●"/>
+              <a:defRPr sz="1400" b="0" i="0" u="none" strike="noStrike" cap="none">
+                <a:solidFill>
+                  <a:schemeClr val="dk2"/>
+                </a:solidFill>
+                <a:latin typeface="Roboto"/>
+                <a:ea typeface="Roboto"/>
+                <a:cs typeface="Roboto"/>
+                <a:sym typeface="Roboto"/>
+              </a:defRPr>
+            </a:lvl7pPr>
+            <a:lvl8pPr marL="3657600" marR="0" lvl="7" indent="-317500" algn="l" rtl="0">
+              <a:lnSpc>
+                <a:spcPct val="115000"/>
+              </a:lnSpc>
+              <a:spcBef>
+                <a:spcPts val="1600"/>
+              </a:spcBef>
+              <a:spcAft>
+                <a:spcPts val="0"/>
+              </a:spcAft>
+              <a:buClr>
+                <a:schemeClr val="dk2"/>
+              </a:buClr>
+              <a:buSzPts val="1400"/>
+              <a:buFont typeface="Roboto"/>
+              <a:buChar char="○"/>
+              <a:defRPr sz="1400" b="0" i="0" u="none" strike="noStrike" cap="none">
+                <a:solidFill>
+                  <a:schemeClr val="dk2"/>
+                </a:solidFill>
+                <a:latin typeface="Roboto"/>
+                <a:ea typeface="Roboto"/>
+                <a:cs typeface="Roboto"/>
+                <a:sym typeface="Roboto"/>
+              </a:defRPr>
+            </a:lvl8pPr>
+            <a:lvl9pPr marL="4114800" marR="0" lvl="8" indent="-317500" algn="l" rtl="0">
+              <a:lnSpc>
+                <a:spcPct val="115000"/>
+              </a:lnSpc>
+              <a:spcBef>
+                <a:spcPts val="1600"/>
+              </a:spcBef>
+              <a:spcAft>
+                <a:spcPts val="1600"/>
+              </a:spcAft>
+              <a:buClr>
+                <a:schemeClr val="dk2"/>
+              </a:buClr>
+              <a:buSzPts val="1400"/>
+              <a:buFont typeface="Roboto"/>
+              <a:buChar char="■"/>
+              <a:defRPr sz="1400" b="0" i="0" u="none" strike="noStrike" cap="none">
+                <a:solidFill>
+                  <a:schemeClr val="dk2"/>
+                </a:solidFill>
+                <a:latin typeface="Roboto"/>
+                <a:ea typeface="Roboto"/>
+                <a:cs typeface="Roboto"/>
+                <a:sym typeface="Roboto"/>
+              </a:defRPr>
+            </a:lvl9pPr>
+          </a:lstStyle>
+          <a:p>
+            <a:pPr marL="342900">
+              <a:buFont typeface="Roboto"/>
+              <a:buAutoNum type="arabicPeriod"/>
+            </a:pPr>
+            <a:r>
+              <a:rPr lang="en-US" sz="1300" dirty="0"/>
+              <a:t>Load pre-trained model</a:t>
+            </a:r>
+          </a:p>
+          <a:p>
+            <a:pPr marL="342900">
+              <a:buFont typeface="Roboto"/>
+              <a:buAutoNum type="arabicPeriod"/>
+            </a:pPr>
+            <a:r>
+              <a:rPr lang="en-US" sz="1300" dirty="0"/>
+              <a:t>Fine-tune the model</a:t>
+            </a:r>
+          </a:p>
+          <a:p>
+            <a:pPr marL="342900">
+              <a:buFont typeface="Roboto"/>
+              <a:buAutoNum type="arabicPeriod"/>
+            </a:pPr>
+            <a:r>
+              <a:rPr lang="en-US" sz="1300" dirty="0"/>
+              <a:t>Predict adjustment</a:t>
+            </a:r>
+          </a:p>
+          <a:p>
+            <a:pPr marL="342900">
+              <a:buFont typeface="Roboto"/>
+              <a:buAutoNum type="arabicPeriod"/>
+            </a:pPr>
+            <a:r>
+              <a:rPr lang="en-US" sz="1300" dirty="0"/>
+              <a:t>Combine Predictions with Weighted Score</a:t>
+            </a:r>
+            <a:endParaRPr lang="en-US" sz="1300" b="1" dirty="0"/>
+          </a:p>
+          <a:p>
+            <a:pPr marL="0" indent="0">
+              <a:buNone/>
+            </a:pPr>
+            <a:endParaRPr lang="en-US" sz="1300" b="1" dirty="0"/>
+          </a:p>
+          <a:p>
+            <a:pPr marL="0" indent="0">
+              <a:buNone/>
+            </a:pPr>
+            <a:r>
+              <a:rPr lang="en-US" sz="1300" b="1" dirty="0"/>
+              <a:t>Packages used:</a:t>
+            </a:r>
+          </a:p>
+          <a:p>
+            <a:pPr marL="285750" indent="-285750">
+              <a:buFont typeface="Arial" panose="020B0604020202020204" pitchFamily="34" charset="0"/>
+              <a:buChar char="•"/>
+            </a:pPr>
+            <a:r>
+              <a:rPr lang="en-US" sz="1300" dirty="0"/>
+              <a:t>transformers</a:t>
+            </a:r>
+          </a:p>
+          <a:p>
+            <a:pPr marL="285750" indent="-285750">
+              <a:buFont typeface="Arial" panose="020B0604020202020204" pitchFamily="34" charset="0"/>
+              <a:buChar char="•"/>
+            </a:pPr>
+            <a:r>
+              <a:rPr lang="en-US" sz="1300" dirty="0"/>
+              <a:t>tokenizer</a:t>
+            </a:r>
+          </a:p>
+          <a:p>
+            <a:pPr marL="285750" indent="-285750">
+              <a:buFont typeface="Arial" panose="020B0604020202020204" pitchFamily="34" charset="0"/>
+              <a:buChar char="•"/>
+            </a:pPr>
+            <a:r>
+              <a:rPr lang="en-US" sz="1300" dirty="0"/>
+              <a:t>datasets</a:t>
+            </a:r>
+          </a:p>
+          <a:p>
+            <a:pPr marL="0" indent="0">
+              <a:buNone/>
+            </a:pPr>
+            <a:endParaRPr lang="en-US" sz="1300" b="1" dirty="0"/>
+          </a:p>
+          <a:p>
+            <a:pPr marL="0" indent="0">
+              <a:buNone/>
+            </a:pPr>
+            <a:endParaRPr lang="en-US" sz="1300" b="1" dirty="0"/>
+          </a:p>
+          <a:p>
+            <a:pPr marL="0" indent="0">
+              <a:buNone/>
+            </a:pPr>
+            <a:endParaRPr lang="en-US" sz="1300" b="1" dirty="0"/>
+          </a:p>
+          <a:p>
+            <a:pPr marL="0" indent="0">
+              <a:spcBef>
+                <a:spcPts val="800"/>
+              </a:spcBef>
+              <a:spcAft>
+                <a:spcPts val="800"/>
+              </a:spcAft>
+              <a:buFont typeface="Roboto"/>
+              <a:buNone/>
+            </a:pPr>
+            <a:endParaRPr lang="en-US" sz="1300" dirty="0"/>
+          </a:p>
+        </p:txBody>
+      </p:sp>
+      <p:sp>
+        <p:nvSpPr>
+          <p:cNvPr id="5" name="Google Shape;169;p20">
+            <a:extLst>
+              <a:ext uri="{FF2B5EF4-FFF2-40B4-BE49-F238E27FC236}">
+                <a16:creationId xmlns:a16="http://schemas.microsoft.com/office/drawing/2014/main" id="{17AEBF59-FA06-B767-82D0-8163367C8481}"/>
+              </a:ext>
+            </a:extLst>
+          </p:cNvPr>
+          <p:cNvSpPr txBox="1">
+            <a:spLocks/>
+          </p:cNvSpPr>
+          <p:nvPr/>
+        </p:nvSpPr>
+        <p:spPr>
+          <a:xfrm>
+            <a:off x="6783824" y="1518088"/>
+            <a:ext cx="2120027" cy="3202399"/>
+          </a:xfrm>
+          <a:prstGeom prst="rect">
+            <a:avLst/>
+          </a:prstGeom>
+          <a:noFill/>
+          <a:ln>
+            <a:noFill/>
+          </a:ln>
+        </p:spPr>
+        <p:txBody>
+          <a:bodyPr spcFirstLastPara="1" wrap="square" lIns="91425" tIns="91425" rIns="91425" bIns="91425" anchor="t" anchorCtr="0">
+            <a:noAutofit/>
+          </a:bodyPr>
+          <a:lstStyle>
+            <a:defPPr marR="0" lvl="0" algn="l" rtl="0">
+              <a:lnSpc>
+                <a:spcPct val="100000"/>
+              </a:lnSpc>
+              <a:spcBef>
+                <a:spcPts val="0"/>
+              </a:spcBef>
+              <a:spcAft>
+                <a:spcPts val="0"/>
+              </a:spcAft>
+            </a:defPPr>
+            <a:lvl1pPr marL="457200" marR="0" lvl="0" indent="-342900" algn="l" rtl="0">
+              <a:lnSpc>
+                <a:spcPct val="115000"/>
+              </a:lnSpc>
+              <a:spcBef>
+                <a:spcPts val="0"/>
+              </a:spcBef>
+              <a:spcAft>
+                <a:spcPts val="0"/>
+              </a:spcAft>
+              <a:buClr>
+                <a:schemeClr val="dk2"/>
+              </a:buClr>
+              <a:buSzPts val="1800"/>
+              <a:buFont typeface="Roboto"/>
+              <a:buChar char="●"/>
+              <a:defRPr sz="1800" b="0" i="0" u="none" strike="noStrike" cap="none">
+                <a:solidFill>
+                  <a:schemeClr val="dk2"/>
+                </a:solidFill>
+                <a:latin typeface="Roboto"/>
+                <a:ea typeface="Roboto"/>
+                <a:cs typeface="Roboto"/>
+                <a:sym typeface="Roboto"/>
+              </a:defRPr>
+            </a:lvl1pPr>
+            <a:lvl2pPr marL="914400" marR="0" lvl="1" indent="-317500" algn="l" rtl="0">
+              <a:lnSpc>
+                <a:spcPct val="115000"/>
+              </a:lnSpc>
+              <a:spcBef>
+                <a:spcPts val="1600"/>
+              </a:spcBef>
+              <a:spcAft>
+                <a:spcPts val="0"/>
+              </a:spcAft>
+              <a:buClr>
+                <a:schemeClr val="dk2"/>
+              </a:buClr>
+              <a:buSzPts val="1400"/>
+              <a:buFont typeface="Roboto"/>
+              <a:buChar char="○"/>
+              <a:defRPr sz="1400" b="0" i="0" u="none" strike="noStrike" cap="none">
+                <a:solidFill>
+                  <a:schemeClr val="dk2"/>
+                </a:solidFill>
+                <a:latin typeface="Roboto"/>
+                <a:ea typeface="Roboto"/>
+                <a:cs typeface="Roboto"/>
+                <a:sym typeface="Roboto"/>
+              </a:defRPr>
+            </a:lvl2pPr>
+            <a:lvl3pPr marL="1371600" marR="0" lvl="2" indent="-317500" algn="l" rtl="0">
+              <a:lnSpc>
+                <a:spcPct val="115000"/>
+              </a:lnSpc>
+              <a:spcBef>
+                <a:spcPts val="1600"/>
+              </a:spcBef>
+              <a:spcAft>
+                <a:spcPts val="0"/>
+              </a:spcAft>
+              <a:buClr>
+                <a:schemeClr val="dk2"/>
+              </a:buClr>
+              <a:buSzPts val="1400"/>
+              <a:buFont typeface="Roboto"/>
+              <a:buChar char="■"/>
+              <a:defRPr sz="1400" b="0" i="0" u="none" strike="noStrike" cap="none">
+                <a:solidFill>
+                  <a:schemeClr val="dk2"/>
+                </a:solidFill>
+                <a:latin typeface="Roboto"/>
+                <a:ea typeface="Roboto"/>
+                <a:cs typeface="Roboto"/>
+                <a:sym typeface="Roboto"/>
+              </a:defRPr>
+            </a:lvl3pPr>
+            <a:lvl4pPr marL="1828800" marR="0" lvl="3" indent="-317500" algn="l" rtl="0">
+              <a:lnSpc>
+                <a:spcPct val="115000"/>
+              </a:lnSpc>
+              <a:spcBef>
+                <a:spcPts val="1600"/>
+              </a:spcBef>
+              <a:spcAft>
+                <a:spcPts val="0"/>
+              </a:spcAft>
+              <a:buClr>
+                <a:schemeClr val="dk2"/>
+              </a:buClr>
+              <a:buSzPts val="1400"/>
+              <a:buFont typeface="Roboto"/>
+              <a:buChar char="●"/>
+              <a:defRPr sz="1400" b="0" i="0" u="none" strike="noStrike" cap="none">
+                <a:solidFill>
+                  <a:schemeClr val="dk2"/>
+                </a:solidFill>
+                <a:latin typeface="Roboto"/>
+                <a:ea typeface="Roboto"/>
+                <a:cs typeface="Roboto"/>
+                <a:sym typeface="Roboto"/>
+              </a:defRPr>
+            </a:lvl4pPr>
+            <a:lvl5pPr marL="2286000" marR="0" lvl="4" indent="-317500" algn="l" rtl="0">
+              <a:lnSpc>
+                <a:spcPct val="115000"/>
+              </a:lnSpc>
+              <a:spcBef>
+                <a:spcPts val="1600"/>
+              </a:spcBef>
+              <a:spcAft>
+                <a:spcPts val="0"/>
+              </a:spcAft>
+              <a:buClr>
+                <a:schemeClr val="dk2"/>
+              </a:buClr>
+              <a:buSzPts val="1400"/>
+              <a:buFont typeface="Roboto"/>
+              <a:buChar char="○"/>
+              <a:defRPr sz="1400" b="0" i="0" u="none" strike="noStrike" cap="none">
+                <a:solidFill>
+                  <a:schemeClr val="dk2"/>
+                </a:solidFill>
+                <a:latin typeface="Roboto"/>
+                <a:ea typeface="Roboto"/>
+                <a:cs typeface="Roboto"/>
+                <a:sym typeface="Roboto"/>
+              </a:defRPr>
+            </a:lvl5pPr>
+            <a:lvl6pPr marL="2743200" marR="0" lvl="5" indent="-317500" algn="l" rtl="0">
+              <a:lnSpc>
+                <a:spcPct val="115000"/>
+              </a:lnSpc>
+              <a:spcBef>
+                <a:spcPts val="1600"/>
+              </a:spcBef>
+              <a:spcAft>
+                <a:spcPts val="0"/>
+              </a:spcAft>
+              <a:buClr>
+                <a:schemeClr val="dk2"/>
+              </a:buClr>
+              <a:buSzPts val="1400"/>
+              <a:buFont typeface="Roboto"/>
+              <a:buChar char="■"/>
+              <a:defRPr sz="1400" b="0" i="0" u="none" strike="noStrike" cap="none">
+                <a:solidFill>
+                  <a:schemeClr val="dk2"/>
+                </a:solidFill>
+                <a:latin typeface="Roboto"/>
+                <a:ea typeface="Roboto"/>
+                <a:cs typeface="Roboto"/>
+                <a:sym typeface="Roboto"/>
+              </a:defRPr>
+            </a:lvl6pPr>
+            <a:lvl7pPr marL="3200400" marR="0" lvl="6" indent="-317500" algn="l" rtl="0">
+              <a:lnSpc>
+                <a:spcPct val="115000"/>
+              </a:lnSpc>
+              <a:spcBef>
+                <a:spcPts val="1600"/>
+              </a:spcBef>
+              <a:spcAft>
+                <a:spcPts val="0"/>
+              </a:spcAft>
+              <a:buClr>
+                <a:schemeClr val="dk2"/>
+              </a:buClr>
+              <a:buSzPts val="1400"/>
+              <a:buFont typeface="Roboto"/>
+              <a:buChar char="●"/>
+              <a:defRPr sz="1400" b="0" i="0" u="none" strike="noStrike" cap="none">
+                <a:solidFill>
+                  <a:schemeClr val="dk2"/>
+                </a:solidFill>
+                <a:latin typeface="Roboto"/>
+                <a:ea typeface="Roboto"/>
+                <a:cs typeface="Roboto"/>
+                <a:sym typeface="Roboto"/>
+              </a:defRPr>
+            </a:lvl7pPr>
+            <a:lvl8pPr marL="3657600" marR="0" lvl="7" indent="-317500" algn="l" rtl="0">
+              <a:lnSpc>
+                <a:spcPct val="115000"/>
+              </a:lnSpc>
+              <a:spcBef>
+                <a:spcPts val="1600"/>
+              </a:spcBef>
+              <a:spcAft>
+                <a:spcPts val="0"/>
+              </a:spcAft>
+              <a:buClr>
+                <a:schemeClr val="dk2"/>
+              </a:buClr>
+              <a:buSzPts val="1400"/>
+              <a:buFont typeface="Roboto"/>
+              <a:buChar char="○"/>
+              <a:defRPr sz="1400" b="0" i="0" u="none" strike="noStrike" cap="none">
+                <a:solidFill>
+                  <a:schemeClr val="dk2"/>
+                </a:solidFill>
+                <a:latin typeface="Roboto"/>
+                <a:ea typeface="Roboto"/>
+                <a:cs typeface="Roboto"/>
+                <a:sym typeface="Roboto"/>
+              </a:defRPr>
+            </a:lvl8pPr>
+            <a:lvl9pPr marL="4114800" marR="0" lvl="8" indent="-317500" algn="l" rtl="0">
+              <a:lnSpc>
+                <a:spcPct val="115000"/>
+              </a:lnSpc>
+              <a:spcBef>
+                <a:spcPts val="1600"/>
+              </a:spcBef>
+              <a:spcAft>
+                <a:spcPts val="1600"/>
+              </a:spcAft>
+              <a:buClr>
+                <a:schemeClr val="dk2"/>
+              </a:buClr>
+              <a:buSzPts val="1400"/>
+              <a:buFont typeface="Roboto"/>
+              <a:buChar char="■"/>
+              <a:defRPr sz="1400" b="0" i="0" u="none" strike="noStrike" cap="none">
+                <a:solidFill>
+                  <a:schemeClr val="dk2"/>
+                </a:solidFill>
+                <a:latin typeface="Roboto"/>
+                <a:ea typeface="Roboto"/>
+                <a:cs typeface="Roboto"/>
+                <a:sym typeface="Roboto"/>
+              </a:defRPr>
+            </a:lvl9pPr>
+          </a:lstStyle>
+          <a:p>
+            <a:pPr marL="342900">
+              <a:buFont typeface="Roboto"/>
+              <a:buAutoNum type="arabicPeriod"/>
+            </a:pPr>
+            <a:r>
+              <a:rPr lang="en-US" sz="1300" dirty="0"/>
+              <a:t>Retrieve data</a:t>
+            </a:r>
+          </a:p>
+          <a:p>
+            <a:pPr marL="342900">
+              <a:buFont typeface="Roboto"/>
+              <a:buAutoNum type="arabicPeriod"/>
+            </a:pPr>
+            <a:r>
+              <a:rPr lang="en-US" sz="1300" dirty="0"/>
+              <a:t>Apply family-level adjustment</a:t>
+            </a:r>
+          </a:p>
+          <a:p>
+            <a:pPr marL="342900">
+              <a:buFont typeface="Roboto"/>
+              <a:buAutoNum type="arabicPeriod"/>
+            </a:pPr>
+            <a:r>
+              <a:rPr lang="en-US" sz="1300" dirty="0"/>
+              <a:t>Calculate family wellness score</a:t>
+            </a:r>
+          </a:p>
+          <a:p>
+            <a:pPr marL="342900">
+              <a:buFont typeface="Roboto"/>
+              <a:buAutoNum type="arabicPeriod"/>
+            </a:pPr>
+            <a:r>
+              <a:rPr lang="en-US" sz="1300" dirty="0"/>
+              <a:t>Calculate community score</a:t>
+            </a:r>
+          </a:p>
+          <a:p>
+            <a:pPr marL="342900">
+              <a:buFont typeface="Roboto"/>
+              <a:buAutoNum type="arabicPeriod"/>
+            </a:pPr>
+            <a:r>
+              <a:rPr lang="en-US" sz="1300" dirty="0"/>
+              <a:t>Adjust for social trends</a:t>
+            </a:r>
+            <a:endParaRPr lang="en-US" sz="1300" b="1" dirty="0"/>
+          </a:p>
+          <a:p>
+            <a:pPr marL="0" indent="0">
+              <a:buNone/>
+            </a:pPr>
+            <a:r>
+              <a:rPr lang="en-US" sz="1300" b="1" dirty="0"/>
+              <a:t>Packages used:</a:t>
+            </a:r>
+          </a:p>
+          <a:p>
+            <a:pPr marL="285750" indent="-285750">
+              <a:buFont typeface="Arial" panose="020B0604020202020204" pitchFamily="34" charset="0"/>
+              <a:buChar char="•"/>
+            </a:pPr>
+            <a:r>
+              <a:rPr lang="en-US" sz="1300" dirty="0"/>
+              <a:t>numpy</a:t>
+            </a:r>
+          </a:p>
+          <a:p>
+            <a:pPr marL="285750" indent="-285750">
+              <a:buFont typeface="Arial" panose="020B0604020202020204" pitchFamily="34" charset="0"/>
+              <a:buChar char="•"/>
+            </a:pPr>
+            <a:r>
+              <a:rPr lang="en-US" sz="1300" dirty="0"/>
+              <a:t>pandas</a:t>
+            </a:r>
+          </a:p>
+          <a:p>
+            <a:pPr marL="285750" indent="-285750">
+              <a:buFont typeface="Arial" panose="020B0604020202020204" pitchFamily="34" charset="0"/>
+              <a:buChar char="•"/>
+            </a:pPr>
+            <a:r>
+              <a:rPr lang="en-US" sz="1300" dirty="0" err="1"/>
+              <a:t>sklearn.preprocessing</a:t>
+            </a:r>
+            <a:endParaRPr lang="en-US" sz="1300" dirty="0"/>
+          </a:p>
+          <a:p>
+            <a:pPr marL="342900">
+              <a:buFont typeface="Roboto"/>
+              <a:buAutoNum type="arabicPeriod"/>
+            </a:pPr>
+            <a:endParaRPr lang="en-US" sz="1300" b="1" dirty="0"/>
+          </a:p>
+          <a:p>
+            <a:pPr marL="0" indent="0">
+              <a:spcBef>
+                <a:spcPts val="800"/>
+              </a:spcBef>
+              <a:spcAft>
+                <a:spcPts val="800"/>
+              </a:spcAft>
+              <a:buFont typeface="Roboto"/>
+              <a:buNone/>
+            </a:pPr>
+            <a:endParaRPr lang="en-US" sz="1300" dirty="0"/>
+          </a:p>
+        </p:txBody>
+      </p:sp>
+    </p:spTree>
+  </p:cSld>
+  <p:clrMapOvr>
+    <a:masterClrMapping/>
+  </p:clrMapOvr>
+</p:sld>
+</file>
+
+<file path=ppt/slides/slide11.xml><?xml version="1.0" encoding="utf-8"?>
+<p:sld xmlns:a="http://schemas.openxmlformats.org/drawingml/2006/main" xmlns:r="http://schemas.openxmlformats.org/officeDocument/2006/relationships" xmlns:p="http://schemas.openxmlformats.org/presentationml/2006/main">
+  <p:cSld>
+    <p:spTree>
+      <p:nvGrpSpPr>
         <p:cNvPr id="1" name="Shape 144"/>
         <p:cNvGrpSpPr/>
         <p:nvPr/>
@@ -10159,7 +12390,7 @@
 </p:sld>
 </file>
 
-<file path=ppt/slides/slide11.xml><?xml version="1.0" encoding="utf-8"?>
+<file path=ppt/slides/slide12.xml><?xml version="1.0" encoding="utf-8"?>
 <p:sld xmlns:a="http://schemas.openxmlformats.org/drawingml/2006/main" xmlns:r="http://schemas.openxmlformats.org/officeDocument/2006/relationships" xmlns:p="http://schemas.openxmlformats.org/presentationml/2006/main">
   <p:cSld>
     <p:spTree>
@@ -10451,7 +12682,7 @@
 </p:sld>
 </file>
 
-<file path=ppt/slides/slide12.xml><?xml version="1.0" encoding="utf-8"?>
+<file path=ppt/slides/slide13.xml><?xml version="1.0" encoding="utf-8"?>
 <p:sld xmlns:a="http://schemas.openxmlformats.org/drawingml/2006/main" xmlns:r="http://schemas.openxmlformats.org/officeDocument/2006/relationships" xmlns:p="http://schemas.openxmlformats.org/presentationml/2006/main">
   <p:cSld>
     <p:spTree>
@@ -13019,7 +15250,7 @@
 </p:sld>
 </file>
 
-<file path=ppt/slides/slide13.xml><?xml version="1.0" encoding="utf-8"?>
+<file path=ppt/slides/slide14.xml><?xml version="1.0" encoding="utf-8"?>
 <p:sld xmlns:a="http://schemas.openxmlformats.org/drawingml/2006/main" xmlns:r="http://schemas.openxmlformats.org/officeDocument/2006/relationships" xmlns:p="http://schemas.openxmlformats.org/presentationml/2006/main">
   <p:cSld>
     <p:spTree>
@@ -15412,7 +17643,7 @@
 </p:sld>
 </file>
 
-<file path=ppt/slides/slide14.xml><?xml version="1.0" encoding="utf-8"?>
+<file path=ppt/slides/slide15.xml><?xml version="1.0" encoding="utf-8"?>
 <p:sld xmlns:a="http://schemas.openxmlformats.org/drawingml/2006/main" xmlns:r="http://schemas.openxmlformats.org/officeDocument/2006/relationships" xmlns:p="http://schemas.openxmlformats.org/presentationml/2006/main">
   <p:cSld>
     <p:spTree>
@@ -15532,129 +17763,36 @@
             </a:pPr>
             <a:r>
               <a:rPr lang="en" dirty="0"/>
-              <a:t>Project Overview &amp; Our Objective</a:t>
+              <a:t>Project Overview &amp; Objective</a:t>
             </a:r>
             <a:endParaRPr dirty="0"/>
           </a:p>
         </p:txBody>
       </p:sp>
-      <p:grpSp>
-        <p:nvGrpSpPr>
-          <p:cNvPr id="93" name="Google Shape;93;p14"/>
-          <p:cNvGrpSpPr/>
-          <p:nvPr/>
-        </p:nvGrpSpPr>
-        <p:grpSpPr>
-          <a:xfrm>
-            <a:off x="431925" y="1304875"/>
-            <a:ext cx="2628925" cy="3416400"/>
-            <a:chOff x="431925" y="1304875"/>
-            <a:chExt cx="2628925" cy="3416400"/>
-          </a:xfrm>
-        </p:grpSpPr>
-        <p:sp>
-          <p:nvSpPr>
-            <p:cNvPr id="94" name="Google Shape;94;p14"/>
-            <p:cNvSpPr txBox="1"/>
-            <p:nvPr/>
-          </p:nvSpPr>
-          <p:spPr>
-            <a:xfrm>
-              <a:off x="431925" y="1304875"/>
-              <a:ext cx="2628900" cy="464100"/>
-            </a:xfrm>
-            <a:prstGeom prst="rect">
-              <a:avLst/>
-            </a:prstGeom>
-            <a:solidFill>
-              <a:schemeClr val="dk1"/>
-            </a:solidFill>
-            <a:ln>
-              <a:noFill/>
-            </a:ln>
-          </p:spPr>
-          <p:txBody>
-            <a:bodyPr spcFirstLastPara="1" wrap="square" lIns="91425" tIns="91425" rIns="91425" bIns="91425" anchor="ctr" anchorCtr="0">
-              <a:noAutofit/>
-            </a:bodyPr>
-            <a:lstStyle/>
-            <a:p>
-              <a:pPr marL="0" lvl="0" indent="0" algn="l" rtl="0">
-                <a:spcBef>
-                  <a:spcPts val="0"/>
-                </a:spcBef>
-                <a:spcAft>
-                  <a:spcPts val="0"/>
-                </a:spcAft>
-                <a:buNone/>
-              </a:pPr>
-              <a:endParaRPr/>
-            </a:p>
-          </p:txBody>
-        </p:sp>
-        <p:sp>
-          <p:nvSpPr>
-            <p:cNvPr id="95" name="Google Shape;95;p14"/>
-            <p:cNvSpPr/>
-            <p:nvPr/>
-          </p:nvSpPr>
-          <p:spPr>
-            <a:xfrm>
-              <a:off x="431950" y="1304875"/>
-              <a:ext cx="2628900" cy="3416400"/>
-            </a:xfrm>
-            <a:prstGeom prst="rect">
-              <a:avLst/>
-            </a:prstGeom>
-            <a:noFill/>
-            <a:ln w="9525" cap="flat" cmpd="sng">
-              <a:solidFill>
-                <a:schemeClr val="dk1"/>
-              </a:solidFill>
-              <a:prstDash val="solid"/>
-              <a:round/>
-              <a:headEnd type="none" w="sm" len="sm"/>
-              <a:tailEnd type="none" w="sm" len="sm"/>
-            </a:ln>
-          </p:spPr>
-          <p:txBody>
-            <a:bodyPr spcFirstLastPara="1" wrap="square" lIns="91425" tIns="91425" rIns="91425" bIns="91425" anchor="ctr" anchorCtr="0">
-              <a:noAutofit/>
-            </a:bodyPr>
-            <a:lstStyle/>
-            <a:p>
-              <a:pPr marL="0" lvl="0" indent="0" algn="l" rtl="0">
-                <a:spcBef>
-                  <a:spcPts val="0"/>
-                </a:spcBef>
-                <a:spcAft>
-                  <a:spcPts val="0"/>
-                </a:spcAft>
-                <a:buNone/>
-              </a:pPr>
-              <a:endParaRPr/>
-            </a:p>
-          </p:txBody>
-        </p:sp>
-      </p:grpSp>
       <p:sp>
         <p:nvSpPr>
-          <p:cNvPr id="96" name="Google Shape;96;p14"/>
-          <p:cNvSpPr txBox="1">
-            <a:spLocks noGrp="1"/>
-          </p:cNvSpPr>
-          <p:nvPr>
-            <p:ph type="body" idx="4294967295"/>
-          </p:nvPr>
+          <p:cNvPr id="2" name="Google Shape;146;p18">
+            <a:extLst>
+              <a:ext uri="{FF2B5EF4-FFF2-40B4-BE49-F238E27FC236}">
+                <a16:creationId xmlns:a16="http://schemas.microsoft.com/office/drawing/2014/main" id="{4EADFA0F-917A-8ADE-6C18-58730DFFCFAE}"/>
+              </a:ext>
+            </a:extLst>
+          </p:cNvPr>
+          <p:cNvSpPr txBox="1"/>
+          <p:nvPr/>
         </p:nvSpPr>
         <p:spPr>
           <a:xfrm>
-            <a:off x="506425" y="1304875"/>
-            <a:ext cx="2494500" cy="461400"/>
+            <a:off x="311700" y="1017800"/>
+            <a:ext cx="7863600" cy="3164259"/>
           </a:xfrm>
           <a:prstGeom prst="rect">
             <a:avLst/>
           </a:prstGeom>
+          <a:noFill/>
+          <a:ln>
+            <a:noFill/>
+          </a:ln>
         </p:spPr>
         <p:txBody>
           <a:bodyPr spcFirstLastPara="1" wrap="square" lIns="91425" tIns="91425" rIns="91425" bIns="91425" anchor="t" anchorCtr="0">
@@ -15662,499 +17800,62 @@
           </a:bodyPr>
           <a:lstStyle/>
           <a:p>
-            <a:pPr marL="0" lvl="0" indent="0" algn="l" rtl="0">
-              <a:spcBef>
-                <a:spcPts val="0"/>
-              </a:spcBef>
-              <a:spcAft>
-                <a:spcPts val="0"/>
-              </a:spcAft>
-              <a:buNone/>
+            <a:pPr marL="0" marR="0">
+              <a:lnSpc>
+                <a:spcPct val="107000"/>
+              </a:lnSpc>
+              <a:spcBef>
+                <a:spcPts val="0"/>
+              </a:spcBef>
+              <a:spcAft>
+                <a:spcPts val="800"/>
+              </a:spcAft>
             </a:pPr>
-            <a:r>
-              <a:rPr lang="en">
-                <a:solidFill>
-                  <a:schemeClr val="lt1"/>
-                </a:solidFill>
-              </a:rPr>
-              <a:t> Vision</a:t>
-            </a:r>
-            <a:endParaRPr>
+            <a:endParaRPr lang="en-US" sz="1600" dirty="0">
               <a:solidFill>
-                <a:schemeClr val="lt1"/>
+                <a:srgbClr val="0D0D0D"/>
               </a:solidFill>
-            </a:endParaRPr>
-          </a:p>
-        </p:txBody>
-      </p:sp>
-      <p:sp>
-        <p:nvSpPr>
-          <p:cNvPr id="97" name="Google Shape;97;p14"/>
-          <p:cNvSpPr txBox="1">
-            <a:spLocks noGrp="1"/>
-          </p:cNvSpPr>
-          <p:nvPr>
-            <p:ph type="body" idx="4294967295"/>
-          </p:nvPr>
-        </p:nvSpPr>
-        <p:spPr>
-          <a:xfrm>
-            <a:off x="508325" y="1850300"/>
-            <a:ext cx="2478600" cy="2794800"/>
-          </a:xfrm>
-          <a:prstGeom prst="rect">
-            <a:avLst/>
-          </a:prstGeom>
-        </p:spPr>
-        <p:txBody>
-          <a:bodyPr spcFirstLastPara="1" wrap="square" lIns="91425" tIns="91425" rIns="91425" bIns="91425" anchor="t" anchorCtr="0">
-            <a:noAutofit/>
-          </a:bodyPr>
-          <a:lstStyle/>
-          <a:p>
-            <a:pPr marL="0" lvl="0" indent="0" algn="l" rtl="0">
-              <a:spcBef>
-                <a:spcPts val="0"/>
-              </a:spcBef>
-              <a:spcAft>
-                <a:spcPts val="1600"/>
-              </a:spcAft>
-              <a:buNone/>
-            </a:pPr>
-            <a:r>
-              <a:rPr lang="en" sz="1600"/>
-              <a:t>To work together to be a First Hotel Brand for young people and Top 1 successful Canadian hotel group.</a:t>
-            </a:r>
-            <a:endParaRPr sz="1600"/>
-          </a:p>
-        </p:txBody>
-      </p:sp>
-      <p:grpSp>
-        <p:nvGrpSpPr>
-          <p:cNvPr id="98" name="Google Shape;98;p14"/>
-          <p:cNvGrpSpPr/>
-          <p:nvPr/>
-        </p:nvGrpSpPr>
-        <p:grpSpPr>
-          <a:xfrm>
-            <a:off x="3320450" y="1304875"/>
-            <a:ext cx="2632500" cy="3416400"/>
-            <a:chOff x="3320450" y="1304875"/>
-            <a:chExt cx="2632500" cy="3416400"/>
-          </a:xfrm>
-        </p:grpSpPr>
-        <p:sp>
-          <p:nvSpPr>
-            <p:cNvPr id="99" name="Google Shape;99;p14"/>
-            <p:cNvSpPr txBox="1"/>
-            <p:nvPr/>
-          </p:nvSpPr>
-          <p:spPr>
-            <a:xfrm>
-              <a:off x="3324050" y="1304875"/>
-              <a:ext cx="2628900" cy="464100"/>
-            </a:xfrm>
-            <a:prstGeom prst="rect">
-              <a:avLst/>
-            </a:prstGeom>
-            <a:solidFill>
-              <a:schemeClr val="dk1"/>
-            </a:solidFill>
-            <a:ln>
-              <a:noFill/>
-            </a:ln>
-          </p:spPr>
-          <p:txBody>
-            <a:bodyPr spcFirstLastPara="1" wrap="square" lIns="91425" tIns="91425" rIns="91425" bIns="91425" anchor="ctr" anchorCtr="0">
-              <a:noAutofit/>
-            </a:bodyPr>
-            <a:lstStyle/>
-            <a:p>
-              <a:pPr marL="0" lvl="0" indent="0" algn="l" rtl="0">
-                <a:spcBef>
-                  <a:spcPts val="0"/>
-                </a:spcBef>
-                <a:spcAft>
-                  <a:spcPts val="0"/>
-                </a:spcAft>
-                <a:buNone/>
-              </a:pPr>
-              <a:endParaRPr/>
-            </a:p>
-          </p:txBody>
-        </p:sp>
-        <p:sp>
-          <p:nvSpPr>
-            <p:cNvPr id="100" name="Google Shape;100;p14"/>
-            <p:cNvSpPr/>
-            <p:nvPr/>
-          </p:nvSpPr>
-          <p:spPr>
-            <a:xfrm>
-              <a:off x="3320450" y="1304875"/>
-              <a:ext cx="2628900" cy="3416400"/>
-            </a:xfrm>
-            <a:prstGeom prst="rect">
-              <a:avLst/>
-            </a:prstGeom>
-            <a:noFill/>
-            <a:ln w="9525" cap="flat" cmpd="sng">
-              <a:solidFill>
-                <a:schemeClr val="dk1"/>
-              </a:solidFill>
-              <a:prstDash val="solid"/>
-              <a:round/>
-              <a:headEnd type="none" w="sm" len="sm"/>
-              <a:tailEnd type="none" w="sm" len="sm"/>
-            </a:ln>
-          </p:spPr>
-          <p:txBody>
-            <a:bodyPr spcFirstLastPara="1" wrap="square" lIns="91425" tIns="91425" rIns="91425" bIns="91425" anchor="ctr" anchorCtr="0">
-              <a:noAutofit/>
-            </a:bodyPr>
-            <a:lstStyle/>
-            <a:p>
-              <a:pPr marL="0" lvl="0" indent="0" algn="l" rtl="0">
-                <a:spcBef>
-                  <a:spcPts val="0"/>
-                </a:spcBef>
-                <a:spcAft>
-                  <a:spcPts val="0"/>
-                </a:spcAft>
-                <a:buNone/>
-              </a:pPr>
-              <a:endParaRPr/>
-            </a:p>
-          </p:txBody>
-        </p:sp>
-      </p:grpSp>
-      <p:sp>
-        <p:nvSpPr>
-          <p:cNvPr id="101" name="Google Shape;101;p14"/>
-          <p:cNvSpPr txBox="1">
-            <a:spLocks noGrp="1"/>
-          </p:cNvSpPr>
-          <p:nvPr>
-            <p:ph type="body" idx="4294967295"/>
-          </p:nvPr>
-        </p:nvSpPr>
-        <p:spPr>
-          <a:xfrm>
-            <a:off x="3389450" y="1304875"/>
-            <a:ext cx="2494500" cy="461400"/>
-          </a:xfrm>
-          <a:prstGeom prst="rect">
-            <a:avLst/>
-          </a:prstGeom>
-        </p:spPr>
-        <p:txBody>
-          <a:bodyPr spcFirstLastPara="1" wrap="square" lIns="91425" tIns="91425" rIns="91425" bIns="91425" anchor="t" anchorCtr="0">
-            <a:noAutofit/>
-          </a:bodyPr>
-          <a:lstStyle/>
-          <a:p>
-            <a:pPr marL="0" lvl="0" indent="0" algn="l" rtl="0">
-              <a:spcBef>
-                <a:spcPts val="0"/>
-              </a:spcBef>
-              <a:spcAft>
-                <a:spcPts val="0"/>
-              </a:spcAft>
-              <a:buNone/>
-            </a:pPr>
-            <a:r>
-              <a:rPr lang="en">
-                <a:solidFill>
-                  <a:schemeClr val="lt1"/>
-                </a:solidFill>
-              </a:rPr>
-              <a:t>Mission</a:t>
-            </a:r>
-            <a:endParaRPr>
-              <a:solidFill>
-                <a:schemeClr val="lt1"/>
-              </a:solidFill>
-            </a:endParaRPr>
-          </a:p>
-        </p:txBody>
-      </p:sp>
-      <p:sp>
-        <p:nvSpPr>
-          <p:cNvPr id="102" name="Google Shape;102;p14"/>
-          <p:cNvSpPr txBox="1">
-            <a:spLocks noGrp="1"/>
-          </p:cNvSpPr>
-          <p:nvPr>
-            <p:ph type="body" idx="4294967295"/>
-          </p:nvPr>
-        </p:nvSpPr>
-        <p:spPr>
-          <a:xfrm>
-            <a:off x="3397400" y="1850300"/>
-            <a:ext cx="2478600" cy="2794800"/>
-          </a:xfrm>
-          <a:prstGeom prst="rect">
-            <a:avLst/>
-          </a:prstGeom>
-        </p:spPr>
-        <p:txBody>
-          <a:bodyPr spcFirstLastPara="1" wrap="square" lIns="91425" tIns="91425" rIns="91425" bIns="91425" anchor="t" anchorCtr="0">
-            <a:noAutofit/>
-          </a:bodyPr>
-          <a:lstStyle/>
-          <a:p>
-            <a:pPr marL="0" lvl="0" indent="0" algn="l" rtl="0">
-              <a:spcBef>
-                <a:spcPts val="0"/>
-              </a:spcBef>
-              <a:spcAft>
-                <a:spcPts val="1600"/>
-              </a:spcAft>
-              <a:buNone/>
-            </a:pPr>
-            <a:r>
-              <a:rPr lang="en" sz="1350">
-                <a:solidFill>
-                  <a:srgbClr val="231B0E"/>
-                </a:solidFill>
-              </a:rPr>
-              <a:t>A total commitment to provide quality and ethical services with new technology  to all  our customers, clients and partners at all times</a:t>
-            </a:r>
-            <a:endParaRPr sz="1600"/>
-          </a:p>
-        </p:txBody>
-      </p:sp>
-      <p:grpSp>
-        <p:nvGrpSpPr>
-          <p:cNvPr id="103" name="Google Shape;103;p14"/>
-          <p:cNvGrpSpPr/>
-          <p:nvPr/>
-        </p:nvGrpSpPr>
-        <p:grpSpPr>
-          <a:xfrm>
-            <a:off x="6212550" y="1304875"/>
-            <a:ext cx="2632500" cy="3416400"/>
-            <a:chOff x="6212550" y="1304875"/>
-            <a:chExt cx="2632500" cy="3416400"/>
-          </a:xfrm>
-        </p:grpSpPr>
-        <p:sp>
-          <p:nvSpPr>
-            <p:cNvPr id="104" name="Google Shape;104;p14"/>
-            <p:cNvSpPr/>
-            <p:nvPr/>
-          </p:nvSpPr>
-          <p:spPr>
-            <a:xfrm>
-              <a:off x="6215400" y="1304875"/>
-              <a:ext cx="2628900" cy="3416400"/>
-            </a:xfrm>
-            <a:prstGeom prst="rect">
-              <a:avLst/>
-            </a:prstGeom>
-            <a:noFill/>
-            <a:ln w="9525" cap="flat" cmpd="sng">
-              <a:solidFill>
-                <a:schemeClr val="dk1"/>
-              </a:solidFill>
-              <a:prstDash val="solid"/>
-              <a:round/>
-              <a:headEnd type="none" w="sm" len="sm"/>
-              <a:tailEnd type="none" w="sm" len="sm"/>
-            </a:ln>
-          </p:spPr>
-          <p:txBody>
-            <a:bodyPr spcFirstLastPara="1" wrap="square" lIns="91425" tIns="91425" rIns="91425" bIns="91425" anchor="ctr" anchorCtr="0">
-              <a:noAutofit/>
-            </a:bodyPr>
-            <a:lstStyle/>
-            <a:p>
-              <a:pPr marL="0" lvl="0" indent="0" algn="l" rtl="0">
-                <a:spcBef>
-                  <a:spcPts val="0"/>
-                </a:spcBef>
-                <a:spcAft>
-                  <a:spcPts val="0"/>
-                </a:spcAft>
-                <a:buNone/>
-              </a:pPr>
-              <a:endParaRPr/>
-            </a:p>
-          </p:txBody>
-        </p:sp>
-        <p:sp>
-          <p:nvSpPr>
-            <p:cNvPr id="105" name="Google Shape;105;p14"/>
-            <p:cNvSpPr txBox="1"/>
-            <p:nvPr/>
-          </p:nvSpPr>
-          <p:spPr>
-            <a:xfrm>
-              <a:off x="6212550" y="1304875"/>
-              <a:ext cx="2632500" cy="464100"/>
-            </a:xfrm>
-            <a:prstGeom prst="rect">
-              <a:avLst/>
-            </a:prstGeom>
-            <a:solidFill>
-              <a:schemeClr val="dk1"/>
-            </a:solidFill>
-            <a:ln>
-              <a:noFill/>
-            </a:ln>
-          </p:spPr>
-          <p:txBody>
-            <a:bodyPr spcFirstLastPara="1" wrap="square" lIns="91425" tIns="91425" rIns="91425" bIns="91425" anchor="ctr" anchorCtr="0">
-              <a:noAutofit/>
-            </a:bodyPr>
-            <a:lstStyle/>
-            <a:p>
-              <a:pPr marL="0" lvl="0" indent="0" algn="l" rtl="0">
-                <a:spcBef>
-                  <a:spcPts val="0"/>
-                </a:spcBef>
-                <a:spcAft>
-                  <a:spcPts val="0"/>
-                </a:spcAft>
-                <a:buNone/>
-              </a:pPr>
-              <a:endParaRPr/>
-            </a:p>
-          </p:txBody>
-        </p:sp>
-      </p:grpSp>
-      <p:sp>
-        <p:nvSpPr>
-          <p:cNvPr id="106" name="Google Shape;106;p14"/>
-          <p:cNvSpPr txBox="1">
-            <a:spLocks noGrp="1"/>
-          </p:cNvSpPr>
-          <p:nvPr>
-            <p:ph type="body" idx="4294967295"/>
-          </p:nvPr>
-        </p:nvSpPr>
-        <p:spPr>
-          <a:xfrm>
-            <a:off x="6272475" y="1304875"/>
-            <a:ext cx="2494500" cy="461400"/>
-          </a:xfrm>
-          <a:prstGeom prst="rect">
-            <a:avLst/>
-          </a:prstGeom>
-        </p:spPr>
-        <p:txBody>
-          <a:bodyPr spcFirstLastPara="1" wrap="square" lIns="91425" tIns="91425" rIns="91425" bIns="91425" anchor="t" anchorCtr="0">
-            <a:noAutofit/>
-          </a:bodyPr>
-          <a:lstStyle/>
-          <a:p>
-            <a:pPr marL="0" lvl="0" indent="0" algn="l" rtl="0">
-              <a:spcBef>
-                <a:spcPts val="0"/>
-              </a:spcBef>
-              <a:spcAft>
-                <a:spcPts val="0"/>
-              </a:spcAft>
-              <a:buNone/>
-            </a:pPr>
-            <a:r>
-              <a:rPr lang="en">
-                <a:solidFill>
-                  <a:schemeClr val="lt1"/>
-                </a:solidFill>
-              </a:rPr>
-              <a:t>Values</a:t>
-            </a:r>
-            <a:endParaRPr>
-              <a:solidFill>
-                <a:schemeClr val="lt1"/>
-              </a:solidFill>
-            </a:endParaRPr>
-          </a:p>
-        </p:txBody>
-      </p:sp>
-      <p:sp>
-        <p:nvSpPr>
-          <p:cNvPr id="107" name="Google Shape;107;p14"/>
-          <p:cNvSpPr txBox="1">
-            <a:spLocks noGrp="1"/>
-          </p:cNvSpPr>
-          <p:nvPr>
-            <p:ph type="body" idx="4294967295"/>
-          </p:nvPr>
-        </p:nvSpPr>
-        <p:spPr>
-          <a:xfrm>
-            <a:off x="6286400" y="1850300"/>
-            <a:ext cx="2478600" cy="2794800"/>
-          </a:xfrm>
-          <a:prstGeom prst="rect">
-            <a:avLst/>
-          </a:prstGeom>
-        </p:spPr>
-        <p:txBody>
-          <a:bodyPr spcFirstLastPara="1" wrap="square" lIns="91425" tIns="91425" rIns="91425" bIns="91425" anchor="t" anchorCtr="0">
-            <a:noAutofit/>
-          </a:bodyPr>
-          <a:lstStyle/>
-          <a:p>
-            <a:pPr marL="0" lvl="0" indent="0" algn="l" rtl="0">
-              <a:spcBef>
-                <a:spcPts val="0"/>
-              </a:spcBef>
-              <a:spcAft>
-                <a:spcPts val="0"/>
-              </a:spcAft>
-              <a:buNone/>
-            </a:pPr>
-            <a:r>
-              <a:rPr lang="en" sz="1200">
-                <a:solidFill>
-                  <a:srgbClr val="231B0E"/>
-                </a:solidFill>
-              </a:rPr>
-              <a:t>Our client wants to ensure the quality service and products are provided to their guests at competitive prices.</a:t>
-            </a:r>
-            <a:endParaRPr sz="1200">
-              <a:solidFill>
-                <a:srgbClr val="231B0E"/>
-              </a:solidFill>
+              <a:highlight>
+                <a:srgbClr val="FFFFFF"/>
+              </a:highlight>
             </a:endParaRPr>
           </a:p>
           <a:p>
             <a:pPr marL="0" lvl="0" indent="0" algn="l" rtl="0">
-              <a:spcBef>
-                <a:spcPts val="1600"/>
+              <a:lnSpc>
+                <a:spcPct val="150000"/>
+              </a:lnSpc>
+              <a:spcBef>
+                <a:spcPts val="0"/>
               </a:spcBef>
               <a:spcAft>
                 <a:spcPts val="0"/>
               </a:spcAft>
               <a:buNone/>
             </a:pPr>
-            <a:r>
-              <a:rPr lang="en" sz="1200">
-                <a:solidFill>
-                  <a:srgbClr val="231B0E"/>
-                </a:solidFill>
-              </a:rPr>
-              <a:t>Our client strives for a fair return of investment for our stakeholders by practising good management ethics.</a:t>
-            </a:r>
-            <a:endParaRPr sz="1600"/>
+            <a:endParaRPr lang="en-US" sz="1600" dirty="0">
+              <a:solidFill>
+                <a:schemeClr val="dk1"/>
+              </a:solidFill>
+              <a:highlight>
+                <a:srgbClr val="FFFFFF"/>
+              </a:highlight>
+            </a:endParaRPr>
           </a:p>
           <a:p>
             <a:pPr marL="0" lvl="0" indent="0" algn="l" rtl="0">
               <a:spcBef>
-                <a:spcPts val="1600"/>
-              </a:spcBef>
-              <a:spcAft>
-                <a:spcPts val="1600"/>
+                <a:spcPts val="0"/>
+              </a:spcBef>
+              <a:spcAft>
+                <a:spcPts val="0"/>
               </a:spcAft>
               <a:buNone/>
             </a:pPr>
-            <a:endParaRPr sz="1200">
-              <a:solidFill>
-                <a:srgbClr val="231B0E"/>
-              </a:solidFill>
+            <a:endParaRPr lang="en-US" sz="1600" dirty="0">
+              <a:highlight>
+                <a:srgbClr val="FFFFFF"/>
+              </a:highlight>
             </a:endParaRPr>
           </a:p>
         </p:txBody>
@@ -16409,10 +18110,6 @@
               </a:spcAft>
               <a:buNone/>
             </a:pPr>
-            <a:r>
-              <a:rPr lang="en" sz="1300" dirty="0"/>
-              <a:t>Customers experiencing the cost of hotel in Canada to be relatively high, affecting their perception of value for money.</a:t>
-            </a:r>
             <a:endParaRPr sz="1300" dirty="0"/>
           </a:p>
         </p:txBody>
@@ -16600,10 +18297,6 @@
               </a:spcAft>
               <a:buNone/>
             </a:pPr>
-            <a:r>
-              <a:rPr lang="en" sz="1300" dirty="0"/>
-              <a:t>In popular tourist destinations or during peak travel seasons, customers might face difficulties in finding available rooms, they have limited choice. Booking platforms and hotel policies also add to the complexity, such as non-refundable bookings or hidden fees.</a:t>
-            </a:r>
             <a:endParaRPr sz="1300" dirty="0"/>
           </a:p>
         </p:txBody>
@@ -16791,11 +18484,7 @@
               </a:spcAft>
               <a:buNone/>
             </a:pPr>
-            <a:r>
-              <a:rPr lang="en" sz="1300"/>
-              <a:t>Customers increasingly expect seamless digital experiences, from booking to check-out. Hotels that fail to offer user-friendly online interfaces, efficient online customer service, or might lose potential travelers.</a:t>
-            </a:r>
-            <a:endParaRPr sz="1300"/>
+            <a:endParaRPr sz="1300" dirty="0"/>
           </a:p>
         </p:txBody>
       </p:sp>
@@ -16999,15 +18688,7 @@
               </a:spcAft>
               <a:buNone/>
             </a:pPr>
-            <a:r>
-              <a:rPr lang="en" sz="1500">
-                <a:solidFill>
-                  <a:schemeClr val="lt1"/>
-                </a:solidFill>
-              </a:rPr>
-              <a:t>High Price</a:t>
-            </a:r>
-            <a:endParaRPr sz="1500">
+            <a:endParaRPr sz="1500" dirty="0">
               <a:solidFill>
                 <a:schemeClr val="lt1"/>
               </a:solidFill>
@@ -17049,11 +18730,7 @@
               </a:spcAft>
               <a:buNone/>
             </a:pPr>
-            <a:r>
-              <a:rPr lang="en" sz="1300"/>
-              <a:t>Customers experiencing the cost of hotel in Canada to be relatively high, affecting their perception of value for money.</a:t>
-            </a:r>
-            <a:endParaRPr sz="1300"/>
+            <a:endParaRPr sz="1300" dirty="0"/>
           </a:p>
         </p:txBody>
       </p:sp>
@@ -17190,15 +18867,7 @@
               </a:spcAft>
               <a:buNone/>
             </a:pPr>
-            <a:r>
-              <a:rPr lang="en" sz="1500">
-                <a:solidFill>
-                  <a:schemeClr val="lt1"/>
-                </a:solidFill>
-              </a:rPr>
-              <a:t>Availability Challenges</a:t>
-            </a:r>
-            <a:endParaRPr sz="1500">
+            <a:endParaRPr sz="1500" dirty="0">
               <a:solidFill>
                 <a:schemeClr val="lt1"/>
               </a:solidFill>
@@ -17240,11 +18909,7 @@
               </a:spcAft>
               <a:buNone/>
             </a:pPr>
-            <a:r>
-              <a:rPr lang="en" sz="1300"/>
-              <a:t>In popular tourist destinations or during peak travel seasons, customers might face difficulties in finding available rooms, they have limited choice. Booking platforms and hotel policies also add to the complexity, such as non-refundable bookings or hidden fees.</a:t>
-            </a:r>
-            <a:endParaRPr sz="1300"/>
+            <a:endParaRPr sz="1300" dirty="0"/>
           </a:p>
         </p:txBody>
       </p:sp>
@@ -17381,15 +19046,7 @@
               </a:spcAft>
               <a:buNone/>
             </a:pPr>
-            <a:r>
-              <a:rPr lang="en" sz="1500">
-                <a:solidFill>
-                  <a:schemeClr val="lt1"/>
-                </a:solidFill>
-              </a:rPr>
-              <a:t>Technological Integration</a:t>
-            </a:r>
-            <a:endParaRPr sz="1500">
+            <a:endParaRPr sz="1500" dirty="0">
               <a:solidFill>
                 <a:schemeClr val="lt1"/>
               </a:solidFill>
@@ -17431,11 +19088,7 @@
               </a:spcAft>
               <a:buNone/>
             </a:pPr>
-            <a:r>
-              <a:rPr lang="en" sz="1300"/>
-              <a:t>Customers increasingly expect seamless digital experiences, from booking to check-out. Hotels that fail to offer user-friendly online interfaces, efficient online customer service, or might lose potential travelers.</a:t>
-            </a:r>
-            <a:endParaRPr sz="1300"/>
+            <a:endParaRPr sz="1300" dirty="0"/>
           </a:p>
         </p:txBody>
       </p:sp>
@@ -17564,14 +19217,6 @@
               </a:spcAft>
               <a:buNone/>
             </a:pPr>
-            <a:r>
-              <a:rPr lang="en" sz="1200" dirty="0">
-                <a:solidFill>
-                  <a:schemeClr val="dk1"/>
-                </a:solidFill>
-              </a:rPr>
-              <a:t>Canadian Hotel market experiencing rapid growth and evolution driven by advancements in technology and changing consumer preferences. As our brand strives to enhance guest experiences, streamline operations, and maximize efficiency, the need for a comprehensive and efficient hotel management system becomes crucial for the next expanding plan. Moreover, with the rise of online booking platforms and the increasing popularity of using mobile devices for travel planning, hotels must adapt by offering seamless online reservation systems and guest-facing mobile applications for various hotel services.</a:t>
-            </a:r>
             <a:endParaRPr sz="1200" dirty="0">
               <a:solidFill>
                 <a:schemeClr val="dk1"/>
@@ -17580,24 +19225,41 @@
           </a:p>
         </p:txBody>
       </p:sp>
-      <p:pic>
-        <p:nvPicPr>
-          <p:cNvPr id="134" name="Google Shape;134;p16"/>
-          <p:cNvPicPr preferRelativeResize="0"/>
+    </p:spTree>
+  </p:cSld>
+  <p:clrMapOvr>
+    <a:masterClrMapping/>
+  </p:clrMapOvr>
+</p:sld>
+</file>
+
+<file path=ppt/slides/slide6.xml><?xml version="1.0" encoding="utf-8"?>
+<p:sld xmlns:a="http://schemas.openxmlformats.org/drawingml/2006/main" xmlns:r="http://schemas.openxmlformats.org/officeDocument/2006/relationships" xmlns:p="http://schemas.openxmlformats.org/presentationml/2006/main">
+  <p:cSld>
+    <p:spTree>
+      <p:nvGrpSpPr>
+        <p:cNvPr id="1" name="Shape 131"/>
+        <p:cNvGrpSpPr/>
+        <p:nvPr/>
+      </p:nvGrpSpPr>
+      <p:grpSpPr>
+        <a:xfrm>
+          <a:off x="0" y="0"/>
+          <a:ext cx="0" cy="0"/>
+          <a:chOff x="0" y="0"/>
+          <a:chExt cx="0" cy="0"/>
+        </a:xfrm>
+      </p:grpSpPr>
+      <p:sp>
+        <p:nvSpPr>
+          <p:cNvPr id="132" name="Google Shape;132;p16"/>
+          <p:cNvSpPr txBox="1"/>
           <p:nvPr/>
-        </p:nvPicPr>
-        <p:blipFill>
-          <a:blip r:embed="rId3">
-            <a:alphaModFix/>
-          </a:blip>
-          <a:stretch>
-            <a:fillRect/>
-          </a:stretch>
-        </p:blipFill>
+        </p:nvSpPr>
         <p:spPr>
           <a:xfrm>
-            <a:off x="4572000" y="1143736"/>
-            <a:ext cx="4572000" cy="2522239"/>
+            <a:off x="331275" y="338900"/>
+            <a:ext cx="5413200" cy="554100"/>
           </a:xfrm>
           <a:prstGeom prst="rect">
             <a:avLst/>
@@ -17607,8 +19269,108 @@
             <a:noFill/>
           </a:ln>
         </p:spPr>
-      </p:pic>
+        <p:txBody>
+          <a:bodyPr spcFirstLastPara="1" wrap="square" lIns="91425" tIns="91425" rIns="91425" bIns="91425" anchor="t" anchorCtr="0">
+            <a:spAutoFit/>
+          </a:bodyPr>
+          <a:lstStyle/>
+          <a:p>
+            <a:pPr marL="0" lvl="0" indent="0" algn="l" rtl="0">
+              <a:spcBef>
+                <a:spcPts val="0"/>
+              </a:spcBef>
+              <a:spcAft>
+                <a:spcPts val="0"/>
+              </a:spcAft>
+              <a:buNone/>
+            </a:pPr>
+            <a:r>
+              <a:rPr lang="en" sz="2400" dirty="0">
+                <a:solidFill>
+                  <a:schemeClr val="dk1"/>
+                </a:solidFill>
+                <a:latin typeface="Roboto"/>
+                <a:ea typeface="Roboto"/>
+                <a:cs typeface="Roboto"/>
+                <a:sym typeface="Roboto"/>
+              </a:rPr>
+              <a:t>UI/UX Wireframes </a:t>
+            </a:r>
+            <a:r>
+              <a:rPr lang="en-US" altLang="zh-CN" sz="2400" dirty="0">
+                <a:solidFill>
+                  <a:schemeClr val="dk1"/>
+                </a:solidFill>
+                <a:latin typeface="Roboto"/>
+                <a:ea typeface="Roboto"/>
+                <a:cs typeface="Roboto"/>
+                <a:sym typeface="Roboto"/>
+              </a:rPr>
+              <a:t>(cont.)</a:t>
+            </a:r>
+            <a:endParaRPr sz="2400" dirty="0">
+              <a:solidFill>
+                <a:schemeClr val="dk1"/>
+              </a:solidFill>
+              <a:latin typeface="Roboto"/>
+              <a:ea typeface="Roboto"/>
+              <a:cs typeface="Roboto"/>
+              <a:sym typeface="Roboto"/>
+            </a:endParaRPr>
+          </a:p>
+        </p:txBody>
+      </p:sp>
+      <p:sp>
+        <p:nvSpPr>
+          <p:cNvPr id="133" name="Google Shape;133;p16"/>
+          <p:cNvSpPr txBox="1"/>
+          <p:nvPr/>
+        </p:nvSpPr>
+        <p:spPr>
+          <a:xfrm>
+            <a:off x="331275" y="893000"/>
+            <a:ext cx="3981000" cy="3380400"/>
+          </a:xfrm>
+          <a:prstGeom prst="rect">
+            <a:avLst/>
+          </a:prstGeom>
+          <a:noFill/>
+          <a:ln>
+            <a:noFill/>
+          </a:ln>
+        </p:spPr>
+        <p:txBody>
+          <a:bodyPr spcFirstLastPara="1" wrap="square" lIns="91425" tIns="91425" rIns="91425" bIns="91425" anchor="t" anchorCtr="0">
+            <a:noAutofit/>
+          </a:bodyPr>
+          <a:lstStyle/>
+          <a:p>
+            <a:pPr marL="0" lvl="0" indent="0" algn="just" rtl="0">
+              <a:lnSpc>
+                <a:spcPct val="150000"/>
+              </a:lnSpc>
+              <a:spcBef>
+                <a:spcPts val="1500"/>
+              </a:spcBef>
+              <a:spcAft>
+                <a:spcPts val="1500"/>
+              </a:spcAft>
+              <a:buNone/>
+            </a:pPr>
+            <a:endParaRPr sz="1200" dirty="0">
+              <a:solidFill>
+                <a:schemeClr val="dk1"/>
+              </a:solidFill>
+            </a:endParaRPr>
+          </a:p>
+        </p:txBody>
+      </p:sp>
     </p:spTree>
+    <p:extLst>
+      <p:ext uri="{BB962C8B-B14F-4D97-AF65-F5344CB8AC3E}">
+        <p14:creationId xmlns:p14="http://schemas.microsoft.com/office/powerpoint/2010/main" val="1116968912"/>
+      </p:ext>
+    </p:extLst>
   </p:cSld>
   <p:clrMapOvr>
     <a:masterClrMapping/>
@@ -17616,7 +19378,7 @@
 </p:sld>
 </file>
 
-<file path=ppt/slides/slide6.xml><?xml version="1.0" encoding="utf-8"?>
+<file path=ppt/slides/slide7.xml><?xml version="1.0" encoding="utf-8"?>
 <p:sld xmlns:a="http://schemas.openxmlformats.org/drawingml/2006/main" xmlns:r="http://schemas.openxmlformats.org/officeDocument/2006/relationships" xmlns:p="http://schemas.openxmlformats.org/presentationml/2006/main">
   <p:cSld>
     <p:spTree>
@@ -17818,7 +19580,7 @@
 </p:sld>
 </file>
 
-<file path=ppt/slides/slide7.xml><?xml version="1.0" encoding="utf-8"?>
+<file path=ppt/slides/slide8.xml><?xml version="1.0" encoding="utf-8"?>
 <p:sld xmlns:a="http://schemas.openxmlformats.org/drawingml/2006/main" xmlns:r="http://schemas.openxmlformats.org/officeDocument/2006/relationships" xmlns:p="http://schemas.openxmlformats.org/presentationml/2006/main">
   <p:cSld>
     <p:spTree>
@@ -17920,7 +19682,7 @@
 </p:sld>
 </file>
 
-<file path=ppt/slides/slide8.xml><?xml version="1.0" encoding="utf-8"?>
+<file path=ppt/slides/slide9.xml><?xml version="1.0" encoding="utf-8"?>
 <p:sld xmlns:a="http://schemas.openxmlformats.org/drawingml/2006/main" xmlns:r="http://schemas.openxmlformats.org/officeDocument/2006/relationships" xmlns:p="http://schemas.openxmlformats.org/presentationml/2006/main">
   <p:cSld>
     <p:spTree>
@@ -18015,1932 +19777,6 @@
         <p14:creationId xmlns:p14="http://schemas.microsoft.com/office/powerpoint/2010/main" val="1729753955"/>
       </p:ext>
     </p:extLst>
-  </p:cSld>
-  <p:clrMapOvr>
-    <a:masterClrMapping/>
-  </p:clrMapOvr>
-</p:sld>
-</file>
-
-<file path=ppt/slides/slide9.xml><?xml version="1.0" encoding="utf-8"?>
-<p:sld xmlns:a="http://schemas.openxmlformats.org/drawingml/2006/main" xmlns:r="http://schemas.openxmlformats.org/officeDocument/2006/relationships" xmlns:p="http://schemas.openxmlformats.org/presentationml/2006/main">
-  <p:cSld>
-    <p:spTree>
-      <p:nvGrpSpPr>
-        <p:cNvPr id="1" name="Shape 165"/>
-        <p:cNvGrpSpPr/>
-        <p:nvPr/>
-      </p:nvGrpSpPr>
-      <p:grpSpPr>
-        <a:xfrm>
-          <a:off x="0" y="0"/>
-          <a:ext cx="0" cy="0"/>
-          <a:chOff x="0" y="0"/>
-          <a:chExt cx="0" cy="0"/>
-        </a:xfrm>
-      </p:grpSpPr>
-      <p:sp>
-        <p:nvSpPr>
-          <p:cNvPr id="166" name="Google Shape;166;p20"/>
-          <p:cNvSpPr txBox="1">
-            <a:spLocks noGrp="1"/>
-          </p:cNvSpPr>
-          <p:nvPr>
-            <p:ph type="title"/>
-          </p:nvPr>
-        </p:nvSpPr>
-        <p:spPr>
-          <a:xfrm>
-            <a:off x="240150" y="80350"/>
-            <a:ext cx="8520600" cy="607800"/>
-          </a:xfrm>
-          <a:prstGeom prst="rect">
-            <a:avLst/>
-          </a:prstGeom>
-        </p:spPr>
-        <p:txBody>
-          <a:bodyPr spcFirstLastPara="1" wrap="square" lIns="91425" tIns="91425" rIns="91425" bIns="91425" anchor="t" anchorCtr="0">
-            <a:noAutofit/>
-          </a:bodyPr>
-          <a:lstStyle/>
-          <a:p>
-            <a:pPr marL="0" lvl="0" indent="0" algn="l" rtl="0">
-              <a:spcBef>
-                <a:spcPts val="0"/>
-              </a:spcBef>
-              <a:spcAft>
-                <a:spcPts val="0"/>
-              </a:spcAft>
-              <a:buNone/>
-            </a:pPr>
-            <a:r>
-              <a:rPr lang="en" dirty="0"/>
-              <a:t>Data Analysis Strategy</a:t>
-            </a:r>
-            <a:endParaRPr dirty="0"/>
-          </a:p>
-        </p:txBody>
-      </p:sp>
-      <p:sp>
-        <p:nvSpPr>
-          <p:cNvPr id="167" name="Google Shape;167;p20"/>
-          <p:cNvSpPr/>
-          <p:nvPr/>
-        </p:nvSpPr>
-        <p:spPr>
-          <a:xfrm>
-            <a:off x="2428350" y="940050"/>
-            <a:ext cx="2023800" cy="461100"/>
-          </a:xfrm>
-          <a:prstGeom prst="homePlate">
-            <a:avLst>
-              <a:gd name="adj" fmla="val 50000"/>
-            </a:avLst>
-          </a:prstGeom>
-          <a:solidFill>
-            <a:schemeClr val="dk1"/>
-          </a:solidFill>
-          <a:ln>
-            <a:noFill/>
-          </a:ln>
-        </p:spPr>
-        <p:txBody>
-          <a:bodyPr spcFirstLastPara="1" wrap="square" lIns="121875" tIns="121875" rIns="121875" bIns="121875" anchor="ctr" anchorCtr="0">
-            <a:noAutofit/>
-          </a:bodyPr>
-          <a:lstStyle/>
-          <a:p>
-            <a:pPr marL="0" lvl="0" indent="0" algn="l" rtl="0">
-              <a:spcBef>
-                <a:spcPts val="0"/>
-              </a:spcBef>
-              <a:spcAft>
-                <a:spcPts val="0"/>
-              </a:spcAft>
-              <a:buNone/>
-            </a:pPr>
-            <a:endParaRPr/>
-          </a:p>
-        </p:txBody>
-      </p:sp>
-      <p:sp>
-        <p:nvSpPr>
-          <p:cNvPr id="168" name="Google Shape;168;p20"/>
-          <p:cNvSpPr txBox="1">
-            <a:spLocks noGrp="1"/>
-          </p:cNvSpPr>
-          <p:nvPr>
-            <p:ph type="body" idx="4294967295"/>
-          </p:nvPr>
-        </p:nvSpPr>
-        <p:spPr>
-          <a:xfrm>
-            <a:off x="2422163" y="1055721"/>
-            <a:ext cx="1849800" cy="238500"/>
-          </a:xfrm>
-          <a:prstGeom prst="rect">
-            <a:avLst/>
-          </a:prstGeom>
-        </p:spPr>
-        <p:txBody>
-          <a:bodyPr spcFirstLastPara="1" wrap="square" lIns="91425" tIns="91425" rIns="91425" bIns="91425" anchor="ctr" anchorCtr="0">
-            <a:noAutofit/>
-          </a:bodyPr>
-          <a:lstStyle/>
-          <a:p>
-            <a:pPr marL="0" lvl="0" indent="0" algn="l" rtl="0">
-              <a:lnSpc>
-                <a:spcPct val="100000"/>
-              </a:lnSpc>
-              <a:spcBef>
-                <a:spcPts val="0"/>
-              </a:spcBef>
-              <a:spcAft>
-                <a:spcPts val="0"/>
-              </a:spcAft>
-              <a:buNone/>
-            </a:pPr>
-            <a:r>
-              <a:rPr lang="en" sz="1400" dirty="0">
-                <a:solidFill>
-                  <a:schemeClr val="lt1"/>
-                </a:solidFill>
-              </a:rPr>
-              <a:t>Weight Calculation</a:t>
-            </a:r>
-            <a:endParaRPr sz="1400" dirty="0">
-              <a:solidFill>
-                <a:schemeClr val="lt1"/>
-              </a:solidFill>
-            </a:endParaRPr>
-          </a:p>
-        </p:txBody>
-      </p:sp>
-      <p:sp>
-        <p:nvSpPr>
-          <p:cNvPr id="169" name="Google Shape;169;p20"/>
-          <p:cNvSpPr txBox="1">
-            <a:spLocks noGrp="1"/>
-          </p:cNvSpPr>
-          <p:nvPr>
-            <p:ph type="body" idx="4294967295"/>
-          </p:nvPr>
-        </p:nvSpPr>
-        <p:spPr>
-          <a:xfrm>
-            <a:off x="240149" y="1451775"/>
-            <a:ext cx="2188201" cy="3202399"/>
-          </a:xfrm>
-          <a:prstGeom prst="rect">
-            <a:avLst/>
-          </a:prstGeom>
-        </p:spPr>
-        <p:txBody>
-          <a:bodyPr spcFirstLastPara="1" wrap="square" lIns="91425" tIns="91425" rIns="91425" bIns="91425" anchor="t" anchorCtr="0">
-            <a:noAutofit/>
-          </a:bodyPr>
-          <a:lstStyle/>
-          <a:p>
-            <a:pPr marL="342900" lvl="0" rtl="0">
-              <a:spcBef>
-                <a:spcPts val="0"/>
-              </a:spcBef>
-              <a:spcAft>
-                <a:spcPts val="0"/>
-              </a:spcAft>
-              <a:buAutoNum type="arabicPeriod"/>
-            </a:pPr>
-            <a:r>
-              <a:rPr lang="en-US" sz="1300" dirty="0"/>
-              <a:t>Load Data from database</a:t>
-            </a:r>
-          </a:p>
-          <a:p>
-            <a:pPr marL="342900" lvl="0" rtl="0">
-              <a:spcBef>
-                <a:spcPts val="0"/>
-              </a:spcBef>
-              <a:spcAft>
-                <a:spcPts val="0"/>
-              </a:spcAft>
-              <a:buAutoNum type="arabicPeriod"/>
-            </a:pPr>
-            <a:r>
-              <a:rPr lang="en-US" sz="1300" dirty="0"/>
-              <a:t>Data Cleaning</a:t>
-            </a:r>
-          </a:p>
-          <a:p>
-            <a:pPr marL="342900" lvl="0" rtl="0">
-              <a:spcBef>
-                <a:spcPts val="0"/>
-              </a:spcBef>
-              <a:spcAft>
-                <a:spcPts val="0"/>
-              </a:spcAft>
-              <a:buAutoNum type="arabicPeriod"/>
-            </a:pPr>
-            <a:r>
-              <a:rPr lang="en-US" sz="1300" dirty="0"/>
-              <a:t>Data Normalization</a:t>
-            </a:r>
-          </a:p>
-          <a:p>
-            <a:pPr marL="342900" lvl="0" rtl="0">
-              <a:spcBef>
-                <a:spcPts val="0"/>
-              </a:spcBef>
-              <a:spcAft>
-                <a:spcPts val="0"/>
-              </a:spcAft>
-              <a:buAutoNum type="arabicPeriod"/>
-            </a:pPr>
-            <a:r>
-              <a:rPr lang="en-US" sz="1300" dirty="0"/>
-              <a:t>Encode Categorical Data</a:t>
-            </a:r>
-          </a:p>
-          <a:p>
-            <a:pPr marL="0" lvl="0" indent="0" rtl="0">
-              <a:spcBef>
-                <a:spcPts val="0"/>
-              </a:spcBef>
-              <a:spcAft>
-                <a:spcPts val="0"/>
-              </a:spcAft>
-              <a:buNone/>
-            </a:pPr>
-            <a:endParaRPr lang="en-US" sz="1300" b="1" dirty="0"/>
-          </a:p>
-          <a:p>
-            <a:pPr marL="0" lvl="0" indent="0" rtl="0">
-              <a:spcBef>
-                <a:spcPts val="0"/>
-              </a:spcBef>
-              <a:spcAft>
-                <a:spcPts val="0"/>
-              </a:spcAft>
-              <a:buNone/>
-            </a:pPr>
-            <a:r>
-              <a:rPr lang="en-US" sz="1300" b="1" dirty="0"/>
-              <a:t>Package used:</a:t>
-            </a:r>
-          </a:p>
-          <a:p>
-            <a:pPr marL="285750" lvl="0" indent="-285750" rtl="0">
-              <a:spcBef>
-                <a:spcPts val="0"/>
-              </a:spcBef>
-              <a:spcAft>
-                <a:spcPts val="0"/>
-              </a:spcAft>
-              <a:buFont typeface="Arial" panose="020B0604020202020204" pitchFamily="34" charset="0"/>
-              <a:buChar char="•"/>
-            </a:pPr>
-            <a:r>
-              <a:rPr lang="en-US" sz="1300" i="1" dirty="0"/>
-              <a:t>pandas</a:t>
-            </a:r>
-          </a:p>
-          <a:p>
-            <a:pPr marL="285750" lvl="0" indent="-285750" rtl="0">
-              <a:spcBef>
-                <a:spcPts val="0"/>
-              </a:spcBef>
-              <a:spcAft>
-                <a:spcPts val="0"/>
-              </a:spcAft>
-              <a:buFont typeface="Arial" panose="020B0604020202020204" pitchFamily="34" charset="0"/>
-              <a:buChar char="•"/>
-            </a:pPr>
-            <a:r>
-              <a:rPr lang="en-US" sz="1300" i="1" dirty="0"/>
-              <a:t>numpy</a:t>
-            </a:r>
-          </a:p>
-          <a:p>
-            <a:pPr marL="285750" lvl="0" indent="-285750" rtl="0">
-              <a:spcBef>
-                <a:spcPts val="0"/>
-              </a:spcBef>
-              <a:spcAft>
-                <a:spcPts val="0"/>
-              </a:spcAft>
-              <a:buFont typeface="Arial" panose="020B0604020202020204" pitchFamily="34" charset="0"/>
-              <a:buChar char="•"/>
-            </a:pPr>
-            <a:r>
-              <a:rPr lang="en-US" sz="1300" i="1" dirty="0" err="1"/>
-              <a:t>scipy.stats</a:t>
-            </a:r>
-            <a:endParaRPr lang="en-US" sz="1300" i="1" dirty="0"/>
-          </a:p>
-          <a:p>
-            <a:pPr marL="285750" lvl="0" indent="-285750" rtl="0">
-              <a:spcBef>
-                <a:spcPts val="0"/>
-              </a:spcBef>
-              <a:spcAft>
-                <a:spcPts val="0"/>
-              </a:spcAft>
-              <a:buFont typeface="Arial" panose="020B0604020202020204" pitchFamily="34" charset="0"/>
-              <a:buChar char="•"/>
-            </a:pPr>
-            <a:r>
-              <a:rPr lang="en-US" sz="1300" i="1" dirty="0" err="1"/>
-              <a:t>sklearn.preprocessing</a:t>
-            </a:r>
-            <a:endParaRPr lang="en-US" sz="1300" i="1" dirty="0"/>
-          </a:p>
-          <a:p>
-            <a:pPr marL="0" lvl="0" indent="0" rtl="0">
-              <a:spcBef>
-                <a:spcPts val="800"/>
-              </a:spcBef>
-              <a:spcAft>
-                <a:spcPts val="800"/>
-              </a:spcAft>
-              <a:buNone/>
-            </a:pPr>
-            <a:endParaRPr sz="1300" dirty="0"/>
-          </a:p>
-        </p:txBody>
-      </p:sp>
-      <p:sp>
-        <p:nvSpPr>
-          <p:cNvPr id="170" name="Google Shape;170;p20"/>
-          <p:cNvSpPr txBox="1">
-            <a:spLocks noGrp="1"/>
-          </p:cNvSpPr>
-          <p:nvPr>
-            <p:ph type="body" idx="4294967295"/>
-          </p:nvPr>
-        </p:nvSpPr>
-        <p:spPr>
-          <a:xfrm>
-            <a:off x="4334775" y="1137376"/>
-            <a:ext cx="2257200" cy="314400"/>
-          </a:xfrm>
-          <a:prstGeom prst="rect">
-            <a:avLst/>
-          </a:prstGeom>
-        </p:spPr>
-        <p:txBody>
-          <a:bodyPr spcFirstLastPara="1" wrap="square" lIns="91425" tIns="91425" rIns="91425" bIns="91425" anchor="ctr" anchorCtr="0">
-            <a:noAutofit/>
-          </a:bodyPr>
-          <a:lstStyle/>
-          <a:p>
-            <a:pPr marL="0" lvl="0" indent="0" algn="l" rtl="0">
-              <a:lnSpc>
-                <a:spcPct val="100000"/>
-              </a:lnSpc>
-              <a:spcBef>
-                <a:spcPts val="0"/>
-              </a:spcBef>
-              <a:spcAft>
-                <a:spcPts val="0"/>
-              </a:spcAft>
-              <a:buNone/>
-            </a:pPr>
-            <a:r>
-              <a:rPr lang="en">
-                <a:solidFill>
-                  <a:schemeClr val="lt1"/>
-                </a:solidFill>
-              </a:rPr>
-              <a:t>Phase 2</a:t>
-            </a:r>
-            <a:endParaRPr>
-              <a:solidFill>
-                <a:schemeClr val="lt1"/>
-              </a:solidFill>
-            </a:endParaRPr>
-          </a:p>
-        </p:txBody>
-      </p:sp>
-      <p:sp>
-        <p:nvSpPr>
-          <p:cNvPr id="171" name="Google Shape;171;p20"/>
-          <p:cNvSpPr/>
-          <p:nvPr/>
-        </p:nvSpPr>
-        <p:spPr>
-          <a:xfrm>
-            <a:off x="240150" y="940062"/>
-            <a:ext cx="2023800" cy="461100"/>
-          </a:xfrm>
-          <a:prstGeom prst="homePlate">
-            <a:avLst>
-              <a:gd name="adj" fmla="val 50000"/>
-            </a:avLst>
-          </a:prstGeom>
-          <a:solidFill>
-            <a:schemeClr val="dk1"/>
-          </a:solidFill>
-          <a:ln>
-            <a:noFill/>
-          </a:ln>
-        </p:spPr>
-        <p:txBody>
-          <a:bodyPr spcFirstLastPara="1" wrap="square" lIns="121875" tIns="121875" rIns="121875" bIns="121875" anchor="ctr" anchorCtr="0">
-            <a:noAutofit/>
-          </a:bodyPr>
-          <a:lstStyle/>
-          <a:p>
-            <a:pPr marL="0" lvl="0" indent="0" algn="l" rtl="0">
-              <a:spcBef>
-                <a:spcPts val="0"/>
-              </a:spcBef>
-              <a:spcAft>
-                <a:spcPts val="0"/>
-              </a:spcAft>
-              <a:buNone/>
-            </a:pPr>
-            <a:endParaRPr/>
-          </a:p>
-        </p:txBody>
-      </p:sp>
-      <p:sp>
-        <p:nvSpPr>
-          <p:cNvPr id="172" name="Google Shape;172;p20"/>
-          <p:cNvSpPr txBox="1">
-            <a:spLocks noGrp="1"/>
-          </p:cNvSpPr>
-          <p:nvPr>
-            <p:ph type="body" idx="4294967295"/>
-          </p:nvPr>
-        </p:nvSpPr>
-        <p:spPr>
-          <a:xfrm>
-            <a:off x="240150" y="1053992"/>
-            <a:ext cx="2540400" cy="215700"/>
-          </a:xfrm>
-          <a:prstGeom prst="rect">
-            <a:avLst/>
-          </a:prstGeom>
-        </p:spPr>
-        <p:txBody>
-          <a:bodyPr spcFirstLastPara="1" wrap="square" lIns="91425" tIns="91425" rIns="91425" bIns="91425" anchor="ctr" anchorCtr="0">
-            <a:noAutofit/>
-          </a:bodyPr>
-          <a:lstStyle/>
-          <a:p>
-            <a:pPr marL="0" lvl="0" indent="0" algn="l" rtl="0">
-              <a:lnSpc>
-                <a:spcPct val="100000"/>
-              </a:lnSpc>
-              <a:spcBef>
-                <a:spcPts val="0"/>
-              </a:spcBef>
-              <a:spcAft>
-                <a:spcPts val="0"/>
-              </a:spcAft>
-              <a:buNone/>
-            </a:pPr>
-            <a:r>
-              <a:rPr lang="en" sz="1400" dirty="0">
-                <a:solidFill>
-                  <a:schemeClr val="lt1"/>
-                </a:solidFill>
-              </a:rPr>
-              <a:t>Collect &amp; Preprocess</a:t>
-            </a:r>
-            <a:endParaRPr sz="1400" dirty="0">
-              <a:solidFill>
-                <a:schemeClr val="lt1"/>
-              </a:solidFill>
-            </a:endParaRPr>
-          </a:p>
-        </p:txBody>
-      </p:sp>
-      <p:sp>
-        <p:nvSpPr>
-          <p:cNvPr id="174" name="Google Shape;174;p20"/>
-          <p:cNvSpPr/>
-          <p:nvPr/>
-        </p:nvSpPr>
-        <p:spPr>
-          <a:xfrm>
-            <a:off x="4616550" y="940050"/>
-            <a:ext cx="2023800" cy="461100"/>
-          </a:xfrm>
-          <a:prstGeom prst="homePlate">
-            <a:avLst>
-              <a:gd name="adj" fmla="val 50000"/>
-            </a:avLst>
-          </a:prstGeom>
-          <a:solidFill>
-            <a:schemeClr val="dk1"/>
-          </a:solidFill>
-          <a:ln>
-            <a:noFill/>
-          </a:ln>
-        </p:spPr>
-        <p:txBody>
-          <a:bodyPr spcFirstLastPara="1" wrap="square" lIns="121875" tIns="121875" rIns="121875" bIns="121875" anchor="ctr" anchorCtr="0">
-            <a:noAutofit/>
-          </a:bodyPr>
-          <a:lstStyle/>
-          <a:p>
-            <a:pPr marL="0" lvl="0" indent="0" algn="l" rtl="0">
-              <a:spcBef>
-                <a:spcPts val="0"/>
-              </a:spcBef>
-              <a:spcAft>
-                <a:spcPts val="0"/>
-              </a:spcAft>
-              <a:buNone/>
-            </a:pPr>
-            <a:endParaRPr/>
-          </a:p>
-        </p:txBody>
-      </p:sp>
-      <p:sp>
-        <p:nvSpPr>
-          <p:cNvPr id="175" name="Google Shape;175;p20"/>
-          <p:cNvSpPr txBox="1">
-            <a:spLocks noGrp="1"/>
-          </p:cNvSpPr>
-          <p:nvPr>
-            <p:ph type="body" idx="4294967295"/>
-          </p:nvPr>
-        </p:nvSpPr>
-        <p:spPr>
-          <a:xfrm>
-            <a:off x="4616550" y="1031192"/>
-            <a:ext cx="1849800" cy="238500"/>
-          </a:xfrm>
-          <a:prstGeom prst="rect">
-            <a:avLst/>
-          </a:prstGeom>
-        </p:spPr>
-        <p:txBody>
-          <a:bodyPr spcFirstLastPara="1" wrap="square" lIns="91425" tIns="91425" rIns="91425" bIns="91425" anchor="ctr" anchorCtr="0">
-            <a:noAutofit/>
-          </a:bodyPr>
-          <a:lstStyle/>
-          <a:p>
-            <a:pPr marL="0" lvl="0" indent="0" algn="l" rtl="0">
-              <a:lnSpc>
-                <a:spcPct val="100000"/>
-              </a:lnSpc>
-              <a:spcBef>
-                <a:spcPts val="0"/>
-              </a:spcBef>
-              <a:spcAft>
-                <a:spcPts val="0"/>
-              </a:spcAft>
-              <a:buNone/>
-            </a:pPr>
-            <a:r>
-              <a:rPr lang="en" sz="1400" dirty="0">
-                <a:solidFill>
-                  <a:schemeClr val="lt1"/>
-                </a:solidFill>
-              </a:rPr>
-              <a:t>Machine Learning</a:t>
-            </a:r>
-            <a:endParaRPr sz="1400" dirty="0">
-              <a:solidFill>
-                <a:schemeClr val="lt1"/>
-              </a:solidFill>
-            </a:endParaRPr>
-          </a:p>
-        </p:txBody>
-      </p:sp>
-      <p:sp>
-        <p:nvSpPr>
-          <p:cNvPr id="176" name="Google Shape;176;p20"/>
-          <p:cNvSpPr/>
-          <p:nvPr/>
-        </p:nvSpPr>
-        <p:spPr>
-          <a:xfrm>
-            <a:off x="6804750" y="940050"/>
-            <a:ext cx="2023800" cy="461100"/>
-          </a:xfrm>
-          <a:prstGeom prst="homePlate">
-            <a:avLst>
-              <a:gd name="adj" fmla="val 50000"/>
-            </a:avLst>
-          </a:prstGeom>
-          <a:solidFill>
-            <a:schemeClr val="dk1"/>
-          </a:solidFill>
-          <a:ln>
-            <a:noFill/>
-          </a:ln>
-        </p:spPr>
-        <p:txBody>
-          <a:bodyPr spcFirstLastPara="1" wrap="square" lIns="121875" tIns="121875" rIns="121875" bIns="121875" anchor="ctr" anchorCtr="0">
-            <a:noAutofit/>
-          </a:bodyPr>
-          <a:lstStyle/>
-          <a:p>
-            <a:pPr marL="0" lvl="0" indent="0" algn="l" rtl="0">
-              <a:spcBef>
-                <a:spcPts val="0"/>
-              </a:spcBef>
-              <a:spcAft>
-                <a:spcPts val="0"/>
-              </a:spcAft>
-              <a:buNone/>
-            </a:pPr>
-            <a:endParaRPr/>
-          </a:p>
-        </p:txBody>
-      </p:sp>
-      <p:sp>
-        <p:nvSpPr>
-          <p:cNvPr id="177" name="Google Shape;177;p20"/>
-          <p:cNvSpPr txBox="1">
-            <a:spLocks noGrp="1"/>
-          </p:cNvSpPr>
-          <p:nvPr>
-            <p:ph type="body" idx="4294967295"/>
-          </p:nvPr>
-        </p:nvSpPr>
-        <p:spPr>
-          <a:xfrm>
-            <a:off x="6745200" y="1051350"/>
-            <a:ext cx="2015550" cy="238500"/>
-          </a:xfrm>
-          <a:prstGeom prst="rect">
-            <a:avLst/>
-          </a:prstGeom>
-        </p:spPr>
-        <p:txBody>
-          <a:bodyPr spcFirstLastPara="1" wrap="square" lIns="91425" tIns="91425" rIns="91425" bIns="91425" anchor="ctr" anchorCtr="0">
-            <a:noAutofit/>
-          </a:bodyPr>
-          <a:lstStyle/>
-          <a:p>
-            <a:pPr marL="0" lvl="0" indent="0" algn="l" rtl="0">
-              <a:lnSpc>
-                <a:spcPct val="100000"/>
-              </a:lnSpc>
-              <a:spcBef>
-                <a:spcPts val="0"/>
-              </a:spcBef>
-              <a:spcAft>
-                <a:spcPts val="0"/>
-              </a:spcAft>
-              <a:buNone/>
-            </a:pPr>
-            <a:r>
-              <a:rPr lang="en-US" sz="1400" dirty="0">
-                <a:solidFill>
-                  <a:schemeClr val="lt1"/>
-                </a:solidFill>
-              </a:rPr>
-              <a:t>Family and Community Level Adjustment</a:t>
-            </a:r>
-            <a:endParaRPr sz="1400" dirty="0">
-              <a:solidFill>
-                <a:schemeClr val="lt1"/>
-              </a:solidFill>
-            </a:endParaRPr>
-          </a:p>
-        </p:txBody>
-      </p:sp>
-      <p:sp>
-        <p:nvSpPr>
-          <p:cNvPr id="180" name="Google Shape;180;p20"/>
-          <p:cNvSpPr txBox="1"/>
-          <p:nvPr/>
-        </p:nvSpPr>
-        <p:spPr>
-          <a:xfrm>
-            <a:off x="397575" y="4654175"/>
-            <a:ext cx="4580100" cy="461700"/>
-          </a:xfrm>
-          <a:prstGeom prst="rect">
-            <a:avLst/>
-          </a:prstGeom>
-          <a:noFill/>
-          <a:ln>
-            <a:noFill/>
-          </a:ln>
-        </p:spPr>
-        <p:txBody>
-          <a:bodyPr spcFirstLastPara="1" wrap="square" lIns="91425" tIns="91425" rIns="91425" bIns="91425" anchor="t" anchorCtr="0">
-            <a:spAutoFit/>
-          </a:bodyPr>
-          <a:lstStyle/>
-          <a:p>
-            <a:pPr marL="0" lvl="0" indent="0" algn="l" rtl="0">
-              <a:spcBef>
-                <a:spcPts val="0"/>
-              </a:spcBef>
-              <a:spcAft>
-                <a:spcPts val="0"/>
-              </a:spcAft>
-              <a:buNone/>
-            </a:pPr>
-            <a:endParaRPr sz="1800">
-              <a:solidFill>
-                <a:schemeClr val="dk2"/>
-              </a:solidFill>
-              <a:latin typeface="Roboto"/>
-              <a:ea typeface="Roboto"/>
-              <a:cs typeface="Roboto"/>
-              <a:sym typeface="Roboto"/>
-            </a:endParaRPr>
-          </a:p>
-        </p:txBody>
-      </p:sp>
-      <p:sp>
-        <p:nvSpPr>
-          <p:cNvPr id="3" name="Google Shape;169;p20">
-            <a:extLst>
-              <a:ext uri="{FF2B5EF4-FFF2-40B4-BE49-F238E27FC236}">
-                <a16:creationId xmlns:a16="http://schemas.microsoft.com/office/drawing/2014/main" id="{4670748E-F6F3-C107-4FF3-BF82029DA231}"/>
-              </a:ext>
-            </a:extLst>
-          </p:cNvPr>
-          <p:cNvSpPr txBox="1">
-            <a:spLocks/>
-          </p:cNvSpPr>
-          <p:nvPr/>
-        </p:nvSpPr>
-        <p:spPr>
-          <a:xfrm>
-            <a:off x="2421374" y="1479927"/>
-            <a:ext cx="2195176" cy="3202399"/>
-          </a:xfrm>
-          <a:prstGeom prst="rect">
-            <a:avLst/>
-          </a:prstGeom>
-          <a:noFill/>
-          <a:ln>
-            <a:noFill/>
-          </a:ln>
-        </p:spPr>
-        <p:txBody>
-          <a:bodyPr spcFirstLastPara="1" wrap="square" lIns="91425" tIns="91425" rIns="91425" bIns="91425" anchor="t" anchorCtr="0">
-            <a:noAutofit/>
-          </a:bodyPr>
-          <a:lstStyle>
-            <a:defPPr marR="0" lvl="0" algn="l" rtl="0">
-              <a:lnSpc>
-                <a:spcPct val="100000"/>
-              </a:lnSpc>
-              <a:spcBef>
-                <a:spcPts val="0"/>
-              </a:spcBef>
-              <a:spcAft>
-                <a:spcPts val="0"/>
-              </a:spcAft>
-            </a:defPPr>
-            <a:lvl1pPr marL="457200" marR="0" lvl="0" indent="-342900" algn="l" rtl="0">
-              <a:lnSpc>
-                <a:spcPct val="115000"/>
-              </a:lnSpc>
-              <a:spcBef>
-                <a:spcPts val="0"/>
-              </a:spcBef>
-              <a:spcAft>
-                <a:spcPts val="0"/>
-              </a:spcAft>
-              <a:buClr>
-                <a:schemeClr val="dk2"/>
-              </a:buClr>
-              <a:buSzPts val="1800"/>
-              <a:buFont typeface="Roboto"/>
-              <a:buChar char="●"/>
-              <a:defRPr sz="1800" b="0" i="0" u="none" strike="noStrike" cap="none">
-                <a:solidFill>
-                  <a:schemeClr val="dk2"/>
-                </a:solidFill>
-                <a:latin typeface="Roboto"/>
-                <a:ea typeface="Roboto"/>
-                <a:cs typeface="Roboto"/>
-                <a:sym typeface="Roboto"/>
-              </a:defRPr>
-            </a:lvl1pPr>
-            <a:lvl2pPr marL="914400" marR="0" lvl="1" indent="-317500" algn="l" rtl="0">
-              <a:lnSpc>
-                <a:spcPct val="115000"/>
-              </a:lnSpc>
-              <a:spcBef>
-                <a:spcPts val="1600"/>
-              </a:spcBef>
-              <a:spcAft>
-                <a:spcPts val="0"/>
-              </a:spcAft>
-              <a:buClr>
-                <a:schemeClr val="dk2"/>
-              </a:buClr>
-              <a:buSzPts val="1400"/>
-              <a:buFont typeface="Roboto"/>
-              <a:buChar char="○"/>
-              <a:defRPr sz="1400" b="0" i="0" u="none" strike="noStrike" cap="none">
-                <a:solidFill>
-                  <a:schemeClr val="dk2"/>
-                </a:solidFill>
-                <a:latin typeface="Roboto"/>
-                <a:ea typeface="Roboto"/>
-                <a:cs typeface="Roboto"/>
-                <a:sym typeface="Roboto"/>
-              </a:defRPr>
-            </a:lvl2pPr>
-            <a:lvl3pPr marL="1371600" marR="0" lvl="2" indent="-317500" algn="l" rtl="0">
-              <a:lnSpc>
-                <a:spcPct val="115000"/>
-              </a:lnSpc>
-              <a:spcBef>
-                <a:spcPts val="1600"/>
-              </a:spcBef>
-              <a:spcAft>
-                <a:spcPts val="0"/>
-              </a:spcAft>
-              <a:buClr>
-                <a:schemeClr val="dk2"/>
-              </a:buClr>
-              <a:buSzPts val="1400"/>
-              <a:buFont typeface="Roboto"/>
-              <a:buChar char="■"/>
-              <a:defRPr sz="1400" b="0" i="0" u="none" strike="noStrike" cap="none">
-                <a:solidFill>
-                  <a:schemeClr val="dk2"/>
-                </a:solidFill>
-                <a:latin typeface="Roboto"/>
-                <a:ea typeface="Roboto"/>
-                <a:cs typeface="Roboto"/>
-                <a:sym typeface="Roboto"/>
-              </a:defRPr>
-            </a:lvl3pPr>
-            <a:lvl4pPr marL="1828800" marR="0" lvl="3" indent="-317500" algn="l" rtl="0">
-              <a:lnSpc>
-                <a:spcPct val="115000"/>
-              </a:lnSpc>
-              <a:spcBef>
-                <a:spcPts val="1600"/>
-              </a:spcBef>
-              <a:spcAft>
-                <a:spcPts val="0"/>
-              </a:spcAft>
-              <a:buClr>
-                <a:schemeClr val="dk2"/>
-              </a:buClr>
-              <a:buSzPts val="1400"/>
-              <a:buFont typeface="Roboto"/>
-              <a:buChar char="●"/>
-              <a:defRPr sz="1400" b="0" i="0" u="none" strike="noStrike" cap="none">
-                <a:solidFill>
-                  <a:schemeClr val="dk2"/>
-                </a:solidFill>
-                <a:latin typeface="Roboto"/>
-                <a:ea typeface="Roboto"/>
-                <a:cs typeface="Roboto"/>
-                <a:sym typeface="Roboto"/>
-              </a:defRPr>
-            </a:lvl4pPr>
-            <a:lvl5pPr marL="2286000" marR="0" lvl="4" indent="-317500" algn="l" rtl="0">
-              <a:lnSpc>
-                <a:spcPct val="115000"/>
-              </a:lnSpc>
-              <a:spcBef>
-                <a:spcPts val="1600"/>
-              </a:spcBef>
-              <a:spcAft>
-                <a:spcPts val="0"/>
-              </a:spcAft>
-              <a:buClr>
-                <a:schemeClr val="dk2"/>
-              </a:buClr>
-              <a:buSzPts val="1400"/>
-              <a:buFont typeface="Roboto"/>
-              <a:buChar char="○"/>
-              <a:defRPr sz="1400" b="0" i="0" u="none" strike="noStrike" cap="none">
-                <a:solidFill>
-                  <a:schemeClr val="dk2"/>
-                </a:solidFill>
-                <a:latin typeface="Roboto"/>
-                <a:ea typeface="Roboto"/>
-                <a:cs typeface="Roboto"/>
-                <a:sym typeface="Roboto"/>
-              </a:defRPr>
-            </a:lvl5pPr>
-            <a:lvl6pPr marL="2743200" marR="0" lvl="5" indent="-317500" algn="l" rtl="0">
-              <a:lnSpc>
-                <a:spcPct val="115000"/>
-              </a:lnSpc>
-              <a:spcBef>
-                <a:spcPts val="1600"/>
-              </a:spcBef>
-              <a:spcAft>
-                <a:spcPts val="0"/>
-              </a:spcAft>
-              <a:buClr>
-                <a:schemeClr val="dk2"/>
-              </a:buClr>
-              <a:buSzPts val="1400"/>
-              <a:buFont typeface="Roboto"/>
-              <a:buChar char="■"/>
-              <a:defRPr sz="1400" b="0" i="0" u="none" strike="noStrike" cap="none">
-                <a:solidFill>
-                  <a:schemeClr val="dk2"/>
-                </a:solidFill>
-                <a:latin typeface="Roboto"/>
-                <a:ea typeface="Roboto"/>
-                <a:cs typeface="Roboto"/>
-                <a:sym typeface="Roboto"/>
-              </a:defRPr>
-            </a:lvl6pPr>
-            <a:lvl7pPr marL="3200400" marR="0" lvl="6" indent="-317500" algn="l" rtl="0">
-              <a:lnSpc>
-                <a:spcPct val="115000"/>
-              </a:lnSpc>
-              <a:spcBef>
-                <a:spcPts val="1600"/>
-              </a:spcBef>
-              <a:spcAft>
-                <a:spcPts val="0"/>
-              </a:spcAft>
-              <a:buClr>
-                <a:schemeClr val="dk2"/>
-              </a:buClr>
-              <a:buSzPts val="1400"/>
-              <a:buFont typeface="Roboto"/>
-              <a:buChar char="●"/>
-              <a:defRPr sz="1400" b="0" i="0" u="none" strike="noStrike" cap="none">
-                <a:solidFill>
-                  <a:schemeClr val="dk2"/>
-                </a:solidFill>
-                <a:latin typeface="Roboto"/>
-                <a:ea typeface="Roboto"/>
-                <a:cs typeface="Roboto"/>
-                <a:sym typeface="Roboto"/>
-              </a:defRPr>
-            </a:lvl7pPr>
-            <a:lvl8pPr marL="3657600" marR="0" lvl="7" indent="-317500" algn="l" rtl="0">
-              <a:lnSpc>
-                <a:spcPct val="115000"/>
-              </a:lnSpc>
-              <a:spcBef>
-                <a:spcPts val="1600"/>
-              </a:spcBef>
-              <a:spcAft>
-                <a:spcPts val="0"/>
-              </a:spcAft>
-              <a:buClr>
-                <a:schemeClr val="dk2"/>
-              </a:buClr>
-              <a:buSzPts val="1400"/>
-              <a:buFont typeface="Roboto"/>
-              <a:buChar char="○"/>
-              <a:defRPr sz="1400" b="0" i="0" u="none" strike="noStrike" cap="none">
-                <a:solidFill>
-                  <a:schemeClr val="dk2"/>
-                </a:solidFill>
-                <a:latin typeface="Roboto"/>
-                <a:ea typeface="Roboto"/>
-                <a:cs typeface="Roboto"/>
-                <a:sym typeface="Roboto"/>
-              </a:defRPr>
-            </a:lvl8pPr>
-            <a:lvl9pPr marL="4114800" marR="0" lvl="8" indent="-317500" algn="l" rtl="0">
-              <a:lnSpc>
-                <a:spcPct val="115000"/>
-              </a:lnSpc>
-              <a:spcBef>
-                <a:spcPts val="1600"/>
-              </a:spcBef>
-              <a:spcAft>
-                <a:spcPts val="1600"/>
-              </a:spcAft>
-              <a:buClr>
-                <a:schemeClr val="dk2"/>
-              </a:buClr>
-              <a:buSzPts val="1400"/>
-              <a:buFont typeface="Roboto"/>
-              <a:buChar char="■"/>
-              <a:defRPr sz="1400" b="0" i="0" u="none" strike="noStrike" cap="none">
-                <a:solidFill>
-                  <a:schemeClr val="dk2"/>
-                </a:solidFill>
-                <a:latin typeface="Roboto"/>
-                <a:ea typeface="Roboto"/>
-                <a:cs typeface="Roboto"/>
-                <a:sym typeface="Roboto"/>
-              </a:defRPr>
-            </a:lvl9pPr>
-          </a:lstStyle>
-          <a:p>
-            <a:pPr marL="342900">
-              <a:buFont typeface="Roboto"/>
-              <a:buAutoNum type="arabicPeriod"/>
-            </a:pPr>
-            <a:r>
-              <a:rPr lang="en-US" sz="1300" dirty="0"/>
-              <a:t>Define Key Metrics</a:t>
-            </a:r>
-          </a:p>
-          <a:p>
-            <a:pPr marL="342900">
-              <a:buFont typeface="Roboto"/>
-              <a:buAutoNum type="arabicPeriod"/>
-            </a:pPr>
-            <a:r>
-              <a:rPr lang="en-US" sz="1300" dirty="0"/>
-              <a:t>Assign Weight</a:t>
-            </a:r>
-          </a:p>
-          <a:p>
-            <a:pPr marL="342900">
-              <a:buFont typeface="Roboto"/>
-              <a:buAutoNum type="arabicPeriod"/>
-            </a:pPr>
-            <a:r>
-              <a:rPr lang="en-US" sz="1300" dirty="0"/>
-              <a:t>Calculate Individual Score</a:t>
-            </a:r>
-          </a:p>
-          <a:p>
-            <a:pPr marL="342900">
-              <a:buFont typeface="Roboto"/>
-              <a:buAutoNum type="arabicPeriod"/>
-            </a:pPr>
-            <a:r>
-              <a:rPr lang="en-US" sz="1300" dirty="0"/>
-              <a:t>Aggregate Wellness Score</a:t>
-            </a:r>
-          </a:p>
-          <a:p>
-            <a:pPr marL="342900">
-              <a:buFont typeface="Roboto"/>
-              <a:buAutoNum type="arabicPeriod"/>
-            </a:pPr>
-            <a:endParaRPr lang="en-US" sz="1300" b="1" dirty="0"/>
-          </a:p>
-          <a:p>
-            <a:pPr marL="0" indent="0">
-              <a:buNone/>
-            </a:pPr>
-            <a:r>
-              <a:rPr lang="en-US" sz="1300" b="1" dirty="0"/>
-              <a:t>Package used:</a:t>
-            </a:r>
-          </a:p>
-          <a:p>
-            <a:pPr marL="285750" lvl="0" indent="-285750" rtl="0">
-              <a:spcBef>
-                <a:spcPts val="0"/>
-              </a:spcBef>
-              <a:spcAft>
-                <a:spcPts val="0"/>
-              </a:spcAft>
-              <a:buFont typeface="Arial" panose="020B0604020202020204" pitchFamily="34" charset="0"/>
-              <a:buChar char="•"/>
-            </a:pPr>
-            <a:r>
-              <a:rPr lang="en-US" sz="1300" i="1" dirty="0"/>
-              <a:t>pandas</a:t>
-            </a:r>
-          </a:p>
-          <a:p>
-            <a:pPr marL="285750" lvl="0" indent="-285750" rtl="0">
-              <a:spcBef>
-                <a:spcPts val="0"/>
-              </a:spcBef>
-              <a:spcAft>
-                <a:spcPts val="0"/>
-              </a:spcAft>
-              <a:buFont typeface="Arial" panose="020B0604020202020204" pitchFamily="34" charset="0"/>
-              <a:buChar char="•"/>
-            </a:pPr>
-            <a:r>
-              <a:rPr lang="en-US" sz="1300" i="1" dirty="0"/>
-              <a:t>numpy</a:t>
-            </a:r>
-          </a:p>
-          <a:p>
-            <a:pPr marL="0" indent="0">
-              <a:buNone/>
-            </a:pPr>
-            <a:endParaRPr lang="en-US" sz="1300" b="1" dirty="0"/>
-          </a:p>
-          <a:p>
-            <a:pPr marL="342900">
-              <a:buFont typeface="Roboto"/>
-              <a:buAutoNum type="arabicPeriod"/>
-            </a:pPr>
-            <a:endParaRPr lang="en-US" sz="1300" b="1" dirty="0"/>
-          </a:p>
-          <a:p>
-            <a:pPr marL="342900">
-              <a:buFont typeface="Roboto"/>
-              <a:buAutoNum type="arabicPeriod"/>
-            </a:pPr>
-            <a:endParaRPr lang="en-US" sz="1300" b="1" dirty="0"/>
-          </a:p>
-          <a:p>
-            <a:pPr marL="0" indent="0">
-              <a:spcBef>
-                <a:spcPts val="800"/>
-              </a:spcBef>
-              <a:spcAft>
-                <a:spcPts val="800"/>
-              </a:spcAft>
-              <a:buFont typeface="Roboto"/>
-              <a:buNone/>
-            </a:pPr>
-            <a:endParaRPr lang="en-US" sz="1300" dirty="0"/>
-          </a:p>
-        </p:txBody>
-      </p:sp>
-      <p:sp>
-        <p:nvSpPr>
-          <p:cNvPr id="4" name="Google Shape;169;p20">
-            <a:extLst>
-              <a:ext uri="{FF2B5EF4-FFF2-40B4-BE49-F238E27FC236}">
-                <a16:creationId xmlns:a16="http://schemas.microsoft.com/office/drawing/2014/main" id="{DC417189-5689-A75E-9774-8BF889C09DDE}"/>
-              </a:ext>
-            </a:extLst>
-          </p:cNvPr>
-          <p:cNvSpPr txBox="1">
-            <a:spLocks/>
-          </p:cNvSpPr>
-          <p:nvPr/>
-        </p:nvSpPr>
-        <p:spPr>
-          <a:xfrm>
-            <a:off x="4602599" y="1507334"/>
-            <a:ext cx="2181225" cy="3202399"/>
-          </a:xfrm>
-          <a:prstGeom prst="rect">
-            <a:avLst/>
-          </a:prstGeom>
-          <a:noFill/>
-          <a:ln>
-            <a:noFill/>
-          </a:ln>
-        </p:spPr>
-        <p:txBody>
-          <a:bodyPr spcFirstLastPara="1" wrap="square" lIns="91425" tIns="91425" rIns="91425" bIns="91425" anchor="t" anchorCtr="0">
-            <a:noAutofit/>
-          </a:bodyPr>
-          <a:lstStyle>
-            <a:defPPr marR="0" lvl="0" algn="l" rtl="0">
-              <a:lnSpc>
-                <a:spcPct val="100000"/>
-              </a:lnSpc>
-              <a:spcBef>
-                <a:spcPts val="0"/>
-              </a:spcBef>
-              <a:spcAft>
-                <a:spcPts val="0"/>
-              </a:spcAft>
-            </a:defPPr>
-            <a:lvl1pPr marL="457200" marR="0" lvl="0" indent="-342900" algn="l" rtl="0">
-              <a:lnSpc>
-                <a:spcPct val="115000"/>
-              </a:lnSpc>
-              <a:spcBef>
-                <a:spcPts val="0"/>
-              </a:spcBef>
-              <a:spcAft>
-                <a:spcPts val="0"/>
-              </a:spcAft>
-              <a:buClr>
-                <a:schemeClr val="dk2"/>
-              </a:buClr>
-              <a:buSzPts val="1800"/>
-              <a:buFont typeface="Roboto"/>
-              <a:buChar char="●"/>
-              <a:defRPr sz="1800" b="0" i="0" u="none" strike="noStrike" cap="none">
-                <a:solidFill>
-                  <a:schemeClr val="dk2"/>
-                </a:solidFill>
-                <a:latin typeface="Roboto"/>
-                <a:ea typeface="Roboto"/>
-                <a:cs typeface="Roboto"/>
-                <a:sym typeface="Roboto"/>
-              </a:defRPr>
-            </a:lvl1pPr>
-            <a:lvl2pPr marL="914400" marR="0" lvl="1" indent="-317500" algn="l" rtl="0">
-              <a:lnSpc>
-                <a:spcPct val="115000"/>
-              </a:lnSpc>
-              <a:spcBef>
-                <a:spcPts val="1600"/>
-              </a:spcBef>
-              <a:spcAft>
-                <a:spcPts val="0"/>
-              </a:spcAft>
-              <a:buClr>
-                <a:schemeClr val="dk2"/>
-              </a:buClr>
-              <a:buSzPts val="1400"/>
-              <a:buFont typeface="Roboto"/>
-              <a:buChar char="○"/>
-              <a:defRPr sz="1400" b="0" i="0" u="none" strike="noStrike" cap="none">
-                <a:solidFill>
-                  <a:schemeClr val="dk2"/>
-                </a:solidFill>
-                <a:latin typeface="Roboto"/>
-                <a:ea typeface="Roboto"/>
-                <a:cs typeface="Roboto"/>
-                <a:sym typeface="Roboto"/>
-              </a:defRPr>
-            </a:lvl2pPr>
-            <a:lvl3pPr marL="1371600" marR="0" lvl="2" indent="-317500" algn="l" rtl="0">
-              <a:lnSpc>
-                <a:spcPct val="115000"/>
-              </a:lnSpc>
-              <a:spcBef>
-                <a:spcPts val="1600"/>
-              </a:spcBef>
-              <a:spcAft>
-                <a:spcPts val="0"/>
-              </a:spcAft>
-              <a:buClr>
-                <a:schemeClr val="dk2"/>
-              </a:buClr>
-              <a:buSzPts val="1400"/>
-              <a:buFont typeface="Roboto"/>
-              <a:buChar char="■"/>
-              <a:defRPr sz="1400" b="0" i="0" u="none" strike="noStrike" cap="none">
-                <a:solidFill>
-                  <a:schemeClr val="dk2"/>
-                </a:solidFill>
-                <a:latin typeface="Roboto"/>
-                <a:ea typeface="Roboto"/>
-                <a:cs typeface="Roboto"/>
-                <a:sym typeface="Roboto"/>
-              </a:defRPr>
-            </a:lvl3pPr>
-            <a:lvl4pPr marL="1828800" marR="0" lvl="3" indent="-317500" algn="l" rtl="0">
-              <a:lnSpc>
-                <a:spcPct val="115000"/>
-              </a:lnSpc>
-              <a:spcBef>
-                <a:spcPts val="1600"/>
-              </a:spcBef>
-              <a:spcAft>
-                <a:spcPts val="0"/>
-              </a:spcAft>
-              <a:buClr>
-                <a:schemeClr val="dk2"/>
-              </a:buClr>
-              <a:buSzPts val="1400"/>
-              <a:buFont typeface="Roboto"/>
-              <a:buChar char="●"/>
-              <a:defRPr sz="1400" b="0" i="0" u="none" strike="noStrike" cap="none">
-                <a:solidFill>
-                  <a:schemeClr val="dk2"/>
-                </a:solidFill>
-                <a:latin typeface="Roboto"/>
-                <a:ea typeface="Roboto"/>
-                <a:cs typeface="Roboto"/>
-                <a:sym typeface="Roboto"/>
-              </a:defRPr>
-            </a:lvl4pPr>
-            <a:lvl5pPr marL="2286000" marR="0" lvl="4" indent="-317500" algn="l" rtl="0">
-              <a:lnSpc>
-                <a:spcPct val="115000"/>
-              </a:lnSpc>
-              <a:spcBef>
-                <a:spcPts val="1600"/>
-              </a:spcBef>
-              <a:spcAft>
-                <a:spcPts val="0"/>
-              </a:spcAft>
-              <a:buClr>
-                <a:schemeClr val="dk2"/>
-              </a:buClr>
-              <a:buSzPts val="1400"/>
-              <a:buFont typeface="Roboto"/>
-              <a:buChar char="○"/>
-              <a:defRPr sz="1400" b="0" i="0" u="none" strike="noStrike" cap="none">
-                <a:solidFill>
-                  <a:schemeClr val="dk2"/>
-                </a:solidFill>
-                <a:latin typeface="Roboto"/>
-                <a:ea typeface="Roboto"/>
-                <a:cs typeface="Roboto"/>
-                <a:sym typeface="Roboto"/>
-              </a:defRPr>
-            </a:lvl5pPr>
-            <a:lvl6pPr marL="2743200" marR="0" lvl="5" indent="-317500" algn="l" rtl="0">
-              <a:lnSpc>
-                <a:spcPct val="115000"/>
-              </a:lnSpc>
-              <a:spcBef>
-                <a:spcPts val="1600"/>
-              </a:spcBef>
-              <a:spcAft>
-                <a:spcPts val="0"/>
-              </a:spcAft>
-              <a:buClr>
-                <a:schemeClr val="dk2"/>
-              </a:buClr>
-              <a:buSzPts val="1400"/>
-              <a:buFont typeface="Roboto"/>
-              <a:buChar char="■"/>
-              <a:defRPr sz="1400" b="0" i="0" u="none" strike="noStrike" cap="none">
-                <a:solidFill>
-                  <a:schemeClr val="dk2"/>
-                </a:solidFill>
-                <a:latin typeface="Roboto"/>
-                <a:ea typeface="Roboto"/>
-                <a:cs typeface="Roboto"/>
-                <a:sym typeface="Roboto"/>
-              </a:defRPr>
-            </a:lvl6pPr>
-            <a:lvl7pPr marL="3200400" marR="0" lvl="6" indent="-317500" algn="l" rtl="0">
-              <a:lnSpc>
-                <a:spcPct val="115000"/>
-              </a:lnSpc>
-              <a:spcBef>
-                <a:spcPts val="1600"/>
-              </a:spcBef>
-              <a:spcAft>
-                <a:spcPts val="0"/>
-              </a:spcAft>
-              <a:buClr>
-                <a:schemeClr val="dk2"/>
-              </a:buClr>
-              <a:buSzPts val="1400"/>
-              <a:buFont typeface="Roboto"/>
-              <a:buChar char="●"/>
-              <a:defRPr sz="1400" b="0" i="0" u="none" strike="noStrike" cap="none">
-                <a:solidFill>
-                  <a:schemeClr val="dk2"/>
-                </a:solidFill>
-                <a:latin typeface="Roboto"/>
-                <a:ea typeface="Roboto"/>
-                <a:cs typeface="Roboto"/>
-                <a:sym typeface="Roboto"/>
-              </a:defRPr>
-            </a:lvl7pPr>
-            <a:lvl8pPr marL="3657600" marR="0" lvl="7" indent="-317500" algn="l" rtl="0">
-              <a:lnSpc>
-                <a:spcPct val="115000"/>
-              </a:lnSpc>
-              <a:spcBef>
-                <a:spcPts val="1600"/>
-              </a:spcBef>
-              <a:spcAft>
-                <a:spcPts val="0"/>
-              </a:spcAft>
-              <a:buClr>
-                <a:schemeClr val="dk2"/>
-              </a:buClr>
-              <a:buSzPts val="1400"/>
-              <a:buFont typeface="Roboto"/>
-              <a:buChar char="○"/>
-              <a:defRPr sz="1400" b="0" i="0" u="none" strike="noStrike" cap="none">
-                <a:solidFill>
-                  <a:schemeClr val="dk2"/>
-                </a:solidFill>
-                <a:latin typeface="Roboto"/>
-                <a:ea typeface="Roboto"/>
-                <a:cs typeface="Roboto"/>
-                <a:sym typeface="Roboto"/>
-              </a:defRPr>
-            </a:lvl8pPr>
-            <a:lvl9pPr marL="4114800" marR="0" lvl="8" indent="-317500" algn="l" rtl="0">
-              <a:lnSpc>
-                <a:spcPct val="115000"/>
-              </a:lnSpc>
-              <a:spcBef>
-                <a:spcPts val="1600"/>
-              </a:spcBef>
-              <a:spcAft>
-                <a:spcPts val="1600"/>
-              </a:spcAft>
-              <a:buClr>
-                <a:schemeClr val="dk2"/>
-              </a:buClr>
-              <a:buSzPts val="1400"/>
-              <a:buFont typeface="Roboto"/>
-              <a:buChar char="■"/>
-              <a:defRPr sz="1400" b="0" i="0" u="none" strike="noStrike" cap="none">
-                <a:solidFill>
-                  <a:schemeClr val="dk2"/>
-                </a:solidFill>
-                <a:latin typeface="Roboto"/>
-                <a:ea typeface="Roboto"/>
-                <a:cs typeface="Roboto"/>
-                <a:sym typeface="Roboto"/>
-              </a:defRPr>
-            </a:lvl9pPr>
-          </a:lstStyle>
-          <a:p>
-            <a:pPr marL="342900">
-              <a:buFont typeface="Roboto"/>
-              <a:buAutoNum type="arabicPeriod"/>
-            </a:pPr>
-            <a:r>
-              <a:rPr lang="en-US" sz="1300" dirty="0"/>
-              <a:t>Load pre-trained model</a:t>
-            </a:r>
-          </a:p>
-          <a:p>
-            <a:pPr marL="342900">
-              <a:buFont typeface="Roboto"/>
-              <a:buAutoNum type="arabicPeriod"/>
-            </a:pPr>
-            <a:r>
-              <a:rPr lang="en-US" sz="1300" dirty="0"/>
-              <a:t>Fine-tune the model</a:t>
-            </a:r>
-          </a:p>
-          <a:p>
-            <a:pPr marL="342900">
-              <a:buFont typeface="Roboto"/>
-              <a:buAutoNum type="arabicPeriod"/>
-            </a:pPr>
-            <a:r>
-              <a:rPr lang="en-US" sz="1300" dirty="0"/>
-              <a:t>Predict adjustment</a:t>
-            </a:r>
-          </a:p>
-          <a:p>
-            <a:pPr marL="342900">
-              <a:buFont typeface="Roboto"/>
-              <a:buAutoNum type="arabicPeriod"/>
-            </a:pPr>
-            <a:r>
-              <a:rPr lang="en-US" sz="1300" dirty="0"/>
-              <a:t>Combine Predictions with Weighted Score</a:t>
-            </a:r>
-            <a:endParaRPr lang="en-US" sz="1300" b="1" dirty="0"/>
-          </a:p>
-          <a:p>
-            <a:pPr marL="0" indent="0">
-              <a:buNone/>
-            </a:pPr>
-            <a:endParaRPr lang="en-US" sz="1300" b="1" dirty="0"/>
-          </a:p>
-          <a:p>
-            <a:pPr marL="0" indent="0">
-              <a:buNone/>
-            </a:pPr>
-            <a:r>
-              <a:rPr lang="en-US" sz="1300" b="1" dirty="0"/>
-              <a:t>Packages used:</a:t>
-            </a:r>
-          </a:p>
-          <a:p>
-            <a:pPr marL="285750" indent="-285750">
-              <a:buFont typeface="Arial" panose="020B0604020202020204" pitchFamily="34" charset="0"/>
-              <a:buChar char="•"/>
-            </a:pPr>
-            <a:r>
-              <a:rPr lang="en-US" sz="1300" dirty="0"/>
-              <a:t>transformers</a:t>
-            </a:r>
-          </a:p>
-          <a:p>
-            <a:pPr marL="285750" indent="-285750">
-              <a:buFont typeface="Arial" panose="020B0604020202020204" pitchFamily="34" charset="0"/>
-              <a:buChar char="•"/>
-            </a:pPr>
-            <a:r>
-              <a:rPr lang="en-US" sz="1300" dirty="0"/>
-              <a:t>tokenizer</a:t>
-            </a:r>
-          </a:p>
-          <a:p>
-            <a:pPr marL="285750" indent="-285750">
-              <a:buFont typeface="Arial" panose="020B0604020202020204" pitchFamily="34" charset="0"/>
-              <a:buChar char="•"/>
-            </a:pPr>
-            <a:r>
-              <a:rPr lang="en-US" sz="1300" dirty="0"/>
-              <a:t>datasets</a:t>
-            </a:r>
-          </a:p>
-          <a:p>
-            <a:pPr marL="0" indent="0">
-              <a:buNone/>
-            </a:pPr>
-            <a:endParaRPr lang="en-US" sz="1300" b="1" dirty="0"/>
-          </a:p>
-          <a:p>
-            <a:pPr marL="0" indent="0">
-              <a:buNone/>
-            </a:pPr>
-            <a:endParaRPr lang="en-US" sz="1300" b="1" dirty="0"/>
-          </a:p>
-          <a:p>
-            <a:pPr marL="0" indent="0">
-              <a:buNone/>
-            </a:pPr>
-            <a:endParaRPr lang="en-US" sz="1300" b="1" dirty="0"/>
-          </a:p>
-          <a:p>
-            <a:pPr marL="0" indent="0">
-              <a:spcBef>
-                <a:spcPts val="800"/>
-              </a:spcBef>
-              <a:spcAft>
-                <a:spcPts val="800"/>
-              </a:spcAft>
-              <a:buFont typeface="Roboto"/>
-              <a:buNone/>
-            </a:pPr>
-            <a:endParaRPr lang="en-US" sz="1300" dirty="0"/>
-          </a:p>
-        </p:txBody>
-      </p:sp>
-      <p:sp>
-        <p:nvSpPr>
-          <p:cNvPr id="5" name="Google Shape;169;p20">
-            <a:extLst>
-              <a:ext uri="{FF2B5EF4-FFF2-40B4-BE49-F238E27FC236}">
-                <a16:creationId xmlns:a16="http://schemas.microsoft.com/office/drawing/2014/main" id="{17AEBF59-FA06-B767-82D0-8163367C8481}"/>
-              </a:ext>
-            </a:extLst>
-          </p:cNvPr>
-          <p:cNvSpPr txBox="1">
-            <a:spLocks/>
-          </p:cNvSpPr>
-          <p:nvPr/>
-        </p:nvSpPr>
-        <p:spPr>
-          <a:xfrm>
-            <a:off x="6783824" y="1518088"/>
-            <a:ext cx="2120027" cy="3202399"/>
-          </a:xfrm>
-          <a:prstGeom prst="rect">
-            <a:avLst/>
-          </a:prstGeom>
-          <a:noFill/>
-          <a:ln>
-            <a:noFill/>
-          </a:ln>
-        </p:spPr>
-        <p:txBody>
-          <a:bodyPr spcFirstLastPara="1" wrap="square" lIns="91425" tIns="91425" rIns="91425" bIns="91425" anchor="t" anchorCtr="0">
-            <a:noAutofit/>
-          </a:bodyPr>
-          <a:lstStyle>
-            <a:defPPr marR="0" lvl="0" algn="l" rtl="0">
-              <a:lnSpc>
-                <a:spcPct val="100000"/>
-              </a:lnSpc>
-              <a:spcBef>
-                <a:spcPts val="0"/>
-              </a:spcBef>
-              <a:spcAft>
-                <a:spcPts val="0"/>
-              </a:spcAft>
-            </a:defPPr>
-            <a:lvl1pPr marL="457200" marR="0" lvl="0" indent="-342900" algn="l" rtl="0">
-              <a:lnSpc>
-                <a:spcPct val="115000"/>
-              </a:lnSpc>
-              <a:spcBef>
-                <a:spcPts val="0"/>
-              </a:spcBef>
-              <a:spcAft>
-                <a:spcPts val="0"/>
-              </a:spcAft>
-              <a:buClr>
-                <a:schemeClr val="dk2"/>
-              </a:buClr>
-              <a:buSzPts val="1800"/>
-              <a:buFont typeface="Roboto"/>
-              <a:buChar char="●"/>
-              <a:defRPr sz="1800" b="0" i="0" u="none" strike="noStrike" cap="none">
-                <a:solidFill>
-                  <a:schemeClr val="dk2"/>
-                </a:solidFill>
-                <a:latin typeface="Roboto"/>
-                <a:ea typeface="Roboto"/>
-                <a:cs typeface="Roboto"/>
-                <a:sym typeface="Roboto"/>
-              </a:defRPr>
-            </a:lvl1pPr>
-            <a:lvl2pPr marL="914400" marR="0" lvl="1" indent="-317500" algn="l" rtl="0">
-              <a:lnSpc>
-                <a:spcPct val="115000"/>
-              </a:lnSpc>
-              <a:spcBef>
-                <a:spcPts val="1600"/>
-              </a:spcBef>
-              <a:spcAft>
-                <a:spcPts val="0"/>
-              </a:spcAft>
-              <a:buClr>
-                <a:schemeClr val="dk2"/>
-              </a:buClr>
-              <a:buSzPts val="1400"/>
-              <a:buFont typeface="Roboto"/>
-              <a:buChar char="○"/>
-              <a:defRPr sz="1400" b="0" i="0" u="none" strike="noStrike" cap="none">
-                <a:solidFill>
-                  <a:schemeClr val="dk2"/>
-                </a:solidFill>
-                <a:latin typeface="Roboto"/>
-                <a:ea typeface="Roboto"/>
-                <a:cs typeface="Roboto"/>
-                <a:sym typeface="Roboto"/>
-              </a:defRPr>
-            </a:lvl2pPr>
-            <a:lvl3pPr marL="1371600" marR="0" lvl="2" indent="-317500" algn="l" rtl="0">
-              <a:lnSpc>
-                <a:spcPct val="115000"/>
-              </a:lnSpc>
-              <a:spcBef>
-                <a:spcPts val="1600"/>
-              </a:spcBef>
-              <a:spcAft>
-                <a:spcPts val="0"/>
-              </a:spcAft>
-              <a:buClr>
-                <a:schemeClr val="dk2"/>
-              </a:buClr>
-              <a:buSzPts val="1400"/>
-              <a:buFont typeface="Roboto"/>
-              <a:buChar char="■"/>
-              <a:defRPr sz="1400" b="0" i="0" u="none" strike="noStrike" cap="none">
-                <a:solidFill>
-                  <a:schemeClr val="dk2"/>
-                </a:solidFill>
-                <a:latin typeface="Roboto"/>
-                <a:ea typeface="Roboto"/>
-                <a:cs typeface="Roboto"/>
-                <a:sym typeface="Roboto"/>
-              </a:defRPr>
-            </a:lvl3pPr>
-            <a:lvl4pPr marL="1828800" marR="0" lvl="3" indent="-317500" algn="l" rtl="0">
-              <a:lnSpc>
-                <a:spcPct val="115000"/>
-              </a:lnSpc>
-              <a:spcBef>
-                <a:spcPts val="1600"/>
-              </a:spcBef>
-              <a:spcAft>
-                <a:spcPts val="0"/>
-              </a:spcAft>
-              <a:buClr>
-                <a:schemeClr val="dk2"/>
-              </a:buClr>
-              <a:buSzPts val="1400"/>
-              <a:buFont typeface="Roboto"/>
-              <a:buChar char="●"/>
-              <a:defRPr sz="1400" b="0" i="0" u="none" strike="noStrike" cap="none">
-                <a:solidFill>
-                  <a:schemeClr val="dk2"/>
-                </a:solidFill>
-                <a:latin typeface="Roboto"/>
-                <a:ea typeface="Roboto"/>
-                <a:cs typeface="Roboto"/>
-                <a:sym typeface="Roboto"/>
-              </a:defRPr>
-            </a:lvl4pPr>
-            <a:lvl5pPr marL="2286000" marR="0" lvl="4" indent="-317500" algn="l" rtl="0">
-              <a:lnSpc>
-                <a:spcPct val="115000"/>
-              </a:lnSpc>
-              <a:spcBef>
-                <a:spcPts val="1600"/>
-              </a:spcBef>
-              <a:spcAft>
-                <a:spcPts val="0"/>
-              </a:spcAft>
-              <a:buClr>
-                <a:schemeClr val="dk2"/>
-              </a:buClr>
-              <a:buSzPts val="1400"/>
-              <a:buFont typeface="Roboto"/>
-              <a:buChar char="○"/>
-              <a:defRPr sz="1400" b="0" i="0" u="none" strike="noStrike" cap="none">
-                <a:solidFill>
-                  <a:schemeClr val="dk2"/>
-                </a:solidFill>
-                <a:latin typeface="Roboto"/>
-                <a:ea typeface="Roboto"/>
-                <a:cs typeface="Roboto"/>
-                <a:sym typeface="Roboto"/>
-              </a:defRPr>
-            </a:lvl5pPr>
-            <a:lvl6pPr marL="2743200" marR="0" lvl="5" indent="-317500" algn="l" rtl="0">
-              <a:lnSpc>
-                <a:spcPct val="115000"/>
-              </a:lnSpc>
-              <a:spcBef>
-                <a:spcPts val="1600"/>
-              </a:spcBef>
-              <a:spcAft>
-                <a:spcPts val="0"/>
-              </a:spcAft>
-              <a:buClr>
-                <a:schemeClr val="dk2"/>
-              </a:buClr>
-              <a:buSzPts val="1400"/>
-              <a:buFont typeface="Roboto"/>
-              <a:buChar char="■"/>
-              <a:defRPr sz="1400" b="0" i="0" u="none" strike="noStrike" cap="none">
-                <a:solidFill>
-                  <a:schemeClr val="dk2"/>
-                </a:solidFill>
-                <a:latin typeface="Roboto"/>
-                <a:ea typeface="Roboto"/>
-                <a:cs typeface="Roboto"/>
-                <a:sym typeface="Roboto"/>
-              </a:defRPr>
-            </a:lvl6pPr>
-            <a:lvl7pPr marL="3200400" marR="0" lvl="6" indent="-317500" algn="l" rtl="0">
-              <a:lnSpc>
-                <a:spcPct val="115000"/>
-              </a:lnSpc>
-              <a:spcBef>
-                <a:spcPts val="1600"/>
-              </a:spcBef>
-              <a:spcAft>
-                <a:spcPts val="0"/>
-              </a:spcAft>
-              <a:buClr>
-                <a:schemeClr val="dk2"/>
-              </a:buClr>
-              <a:buSzPts val="1400"/>
-              <a:buFont typeface="Roboto"/>
-              <a:buChar char="●"/>
-              <a:defRPr sz="1400" b="0" i="0" u="none" strike="noStrike" cap="none">
-                <a:solidFill>
-                  <a:schemeClr val="dk2"/>
-                </a:solidFill>
-                <a:latin typeface="Roboto"/>
-                <a:ea typeface="Roboto"/>
-                <a:cs typeface="Roboto"/>
-                <a:sym typeface="Roboto"/>
-              </a:defRPr>
-            </a:lvl7pPr>
-            <a:lvl8pPr marL="3657600" marR="0" lvl="7" indent="-317500" algn="l" rtl="0">
-              <a:lnSpc>
-                <a:spcPct val="115000"/>
-              </a:lnSpc>
-              <a:spcBef>
-                <a:spcPts val="1600"/>
-              </a:spcBef>
-              <a:spcAft>
-                <a:spcPts val="0"/>
-              </a:spcAft>
-              <a:buClr>
-                <a:schemeClr val="dk2"/>
-              </a:buClr>
-              <a:buSzPts val="1400"/>
-              <a:buFont typeface="Roboto"/>
-              <a:buChar char="○"/>
-              <a:defRPr sz="1400" b="0" i="0" u="none" strike="noStrike" cap="none">
-                <a:solidFill>
-                  <a:schemeClr val="dk2"/>
-                </a:solidFill>
-                <a:latin typeface="Roboto"/>
-                <a:ea typeface="Roboto"/>
-                <a:cs typeface="Roboto"/>
-                <a:sym typeface="Roboto"/>
-              </a:defRPr>
-            </a:lvl8pPr>
-            <a:lvl9pPr marL="4114800" marR="0" lvl="8" indent="-317500" algn="l" rtl="0">
-              <a:lnSpc>
-                <a:spcPct val="115000"/>
-              </a:lnSpc>
-              <a:spcBef>
-                <a:spcPts val="1600"/>
-              </a:spcBef>
-              <a:spcAft>
-                <a:spcPts val="1600"/>
-              </a:spcAft>
-              <a:buClr>
-                <a:schemeClr val="dk2"/>
-              </a:buClr>
-              <a:buSzPts val="1400"/>
-              <a:buFont typeface="Roboto"/>
-              <a:buChar char="■"/>
-              <a:defRPr sz="1400" b="0" i="0" u="none" strike="noStrike" cap="none">
-                <a:solidFill>
-                  <a:schemeClr val="dk2"/>
-                </a:solidFill>
-                <a:latin typeface="Roboto"/>
-                <a:ea typeface="Roboto"/>
-                <a:cs typeface="Roboto"/>
-                <a:sym typeface="Roboto"/>
-              </a:defRPr>
-            </a:lvl9pPr>
-          </a:lstStyle>
-          <a:p>
-            <a:pPr marL="342900">
-              <a:buFont typeface="Roboto"/>
-              <a:buAutoNum type="arabicPeriod"/>
-            </a:pPr>
-            <a:r>
-              <a:rPr lang="en-US" sz="1300" dirty="0"/>
-              <a:t>Retrieve data</a:t>
-            </a:r>
-          </a:p>
-          <a:p>
-            <a:pPr marL="342900">
-              <a:buFont typeface="Roboto"/>
-              <a:buAutoNum type="arabicPeriod"/>
-            </a:pPr>
-            <a:r>
-              <a:rPr lang="en-US" sz="1300" dirty="0"/>
-              <a:t>Apply family-level adjustment</a:t>
-            </a:r>
-          </a:p>
-          <a:p>
-            <a:pPr marL="342900">
-              <a:buFont typeface="Roboto"/>
-              <a:buAutoNum type="arabicPeriod"/>
-            </a:pPr>
-            <a:r>
-              <a:rPr lang="en-US" sz="1300" dirty="0"/>
-              <a:t>Calculate family wellness score</a:t>
-            </a:r>
-          </a:p>
-          <a:p>
-            <a:pPr marL="342900">
-              <a:buFont typeface="Roboto"/>
-              <a:buAutoNum type="arabicPeriod"/>
-            </a:pPr>
-            <a:r>
-              <a:rPr lang="en-US" sz="1300" dirty="0"/>
-              <a:t>Calculate community score</a:t>
-            </a:r>
-          </a:p>
-          <a:p>
-            <a:pPr marL="342900">
-              <a:buFont typeface="Roboto"/>
-              <a:buAutoNum type="arabicPeriod"/>
-            </a:pPr>
-            <a:r>
-              <a:rPr lang="en-US" sz="1300" dirty="0"/>
-              <a:t>Adjust for social trends</a:t>
-            </a:r>
-            <a:endParaRPr lang="en-US" sz="1300" b="1" dirty="0"/>
-          </a:p>
-          <a:p>
-            <a:pPr marL="0" indent="0">
-              <a:buNone/>
-            </a:pPr>
-            <a:r>
-              <a:rPr lang="en-US" sz="1300" b="1" dirty="0"/>
-              <a:t>Packages used:</a:t>
-            </a:r>
-          </a:p>
-          <a:p>
-            <a:pPr marL="285750" indent="-285750">
-              <a:buFont typeface="Arial" panose="020B0604020202020204" pitchFamily="34" charset="0"/>
-              <a:buChar char="•"/>
-            </a:pPr>
-            <a:r>
-              <a:rPr lang="en-US" sz="1300" dirty="0"/>
-              <a:t>numpy</a:t>
-            </a:r>
-          </a:p>
-          <a:p>
-            <a:pPr marL="285750" indent="-285750">
-              <a:buFont typeface="Arial" panose="020B0604020202020204" pitchFamily="34" charset="0"/>
-              <a:buChar char="•"/>
-            </a:pPr>
-            <a:r>
-              <a:rPr lang="en-US" sz="1300" dirty="0"/>
-              <a:t>pandas</a:t>
-            </a:r>
-          </a:p>
-          <a:p>
-            <a:pPr marL="285750" indent="-285750">
-              <a:buFont typeface="Arial" panose="020B0604020202020204" pitchFamily="34" charset="0"/>
-              <a:buChar char="•"/>
-            </a:pPr>
-            <a:r>
-              <a:rPr lang="en-US" sz="1300" dirty="0" err="1"/>
-              <a:t>sklearn.preprocessing</a:t>
-            </a:r>
-            <a:endParaRPr lang="en-US" sz="1300" dirty="0"/>
-          </a:p>
-          <a:p>
-            <a:pPr marL="342900">
-              <a:buFont typeface="Roboto"/>
-              <a:buAutoNum type="arabicPeriod"/>
-            </a:pPr>
-            <a:endParaRPr lang="en-US" sz="1300" b="1" dirty="0"/>
-          </a:p>
-          <a:p>
-            <a:pPr marL="0" indent="0">
-              <a:spcBef>
-                <a:spcPts val="800"/>
-              </a:spcBef>
-              <a:spcAft>
-                <a:spcPts val="800"/>
-              </a:spcAft>
-              <a:buFont typeface="Roboto"/>
-              <a:buNone/>
-            </a:pPr>
-            <a:endParaRPr lang="en-US" sz="1300" dirty="0"/>
-          </a:p>
-        </p:txBody>
-      </p:sp>
-    </p:spTree>
   </p:cSld>
   <p:clrMapOvr>
     <a:masterClrMapping/>
